--- a/IEF_360deg_sesion1/Intro.pptx
+++ b/IEF_360deg_sesion1/Intro.pptx
@@ -5,20 +5,24 @@
     <p:sldMasterId id="2147483648" r:id="rId1"/>
   </p:sldMasterIdLst>
   <p:notesMasterIdLst>
-    <p:notesMasterId r:id="rId13"/>
+    <p:notesMasterId r:id="rId17"/>
   </p:notesMasterIdLst>
   <p:sldIdLst>
     <p:sldId id="280" r:id="rId2"/>
-    <p:sldId id="274" r:id="rId3"/>
-    <p:sldId id="275" r:id="rId4"/>
-    <p:sldId id="276" r:id="rId5"/>
-    <p:sldId id="277" r:id="rId6"/>
-    <p:sldId id="256" r:id="rId7"/>
-    <p:sldId id="278" r:id="rId8"/>
-    <p:sldId id="282" r:id="rId9"/>
-    <p:sldId id="283" r:id="rId10"/>
-    <p:sldId id="279" r:id="rId11"/>
-    <p:sldId id="281" r:id="rId12"/>
+    <p:sldId id="2147474067" r:id="rId3"/>
+    <p:sldId id="274" r:id="rId4"/>
+    <p:sldId id="275" r:id="rId5"/>
+    <p:sldId id="276" r:id="rId6"/>
+    <p:sldId id="277" r:id="rId7"/>
+    <p:sldId id="256" r:id="rId8"/>
+    <p:sldId id="278" r:id="rId9"/>
+    <p:sldId id="2147474068" r:id="rId10"/>
+    <p:sldId id="282" r:id="rId11"/>
+    <p:sldId id="283" r:id="rId12"/>
+    <p:sldId id="279" r:id="rId13"/>
+    <p:sldId id="2147474069" r:id="rId14"/>
+    <p:sldId id="2147474070" r:id="rId15"/>
+    <p:sldId id="281" r:id="rId16"/>
   </p:sldIdLst>
   <p:sldSz cx="12192000" cy="6858000"/>
   <p:notesSz cx="6858000" cy="9144000"/>
@@ -117,6 +121,11 @@
       </a:defRPr>
     </a:lvl9pPr>
   </p:defaultTextStyle>
+  <p:extLst>
+    <p:ext uri="{EFAFB233-063F-42B5-8137-9DF3F51BA10A}">
+      <p15:sldGuideLst xmlns:p15="http://schemas.microsoft.com/office/powerpoint/2012/main"/>
+    </p:ext>
+  </p:extLst>
 </p:presentation>
 </file>
 
@@ -202,7 +211,7 @@
           <a:p>
             <a:fld id="{FBCE6E01-8152-4A2A-B076-1FEB18D3E2AD}" type="datetimeFigureOut">
               <a:rPr lang="es-ES" smtClean="0"/>
-              <a:t>23/11/2025</a:t>
+              <a:t>25/11/2025</a:t>
             </a:fld>
             <a:endParaRPr lang="es-ES"/>
           </a:p>
@@ -470,6 +479,104 @@
 </file>
 
 <file path=ppt/notesSlides/notesSlide1.xml><?xml version="1.0" encoding="utf-8"?>
+<p:notes xmlns:a="http://schemas.openxmlformats.org/drawingml/2006/main" xmlns:r="http://schemas.openxmlformats.org/officeDocument/2006/relationships" xmlns:p="http://schemas.openxmlformats.org/presentationml/2006/main">
+  <p:cSld>
+    <p:spTree>
+      <p:nvGrpSpPr>
+        <p:cNvPr id="1" name=""/>
+        <p:cNvGrpSpPr/>
+        <p:nvPr/>
+      </p:nvGrpSpPr>
+      <p:grpSpPr>
+        <a:xfrm>
+          <a:off x="0" y="0"/>
+          <a:ext cx="0" cy="0"/>
+          <a:chOff x="0" y="0"/>
+          <a:chExt cx="0" cy="0"/>
+        </a:xfrm>
+      </p:grpSpPr>
+      <p:sp>
+        <p:nvSpPr>
+          <p:cNvPr id="2" name="Marcador de imagen de diapositiva 1"/>
+          <p:cNvSpPr>
+            <a:spLocks noGrp="1" noRot="1" noChangeAspect="1"/>
+          </p:cNvSpPr>
+          <p:nvPr>
+            <p:ph type="sldImg"/>
+          </p:nvPr>
+        </p:nvSpPr>
+        <p:spPr/>
+      </p:sp>
+      <p:sp>
+        <p:nvSpPr>
+          <p:cNvPr id="3" name="Marcador de notas 2"/>
+          <p:cNvSpPr>
+            <a:spLocks noGrp="1"/>
+          </p:cNvSpPr>
+          <p:nvPr>
+            <p:ph type="body" idx="1"/>
+          </p:nvPr>
+        </p:nvSpPr>
+        <p:spPr/>
+        <p:txBody>
+          <a:bodyPr/>
+          <a:lstStyle/>
+          <a:p>
+            <a:r>
+              <a:rPr lang="es-ES" dirty="0"/>
+              <a:t>Vamos ahora con Unity </a:t>
+            </a:r>
+            <a:r>
+              <a:rPr lang="es-ES" dirty="0" err="1"/>
+              <a:t>Catalog</a:t>
+            </a:r>
+            <a:r>
+              <a:rPr lang="es-ES" dirty="0"/>
+              <a:t>….</a:t>
+            </a:r>
+          </a:p>
+          <a:p>
+            <a:endParaRPr lang="es-ES" dirty="0"/>
+          </a:p>
+        </p:txBody>
+      </p:sp>
+      <p:sp>
+        <p:nvSpPr>
+          <p:cNvPr id="4" name="Marcador de número de diapositiva 3"/>
+          <p:cNvSpPr>
+            <a:spLocks noGrp="1"/>
+          </p:cNvSpPr>
+          <p:nvPr>
+            <p:ph type="sldNum" sz="quarter" idx="5"/>
+          </p:nvPr>
+        </p:nvSpPr>
+        <p:spPr/>
+        <p:txBody>
+          <a:bodyPr/>
+          <a:lstStyle/>
+          <a:p>
+            <a:fld id="{AAF8B64C-EDD0-41C9-AB7F-26F0E93D38A9}" type="slidenum">
+              <a:rPr lang="en-US" smtClean="0"/>
+              <a:t>2</a:t>
+            </a:fld>
+            <a:endParaRPr lang="en-US"/>
+          </a:p>
+        </p:txBody>
+      </p:sp>
+    </p:spTree>
+    <p:extLst>
+      <p:ext uri="{BB962C8B-B14F-4D97-AF65-F5344CB8AC3E}">
+        <p14:creationId xmlns:p14="http://schemas.microsoft.com/office/powerpoint/2010/main" val="124690170"/>
+      </p:ext>
+    </p:extLst>
+  </p:cSld>
+  <p:clrMapOvr>
+    <a:masterClrMapping/>
+  </p:clrMapOvr>
+</p:notes>
+</file>
+
+<file path=ppt/notesSlides/notesSlide2.xml><?xml version="1.0" encoding="utf-8"?>
 <p:notes xmlns:a="http://schemas.openxmlformats.org/drawingml/2006/main" xmlns:r="http://schemas.openxmlformats.org/officeDocument/2006/relationships" xmlns:p="http://schemas.openxmlformats.org/presentationml/2006/main" showMasterSp="0" showMasterPhAnim="0">
   <p:cSld>
     <p:spTree>
@@ -573,7 +680,7 @@
 </p:notes>
 </file>
 
-<file path=ppt/notesSlides/notesSlide2.xml><?xml version="1.0" encoding="utf-8"?>
+<file path=ppt/notesSlides/notesSlide3.xml><?xml version="1.0" encoding="utf-8"?>
 <p:notes xmlns:a="http://schemas.openxmlformats.org/drawingml/2006/main" xmlns:r="http://schemas.openxmlformats.org/officeDocument/2006/relationships" xmlns:p="http://schemas.openxmlformats.org/presentationml/2006/main" showMasterSp="0" showMasterPhAnim="0">
   <p:cSld>
     <p:spTree>
@@ -677,7 +784,7 @@
 </p:notes>
 </file>
 
-<file path=ppt/notesSlides/notesSlide3.xml><?xml version="1.0" encoding="utf-8"?>
+<file path=ppt/notesSlides/notesSlide4.xml><?xml version="1.0" encoding="utf-8"?>
 <p:notes xmlns:a="http://schemas.openxmlformats.org/drawingml/2006/main" xmlns:r="http://schemas.openxmlformats.org/officeDocument/2006/relationships" xmlns:p="http://schemas.openxmlformats.org/presentationml/2006/main" showMasterSp="0" showMasterPhAnim="0">
   <p:cSld>
     <p:spTree>
@@ -781,7 +888,7 @@
 </p:notes>
 </file>
 
-<file path=ppt/notesSlides/notesSlide4.xml><?xml version="1.0" encoding="utf-8"?>
+<file path=ppt/notesSlides/notesSlide5.xml><?xml version="1.0" encoding="utf-8"?>
 <p:notes xmlns:a="http://schemas.openxmlformats.org/drawingml/2006/main" xmlns:r="http://schemas.openxmlformats.org/officeDocument/2006/relationships" xmlns:p="http://schemas.openxmlformats.org/presentationml/2006/main" showMasterSp="0" showMasterPhAnim="0">
   <p:cSld>
     <p:spTree>
@@ -885,6 +992,323 @@
 </p:notes>
 </file>
 
+<file path=ppt/notesSlides/notesSlide6.xml><?xml version="1.0" encoding="utf-8"?>
+<p:notes xmlns:a="http://schemas.openxmlformats.org/drawingml/2006/main" xmlns:r="http://schemas.openxmlformats.org/officeDocument/2006/relationships" xmlns:p="http://schemas.openxmlformats.org/presentationml/2006/main">
+  <p:cSld>
+    <p:spTree>
+      <p:nvGrpSpPr>
+        <p:cNvPr id="1" name="">
+          <a:extLst>
+            <a:ext uri="{FF2B5EF4-FFF2-40B4-BE49-F238E27FC236}">
+              <a16:creationId xmlns:a16="http://schemas.microsoft.com/office/drawing/2014/main" id="{F18DB571-A625-D97A-3F1A-E9E01B060245}"/>
+            </a:ext>
+          </a:extLst>
+        </p:cNvPr>
+        <p:cNvGrpSpPr/>
+        <p:nvPr/>
+      </p:nvGrpSpPr>
+      <p:grpSpPr>
+        <a:xfrm>
+          <a:off x="0" y="0"/>
+          <a:ext cx="0" cy="0"/>
+          <a:chOff x="0" y="0"/>
+          <a:chExt cx="0" cy="0"/>
+        </a:xfrm>
+      </p:grpSpPr>
+      <p:sp>
+        <p:nvSpPr>
+          <p:cNvPr id="2" name="Marcador de imagen de diapositiva 1">
+            <a:extLst>
+              <a:ext uri="{FF2B5EF4-FFF2-40B4-BE49-F238E27FC236}">
+                <a16:creationId xmlns:a16="http://schemas.microsoft.com/office/drawing/2014/main" id="{0B00FF99-4E8F-DE66-887F-36E234D045B8}"/>
+              </a:ext>
+            </a:extLst>
+          </p:cNvPr>
+          <p:cNvSpPr>
+            <a:spLocks noGrp="1" noRot="1" noChangeAspect="1"/>
+          </p:cNvSpPr>
+          <p:nvPr>
+            <p:ph type="sldImg"/>
+          </p:nvPr>
+        </p:nvSpPr>
+        <p:spPr/>
+      </p:sp>
+      <p:sp>
+        <p:nvSpPr>
+          <p:cNvPr id="3" name="Marcador de notas 2">
+            <a:extLst>
+              <a:ext uri="{FF2B5EF4-FFF2-40B4-BE49-F238E27FC236}">
+                <a16:creationId xmlns:a16="http://schemas.microsoft.com/office/drawing/2014/main" id="{85049056-6C9F-BA8C-5AA3-61CD031829FB}"/>
+              </a:ext>
+            </a:extLst>
+          </p:cNvPr>
+          <p:cNvSpPr>
+            <a:spLocks noGrp="1"/>
+          </p:cNvSpPr>
+          <p:nvPr>
+            <p:ph type="body" idx="1"/>
+          </p:nvPr>
+        </p:nvSpPr>
+        <p:spPr/>
+        <p:txBody>
+          <a:bodyPr/>
+          <a:lstStyle/>
+          <a:p>
+            <a:r>
+              <a:rPr lang="es-ES" dirty="0"/>
+              <a:t>Vamos ahora con Unity </a:t>
+            </a:r>
+            <a:r>
+              <a:rPr lang="es-ES" dirty="0" err="1"/>
+              <a:t>Catalog</a:t>
+            </a:r>
+            <a:r>
+              <a:rPr lang="es-ES" dirty="0"/>
+              <a:t>….</a:t>
+            </a:r>
+          </a:p>
+          <a:p>
+            <a:endParaRPr lang="es-ES" dirty="0"/>
+          </a:p>
+        </p:txBody>
+      </p:sp>
+      <p:sp>
+        <p:nvSpPr>
+          <p:cNvPr id="4" name="Marcador de número de diapositiva 3">
+            <a:extLst>
+              <a:ext uri="{FF2B5EF4-FFF2-40B4-BE49-F238E27FC236}">
+                <a16:creationId xmlns:a16="http://schemas.microsoft.com/office/drawing/2014/main" id="{C422CD4B-BF5A-FE65-29C5-B8A760772CFB}"/>
+              </a:ext>
+            </a:extLst>
+          </p:cNvPr>
+          <p:cNvSpPr>
+            <a:spLocks noGrp="1"/>
+          </p:cNvSpPr>
+          <p:nvPr>
+            <p:ph type="sldNum" sz="quarter" idx="5"/>
+          </p:nvPr>
+        </p:nvSpPr>
+        <p:spPr/>
+        <p:txBody>
+          <a:bodyPr/>
+          <a:lstStyle/>
+          <a:p>
+            <a:fld id="{AAF8B64C-EDD0-41C9-AB7F-26F0E93D38A9}" type="slidenum">
+              <a:rPr lang="en-US" smtClean="0"/>
+              <a:t>9</a:t>
+            </a:fld>
+            <a:endParaRPr lang="en-US"/>
+          </a:p>
+        </p:txBody>
+      </p:sp>
+    </p:spTree>
+    <p:extLst>
+      <p:ext uri="{BB962C8B-B14F-4D97-AF65-F5344CB8AC3E}">
+        <p14:creationId xmlns:p14="http://schemas.microsoft.com/office/powerpoint/2010/main" val="418342496"/>
+      </p:ext>
+    </p:extLst>
+  </p:cSld>
+  <p:clrMapOvr>
+    <a:masterClrMapping/>
+  </p:clrMapOvr>
+</p:notes>
+</file>
+
+<file path=ppt/notesSlides/notesSlide7.xml><?xml version="1.0" encoding="utf-8"?>
+<p:notes xmlns:a="http://schemas.openxmlformats.org/drawingml/2006/main" xmlns:r="http://schemas.openxmlformats.org/officeDocument/2006/relationships" xmlns:p="http://schemas.openxmlformats.org/presentationml/2006/main">
+  <p:cSld>
+    <p:spTree>
+      <p:nvGrpSpPr>
+        <p:cNvPr id="1" name=""/>
+        <p:cNvGrpSpPr/>
+        <p:nvPr/>
+      </p:nvGrpSpPr>
+      <p:grpSpPr>
+        <a:xfrm>
+          <a:off x="0" y="0"/>
+          <a:ext cx="0" cy="0"/>
+          <a:chOff x="0" y="0"/>
+          <a:chExt cx="0" cy="0"/>
+        </a:xfrm>
+      </p:grpSpPr>
+      <p:sp>
+        <p:nvSpPr>
+          <p:cNvPr id="2" name="Marcador de imagen de diapositiva 1"/>
+          <p:cNvSpPr>
+            <a:spLocks noGrp="1" noRot="1" noChangeAspect="1"/>
+          </p:cNvSpPr>
+          <p:nvPr>
+            <p:ph type="sldImg"/>
+          </p:nvPr>
+        </p:nvSpPr>
+        <p:spPr/>
+      </p:sp>
+      <p:sp>
+        <p:nvSpPr>
+          <p:cNvPr id="3" name="Marcador de notas 2"/>
+          <p:cNvSpPr>
+            <a:spLocks noGrp="1"/>
+          </p:cNvSpPr>
+          <p:nvPr>
+            <p:ph type="body" idx="1"/>
+          </p:nvPr>
+        </p:nvSpPr>
+        <p:spPr/>
+        <p:txBody>
+          <a:bodyPr/>
+          <a:lstStyle/>
+          <a:p>
+            <a:r>
+              <a:rPr lang="es-ES" dirty="0"/>
+              <a:t>🔹 Clústeres multiuso: ideales para el desarrollo interactivo, las pruebas y la colaboración. Considérelos como su espacio de trabajo compartido para crear y experimentar.</a:t>
+            </a:r>
+          </a:p>
+          <a:p>
+            <a:r>
+              <a:rPr lang="es-ES" dirty="0"/>
+              <a:t>🔹 Clústeres de tareas: diseñados específicamente para ejecutar tareas programadas o activadas. Se activan para la tarea y se apagan automáticamente cuando terminan, lo que los hace ideales para ETL de producción.</a:t>
+            </a:r>
+          </a:p>
+          <a:p>
+            <a:r>
+              <a:rPr lang="es-ES" dirty="0"/>
+              <a:t>🔹 Pools de clústeres: no son un clúster en sí, sino una forma de precalentar los recursos informáticos para que los clústeres se inicien más rápido. Perfectos para entornos con trabajos cortos frecuentes.</a:t>
+            </a:r>
+          </a:p>
+          <a:p>
+            <a:r>
+              <a:rPr lang="es-ES" dirty="0"/>
+              <a:t>🔹 Almacenes SQL: optimizados para consultas SQL y herramientas de BI como Power BI y </a:t>
+            </a:r>
+            <a:r>
+              <a:rPr lang="es-ES" dirty="0" err="1"/>
+              <a:t>Tableau</a:t>
+            </a:r>
+            <a:r>
+              <a:rPr lang="es-ES" dirty="0"/>
+              <a:t>. Computación de pago por segundo diseñada para paneles de control y análisis ad hoc.</a:t>
+            </a:r>
+          </a:p>
+          <a:p>
+            <a:r>
+              <a:rPr lang="es-ES" dirty="0"/>
+              <a:t>💡 Consejo:</a:t>
+            </a:r>
+          </a:p>
+          <a:p>
+            <a:r>
+              <a:rPr lang="es-ES" dirty="0"/>
+              <a:t>Utilice </a:t>
+            </a:r>
+            <a:r>
+              <a:rPr lang="es-ES" dirty="0" err="1"/>
+              <a:t>All-Purpose</a:t>
+            </a:r>
+            <a:r>
+              <a:rPr lang="es-ES" dirty="0"/>
+              <a:t> para el trabajo de desarrollo,</a:t>
+            </a:r>
+          </a:p>
+          <a:p>
+            <a:r>
+              <a:rPr lang="es-ES" dirty="0"/>
+              <a:t>Job </a:t>
+            </a:r>
+            <a:r>
+              <a:rPr lang="es-ES" dirty="0" err="1"/>
+              <a:t>Clusters</a:t>
+            </a:r>
+            <a:r>
+              <a:rPr lang="es-ES" dirty="0"/>
+              <a:t> para la producción,</a:t>
+            </a:r>
+          </a:p>
+          <a:p>
+            <a:r>
+              <a:rPr lang="es-ES" dirty="0"/>
+              <a:t>Pools para reducir el tiempo de arranque,</a:t>
+            </a:r>
+          </a:p>
+          <a:p>
+            <a:r>
+              <a:rPr lang="es-ES" dirty="0"/>
+              <a:t>SQL </a:t>
+            </a:r>
+            <a:r>
+              <a:rPr lang="es-ES" dirty="0" err="1"/>
+              <a:t>Warehouses</a:t>
+            </a:r>
+            <a:r>
+              <a:rPr lang="es-ES" dirty="0"/>
+              <a:t> para BI.</a:t>
+            </a:r>
+          </a:p>
+          <a:p>
+            <a:r>
+              <a:rPr lang="es-ES" dirty="0"/>
+              <a:t>Elegir sabiamente = mayor rendimiento + menor coste ✅</a:t>
+            </a:r>
+          </a:p>
+          <a:p>
+            <a:br>
+              <a:rPr lang="es-ES" dirty="0"/>
+            </a:br>
+            <a:endParaRPr lang="es-ES" dirty="0"/>
+          </a:p>
+          <a:p>
+            <a:r>
+              <a:rPr lang="es-ES" i="1" dirty="0"/>
+              <a:t>Traducción realizada con la versión gratuita del traductor </a:t>
+            </a:r>
+            <a:r>
+              <a:rPr lang="es-ES" i="1" dirty="0">
+                <a:hlinkClick r:id="rId3"/>
+              </a:rPr>
+              <a:t>DeepL.com</a:t>
+            </a:r>
+            <a:endParaRPr lang="es-ES" dirty="0"/>
+          </a:p>
+          <a:p>
+            <a:endParaRPr lang="es-ES" dirty="0"/>
+          </a:p>
+        </p:txBody>
+      </p:sp>
+      <p:sp>
+        <p:nvSpPr>
+          <p:cNvPr id="4" name="Marcador de número de diapositiva 3"/>
+          <p:cNvSpPr>
+            <a:spLocks noGrp="1"/>
+          </p:cNvSpPr>
+          <p:nvPr>
+            <p:ph type="sldNum" sz="quarter" idx="5"/>
+          </p:nvPr>
+        </p:nvSpPr>
+        <p:spPr/>
+        <p:txBody>
+          <a:bodyPr/>
+          <a:lstStyle/>
+          <a:p>
+            <a:fld id="{DEC1CCDE-4723-4995-BE44-3BF9696042C9}" type="slidenum">
+              <a:rPr lang="es-ES" smtClean="0"/>
+              <a:t>13</a:t>
+            </a:fld>
+            <a:endParaRPr lang="es-ES"/>
+          </a:p>
+        </p:txBody>
+      </p:sp>
+    </p:spTree>
+    <p:extLst>
+      <p:ext uri="{BB962C8B-B14F-4D97-AF65-F5344CB8AC3E}">
+        <p14:creationId xmlns:p14="http://schemas.microsoft.com/office/powerpoint/2010/main" val="1356649823"/>
+      </p:ext>
+    </p:extLst>
+  </p:cSld>
+  <p:clrMapOvr>
+    <a:masterClrMapping/>
+  </p:clrMapOvr>
+</p:notes>
+</file>
+
 <file path=ppt/slideLayouts/slideLayout1.xml><?xml version="1.0" encoding="utf-8"?>
 <p:sldLayout xmlns:a="http://schemas.openxmlformats.org/drawingml/2006/main" xmlns:r="http://schemas.openxmlformats.org/officeDocument/2006/relationships" xmlns:p="http://schemas.openxmlformats.org/presentationml/2006/main" type="title" preserve="1">
   <p:cSld name="Diapositiva de título">
@@ -1032,7 +1456,7 @@
           <a:p>
             <a:fld id="{D74D64EB-E19D-4BED-B428-FA061CDD0C0E}" type="datetimeFigureOut">
               <a:rPr lang="es-ES" smtClean="0"/>
-              <a:t>23/11/2025</a:t>
+              <a:t>25/11/2025</a:t>
             </a:fld>
             <a:endParaRPr lang="es-ES"/>
           </a:p>
@@ -1230,7 +1654,7 @@
           <a:p>
             <a:fld id="{D74D64EB-E19D-4BED-B428-FA061CDD0C0E}" type="datetimeFigureOut">
               <a:rPr lang="es-ES" smtClean="0"/>
-              <a:t>23/11/2025</a:t>
+              <a:t>25/11/2025</a:t>
             </a:fld>
             <a:endParaRPr lang="es-ES"/>
           </a:p>
@@ -1438,7 +1862,7 @@
           <a:p>
             <a:fld id="{D74D64EB-E19D-4BED-B428-FA061CDD0C0E}" type="datetimeFigureOut">
               <a:rPr lang="es-ES" smtClean="0"/>
-              <a:t>23/11/2025</a:t>
+              <a:t>25/11/2025</a:t>
             </a:fld>
             <a:endParaRPr lang="es-ES"/>
           </a:p>
@@ -1636,7 +2060,7 @@
           <a:p>
             <a:fld id="{D74D64EB-E19D-4BED-B428-FA061CDD0C0E}" type="datetimeFigureOut">
               <a:rPr lang="es-ES" smtClean="0"/>
-              <a:t>23/11/2025</a:t>
+              <a:t>25/11/2025</a:t>
             </a:fld>
             <a:endParaRPr lang="es-ES"/>
           </a:p>
@@ -1911,7 +2335,7 @@
           <a:p>
             <a:fld id="{D74D64EB-E19D-4BED-B428-FA061CDD0C0E}" type="datetimeFigureOut">
               <a:rPr lang="es-ES" smtClean="0"/>
-              <a:t>23/11/2025</a:t>
+              <a:t>25/11/2025</a:t>
             </a:fld>
             <a:endParaRPr lang="es-ES"/>
           </a:p>
@@ -2176,7 +2600,7 @@
           <a:p>
             <a:fld id="{D74D64EB-E19D-4BED-B428-FA061CDD0C0E}" type="datetimeFigureOut">
               <a:rPr lang="es-ES" smtClean="0"/>
-              <a:t>23/11/2025</a:t>
+              <a:t>25/11/2025</a:t>
             </a:fld>
             <a:endParaRPr lang="es-ES"/>
           </a:p>
@@ -2588,7 +3012,7 @@
           <a:p>
             <a:fld id="{D74D64EB-E19D-4BED-B428-FA061CDD0C0E}" type="datetimeFigureOut">
               <a:rPr lang="es-ES" smtClean="0"/>
-              <a:t>23/11/2025</a:t>
+              <a:t>25/11/2025</a:t>
             </a:fld>
             <a:endParaRPr lang="es-ES"/>
           </a:p>
@@ -2729,7 +3153,7 @@
           <a:p>
             <a:fld id="{D74D64EB-E19D-4BED-B428-FA061CDD0C0E}" type="datetimeFigureOut">
               <a:rPr lang="es-ES" smtClean="0"/>
-              <a:t>23/11/2025</a:t>
+              <a:t>25/11/2025</a:t>
             </a:fld>
             <a:endParaRPr lang="es-ES"/>
           </a:p>
@@ -2842,7 +3266,7 @@
           <a:p>
             <a:fld id="{D74D64EB-E19D-4BED-B428-FA061CDD0C0E}" type="datetimeFigureOut">
               <a:rPr lang="es-ES" smtClean="0"/>
-              <a:t>23/11/2025</a:t>
+              <a:t>25/11/2025</a:t>
             </a:fld>
             <a:endParaRPr lang="es-ES"/>
           </a:p>
@@ -3153,7 +3577,7 @@
           <a:p>
             <a:fld id="{D74D64EB-E19D-4BED-B428-FA061CDD0C0E}" type="datetimeFigureOut">
               <a:rPr lang="es-ES" smtClean="0"/>
-              <a:t>23/11/2025</a:t>
+              <a:t>25/11/2025</a:t>
             </a:fld>
             <a:endParaRPr lang="es-ES"/>
           </a:p>
@@ -3441,7 +3865,7 @@
           <a:p>
             <a:fld id="{D74D64EB-E19D-4BED-B428-FA061CDD0C0E}" type="datetimeFigureOut">
               <a:rPr lang="es-ES" smtClean="0"/>
-              <a:t>23/11/2025</a:t>
+              <a:t>25/11/2025</a:t>
             </a:fld>
             <a:endParaRPr lang="es-ES"/>
           </a:p>
@@ -3682,7 +4106,7 @@
           <a:p>
             <a:fld id="{D74D64EB-E19D-4BED-B428-FA061CDD0C0E}" type="datetimeFigureOut">
               <a:rPr lang="es-ES" smtClean="0"/>
-              <a:t>23/11/2025</a:t>
+              <a:t>25/11/2025</a:t>
             </a:fld>
             <a:endParaRPr lang="es-ES"/>
           </a:p>
@@ -4282,2792 +4706,6 @@
       </p:grpSpPr>
       <p:sp>
         <p:nvSpPr>
-          <p:cNvPr id="4" name="Google Shape;295;g35ee5cc475b_0_54">
-            <a:extLst>
-              <a:ext uri="{FF2B5EF4-FFF2-40B4-BE49-F238E27FC236}">
-                <a16:creationId xmlns:a16="http://schemas.microsoft.com/office/drawing/2014/main" id="{3183DA97-371B-3DF7-6589-FBB4CF28DC8E}"/>
-              </a:ext>
-            </a:extLst>
-          </p:cNvPr>
-          <p:cNvSpPr txBox="1">
-            <a:spLocks noGrp="1"/>
-          </p:cNvSpPr>
-          <p:nvPr>
-            <p:ph type="title"/>
-          </p:nvPr>
-        </p:nvSpPr>
-        <p:spPr>
-          <a:xfrm>
-            <a:off x="2152650" y="365125"/>
-            <a:ext cx="7886700" cy="543600"/>
-          </a:xfrm>
-          <a:prstGeom prst="rect">
-            <a:avLst/>
-          </a:prstGeom>
-          <a:noFill/>
-          <a:ln>
-            <a:noFill/>
-          </a:ln>
-        </p:spPr>
-        <p:txBody>
-          <a:bodyPr spcFirstLastPara="1" vert="horz" wrap="square" lIns="91425" tIns="45700" rIns="91425" bIns="45700" rtlCol="0" anchor="ctr" anchorCtr="0">
-            <a:normAutofit fontScale="90000"/>
-          </a:bodyPr>
-          <a:lstStyle/>
-          <a:p>
-            <a:pPr>
-              <a:spcBef>
-                <a:spcPts val="0"/>
-              </a:spcBef>
-              <a:buClr>
-                <a:schemeClr val="dk1"/>
-              </a:buClr>
-              <a:buSzPts val="2400"/>
-            </a:pPr>
-            <a:r>
-              <a:rPr lang="es-ES" dirty="0" err="1"/>
-              <a:t>Clusters</a:t>
-            </a:r>
-            <a:r>
-              <a:rPr lang="es-ES" dirty="0"/>
-              <a:t> </a:t>
-            </a:r>
-            <a:r>
-              <a:rPr lang="es-ES" dirty="0">
-                <a:solidFill>
-                  <a:schemeClr val="accent1"/>
-                </a:solidFill>
-              </a:rPr>
-              <a:t>| Modos de Acceso</a:t>
-            </a:r>
-            <a:endParaRPr dirty="0">
-              <a:solidFill>
-                <a:schemeClr val="accent1"/>
-              </a:solidFill>
-            </a:endParaRPr>
-          </a:p>
-        </p:txBody>
-      </p:sp>
-      <p:sp>
-        <p:nvSpPr>
-          <p:cNvPr id="5" name="Rectángulo 4">
-            <a:extLst>
-              <a:ext uri="{FF2B5EF4-FFF2-40B4-BE49-F238E27FC236}">
-                <a16:creationId xmlns:a16="http://schemas.microsoft.com/office/drawing/2014/main" id="{A72766D2-CE30-751C-1886-A923D312D55A}"/>
-              </a:ext>
-            </a:extLst>
-          </p:cNvPr>
-          <p:cNvSpPr/>
-          <p:nvPr/>
-        </p:nvSpPr>
-        <p:spPr>
-          <a:xfrm>
-            <a:off x="3283829" y="2030958"/>
-            <a:ext cx="1301028" cy="1398042"/>
-          </a:xfrm>
-          <a:prstGeom prst="rect">
-            <a:avLst/>
-          </a:prstGeom>
-          <a:solidFill>
-            <a:schemeClr val="tx2">
-              <a:lumMod val="75000"/>
-            </a:schemeClr>
-          </a:solidFill>
-        </p:spPr>
-        <p:style>
-          <a:lnRef idx="2">
-            <a:schemeClr val="accent1">
-              <a:shade val="15000"/>
-            </a:schemeClr>
-          </a:lnRef>
-          <a:fillRef idx="1">
-            <a:schemeClr val="accent1"/>
-          </a:fillRef>
-          <a:effectRef idx="0">
-            <a:schemeClr val="accent1"/>
-          </a:effectRef>
-          <a:fontRef idx="minor">
-            <a:schemeClr val="lt1"/>
-          </a:fontRef>
-        </p:style>
-        <p:txBody>
-          <a:bodyPr rtlCol="0" anchor="t"/>
-          <a:lstStyle/>
-          <a:p>
-            <a:pPr algn="ctr">
-              <a:lnSpc>
-                <a:spcPct val="150000"/>
-              </a:lnSpc>
-            </a:pPr>
-            <a:r>
-              <a:rPr lang="es-ES" sz="1600" dirty="0"/>
-              <a:t>Single </a:t>
-            </a:r>
-            <a:r>
-              <a:rPr lang="es-ES" sz="1600" dirty="0" err="1"/>
-              <a:t>User</a:t>
-            </a:r>
-            <a:r>
-              <a:rPr lang="es-ES" sz="1600" dirty="0"/>
-              <a:t> Access </a:t>
-            </a:r>
-            <a:r>
-              <a:rPr lang="es-ES" sz="1600" dirty="0" err="1"/>
-              <a:t>Mode</a:t>
-            </a:r>
-            <a:endParaRPr lang="es-ES" sz="1600" dirty="0"/>
-          </a:p>
-        </p:txBody>
-      </p:sp>
-      <p:sp>
-        <p:nvSpPr>
-          <p:cNvPr id="6" name="Rectángulo 5">
-            <a:extLst>
-              <a:ext uri="{FF2B5EF4-FFF2-40B4-BE49-F238E27FC236}">
-                <a16:creationId xmlns:a16="http://schemas.microsoft.com/office/drawing/2014/main" id="{C7DBA92D-13A0-7098-6427-8B4466C669E9}"/>
-              </a:ext>
-            </a:extLst>
-          </p:cNvPr>
-          <p:cNvSpPr/>
-          <p:nvPr/>
-        </p:nvSpPr>
-        <p:spPr>
-          <a:xfrm>
-            <a:off x="4817697" y="2030958"/>
-            <a:ext cx="1301028" cy="1398042"/>
-          </a:xfrm>
-          <a:prstGeom prst="rect">
-            <a:avLst/>
-          </a:prstGeom>
-          <a:solidFill>
-            <a:schemeClr val="tx2">
-              <a:lumMod val="75000"/>
-            </a:schemeClr>
-          </a:solidFill>
-        </p:spPr>
-        <p:style>
-          <a:lnRef idx="2">
-            <a:schemeClr val="accent1">
-              <a:shade val="15000"/>
-            </a:schemeClr>
-          </a:lnRef>
-          <a:fillRef idx="1">
-            <a:schemeClr val="accent1"/>
-          </a:fillRef>
-          <a:effectRef idx="0">
-            <a:schemeClr val="accent1"/>
-          </a:effectRef>
-          <a:fontRef idx="minor">
-            <a:schemeClr val="lt1"/>
-          </a:fontRef>
-        </p:style>
-        <p:txBody>
-          <a:bodyPr rtlCol="0" anchor="t"/>
-          <a:lstStyle/>
-          <a:p>
-            <a:pPr algn="ctr">
-              <a:lnSpc>
-                <a:spcPct val="150000"/>
-              </a:lnSpc>
-            </a:pPr>
-            <a:r>
-              <a:rPr lang="es-ES" sz="1600" dirty="0" err="1"/>
-              <a:t>Shared</a:t>
-            </a:r>
-            <a:r>
-              <a:rPr lang="es-ES" sz="1600" dirty="0"/>
-              <a:t> Access </a:t>
-            </a:r>
-            <a:r>
-              <a:rPr lang="es-ES" sz="1600" dirty="0" err="1"/>
-              <a:t>Mode</a:t>
-            </a:r>
-            <a:endParaRPr lang="es-ES" sz="1600" dirty="0"/>
-          </a:p>
-        </p:txBody>
-      </p:sp>
-      <p:sp>
-        <p:nvSpPr>
-          <p:cNvPr id="7" name="Rectángulo 6">
-            <a:extLst>
-              <a:ext uri="{FF2B5EF4-FFF2-40B4-BE49-F238E27FC236}">
-                <a16:creationId xmlns:a16="http://schemas.microsoft.com/office/drawing/2014/main" id="{0E385DA7-D52A-18CF-E270-B7FEB06C0DE6}"/>
-              </a:ext>
-            </a:extLst>
-          </p:cNvPr>
-          <p:cNvSpPr/>
-          <p:nvPr/>
-        </p:nvSpPr>
-        <p:spPr>
-          <a:xfrm>
-            <a:off x="6351565" y="2030958"/>
-            <a:ext cx="1301028" cy="1398042"/>
-          </a:xfrm>
-          <a:prstGeom prst="rect">
-            <a:avLst/>
-          </a:prstGeom>
-          <a:solidFill>
-            <a:schemeClr val="tx2">
-              <a:lumMod val="75000"/>
-            </a:schemeClr>
-          </a:solidFill>
-        </p:spPr>
-        <p:style>
-          <a:lnRef idx="2">
-            <a:schemeClr val="accent1">
-              <a:shade val="15000"/>
-            </a:schemeClr>
-          </a:lnRef>
-          <a:fillRef idx="1">
-            <a:schemeClr val="accent1"/>
-          </a:fillRef>
-          <a:effectRef idx="0">
-            <a:schemeClr val="accent1"/>
-          </a:effectRef>
-          <a:fontRef idx="minor">
-            <a:schemeClr val="lt1"/>
-          </a:fontRef>
-        </p:style>
-        <p:txBody>
-          <a:bodyPr rtlCol="0" anchor="t"/>
-          <a:lstStyle/>
-          <a:p>
-            <a:pPr algn="ctr">
-              <a:lnSpc>
-                <a:spcPct val="150000"/>
-              </a:lnSpc>
-            </a:pPr>
-            <a:r>
-              <a:rPr lang="es-ES" sz="1600" dirty="0"/>
-              <a:t>No </a:t>
-            </a:r>
-            <a:r>
-              <a:rPr lang="es-ES" sz="1600" dirty="0" err="1"/>
-              <a:t>Isolation</a:t>
-            </a:r>
-            <a:r>
-              <a:rPr lang="es-ES" sz="1600" dirty="0"/>
-              <a:t> </a:t>
-            </a:r>
-            <a:r>
-              <a:rPr lang="es-ES" sz="1600" dirty="0" err="1"/>
-              <a:t>Shared</a:t>
-            </a:r>
-            <a:endParaRPr lang="es-ES" sz="1600" dirty="0"/>
-          </a:p>
-        </p:txBody>
-      </p:sp>
-    </p:spTree>
-    <p:extLst>
-      <p:ext uri="{BB962C8B-B14F-4D97-AF65-F5344CB8AC3E}">
-        <p14:creationId xmlns:p14="http://schemas.microsoft.com/office/powerpoint/2010/main" val="1415137541"/>
-      </p:ext>
-    </p:extLst>
-  </p:cSld>
-  <p:clrMapOvr>
-    <a:masterClrMapping/>
-  </p:clrMapOvr>
-</p:sld>
-</file>
-
-<file path=ppt/slides/slide11.xml><?xml version="1.0" encoding="utf-8"?>
-<p:sld xmlns:a="http://schemas.openxmlformats.org/drawingml/2006/main" xmlns:r="http://schemas.openxmlformats.org/officeDocument/2006/relationships" xmlns:p="http://schemas.openxmlformats.org/presentationml/2006/main">
-  <p:cSld>
-    <p:spTree>
-      <p:nvGrpSpPr>
-        <p:cNvPr id="1" name=""/>
-        <p:cNvGrpSpPr/>
-        <p:nvPr/>
-      </p:nvGrpSpPr>
-      <p:grpSpPr>
-        <a:xfrm>
-          <a:off x="0" y="0"/>
-          <a:ext cx="0" cy="0"/>
-          <a:chOff x="0" y="0"/>
-          <a:chExt cx="0" cy="0"/>
-        </a:xfrm>
-      </p:grpSpPr>
-      <p:pic>
-        <p:nvPicPr>
-          <p:cNvPr id="5" name="Imagen 4">
-            <a:extLst>
-              <a:ext uri="{FF2B5EF4-FFF2-40B4-BE49-F238E27FC236}">
-                <a16:creationId xmlns:a16="http://schemas.microsoft.com/office/drawing/2014/main" id="{CFD379A4-0764-869C-8E20-15D2BEE11FCD}"/>
-              </a:ext>
-            </a:extLst>
-          </p:cNvPr>
-          <p:cNvPicPr>
-            <a:picLocks noChangeAspect="1"/>
-          </p:cNvPicPr>
-          <p:nvPr/>
-        </p:nvPicPr>
-        <p:blipFill>
-          <a:blip r:embed="rId2"/>
-          <a:stretch>
-            <a:fillRect/>
-          </a:stretch>
-        </p:blipFill>
-        <p:spPr>
-          <a:xfrm>
-            <a:off x="1945448" y="1690688"/>
-            <a:ext cx="5892722" cy="3758260"/>
-          </a:xfrm>
-          <a:prstGeom prst="rect">
-            <a:avLst/>
-          </a:prstGeom>
-        </p:spPr>
-      </p:pic>
-    </p:spTree>
-    <p:extLst>
-      <p:ext uri="{BB962C8B-B14F-4D97-AF65-F5344CB8AC3E}">
-        <p14:creationId xmlns:p14="http://schemas.microsoft.com/office/powerpoint/2010/main" val="3548032439"/>
-      </p:ext>
-    </p:extLst>
-  </p:cSld>
-  <p:clrMapOvr>
-    <a:masterClrMapping/>
-  </p:clrMapOvr>
-</p:sld>
-</file>
-
-<file path=ppt/slides/slide2.xml><?xml version="1.0" encoding="utf-8"?>
-<p:sld xmlns:a="http://schemas.openxmlformats.org/drawingml/2006/main" xmlns:r="http://schemas.openxmlformats.org/officeDocument/2006/relationships" xmlns:p="http://schemas.openxmlformats.org/presentationml/2006/main">
-  <p:cSld>
-    <p:spTree>
-      <p:nvGrpSpPr>
-        <p:cNvPr id="1" name="Shape 273"/>
-        <p:cNvGrpSpPr/>
-        <p:nvPr/>
-      </p:nvGrpSpPr>
-      <p:grpSpPr>
-        <a:xfrm>
-          <a:off x="0" y="0"/>
-          <a:ext cx="0" cy="0"/>
-          <a:chOff x="0" y="0"/>
-          <a:chExt cx="0" cy="0"/>
-        </a:xfrm>
-      </p:grpSpPr>
-      <p:sp>
-        <p:nvSpPr>
-          <p:cNvPr id="274" name="Google Shape;274;g35ee5cc475b_0_15"/>
-          <p:cNvSpPr txBox="1">
-            <a:spLocks noGrp="1"/>
-          </p:cNvSpPr>
-          <p:nvPr>
-            <p:ph type="title"/>
-          </p:nvPr>
-        </p:nvSpPr>
-        <p:spPr>
-          <a:xfrm>
-            <a:off x="2152650" y="365125"/>
-            <a:ext cx="7886700" cy="543600"/>
-          </a:xfrm>
-          <a:prstGeom prst="rect">
-            <a:avLst/>
-          </a:prstGeom>
-          <a:noFill/>
-          <a:ln>
-            <a:noFill/>
-          </a:ln>
-        </p:spPr>
-        <p:txBody>
-          <a:bodyPr spcFirstLastPara="1" vert="horz" wrap="square" lIns="91425" tIns="45700" rIns="91425" bIns="45700" rtlCol="0" anchor="ctr" anchorCtr="0">
-            <a:normAutofit fontScale="90000"/>
-          </a:bodyPr>
-          <a:lstStyle/>
-          <a:p>
-            <a:pPr>
-              <a:spcBef>
-                <a:spcPts val="0"/>
-              </a:spcBef>
-              <a:buClr>
-                <a:schemeClr val="dk1"/>
-              </a:buClr>
-              <a:buSzPts val="2400"/>
-            </a:pPr>
-            <a:r>
-              <a:rPr lang="es-ES"/>
-              <a:t>Databricks</a:t>
-            </a:r>
-            <a:r>
-              <a:rPr lang="es-ES">
-                <a:solidFill>
-                  <a:schemeClr val="accent1"/>
-                </a:solidFill>
-              </a:rPr>
-              <a:t>| Fundamentales</a:t>
-            </a:r>
-            <a:endParaRPr>
-              <a:solidFill>
-                <a:schemeClr val="accent1"/>
-              </a:solidFill>
-            </a:endParaRPr>
-          </a:p>
-        </p:txBody>
-      </p:sp>
-      <p:pic>
-        <p:nvPicPr>
-          <p:cNvPr id="275" name="Google Shape;275;g35ee5cc475b_0_15"/>
-          <p:cNvPicPr preferRelativeResize="0"/>
-          <p:nvPr/>
-        </p:nvPicPr>
-        <p:blipFill>
-          <a:blip r:embed="rId3">
-            <a:alphaModFix/>
-          </a:blip>
-          <a:stretch>
-            <a:fillRect/>
-          </a:stretch>
-        </p:blipFill>
-        <p:spPr>
-          <a:xfrm>
-            <a:off x="1862175" y="1545283"/>
-            <a:ext cx="2263150" cy="1191942"/>
-          </a:xfrm>
-          <a:prstGeom prst="rect">
-            <a:avLst/>
-          </a:prstGeom>
-          <a:noFill/>
-          <a:ln>
-            <a:noFill/>
-          </a:ln>
-        </p:spPr>
-      </p:pic>
-      <p:pic>
-        <p:nvPicPr>
-          <p:cNvPr id="276" name="Google Shape;276;g35ee5cc475b_0_15"/>
-          <p:cNvPicPr preferRelativeResize="0"/>
-          <p:nvPr/>
-        </p:nvPicPr>
-        <p:blipFill>
-          <a:blip r:embed="rId4">
-            <a:alphaModFix/>
-          </a:blip>
-          <a:stretch>
-            <a:fillRect/>
-          </a:stretch>
-        </p:blipFill>
-        <p:spPr>
-          <a:xfrm>
-            <a:off x="5078576" y="1290001"/>
-            <a:ext cx="1954625" cy="1357775"/>
-          </a:xfrm>
-          <a:prstGeom prst="rect">
-            <a:avLst/>
-          </a:prstGeom>
-          <a:noFill/>
-          <a:ln>
-            <a:noFill/>
-          </a:ln>
-        </p:spPr>
-      </p:pic>
-      <p:pic>
-        <p:nvPicPr>
-          <p:cNvPr id="277" name="Google Shape;277;g35ee5cc475b_0_15"/>
-          <p:cNvPicPr preferRelativeResize="0"/>
-          <p:nvPr/>
-        </p:nvPicPr>
-        <p:blipFill>
-          <a:blip r:embed="rId5">
-            <a:alphaModFix/>
-          </a:blip>
-          <a:stretch>
-            <a:fillRect/>
-          </a:stretch>
-        </p:blipFill>
-        <p:spPr>
-          <a:xfrm>
-            <a:off x="7776200" y="1744944"/>
-            <a:ext cx="2263150" cy="1053150"/>
-          </a:xfrm>
-          <a:prstGeom prst="rect">
-            <a:avLst/>
-          </a:prstGeom>
-          <a:noFill/>
-          <a:ln>
-            <a:noFill/>
-          </a:ln>
-        </p:spPr>
-      </p:pic>
-      <p:sp>
-        <p:nvSpPr>
-          <p:cNvPr id="278" name="Google Shape;278;g35ee5cc475b_0_15"/>
-          <p:cNvSpPr txBox="1"/>
-          <p:nvPr/>
-        </p:nvSpPr>
-        <p:spPr>
-          <a:xfrm>
-            <a:off x="2243640" y="2783942"/>
-            <a:ext cx="1536600" cy="1884300"/>
-          </a:xfrm>
-          <a:prstGeom prst="rect">
-            <a:avLst/>
-          </a:prstGeom>
-          <a:solidFill>
-            <a:schemeClr val="accent1">
-              <a:alpha val="29800"/>
-            </a:schemeClr>
-          </a:solidFill>
-          <a:ln>
-            <a:noFill/>
-          </a:ln>
-        </p:spPr>
-        <p:txBody>
-          <a:bodyPr spcFirstLastPara="1" wrap="square" lIns="68575" tIns="34275" rIns="68575" bIns="34275" anchor="ctr" anchorCtr="0">
-            <a:noAutofit/>
-          </a:bodyPr>
-          <a:lstStyle/>
-          <a:p>
-            <a:pPr marL="200025" indent="-109537">
-              <a:buClr>
-                <a:srgbClr val="323F4F"/>
-              </a:buClr>
-              <a:buSzPts val="1100"/>
-              <a:buFont typeface="Arial"/>
-              <a:buChar char="•"/>
-            </a:pPr>
-            <a:r>
-              <a:rPr lang="es-ES" sz="1100">
-                <a:solidFill>
-                  <a:srgbClr val="323F4F"/>
-                </a:solidFill>
-                <a:latin typeface="Calibri"/>
-                <a:ea typeface="Calibri"/>
-                <a:cs typeface="Calibri"/>
-                <a:sym typeface="Calibri"/>
-              </a:rPr>
-              <a:t>Motor de procesamiento distribuido</a:t>
-            </a:r>
-            <a:endParaRPr sz="1100"/>
-          </a:p>
-          <a:p>
-            <a:pPr marL="200025" indent="-39687">
-              <a:buClr>
-                <a:schemeClr val="lt1"/>
-              </a:buClr>
-              <a:buSzPts val="1400"/>
-            </a:pPr>
-            <a:endParaRPr sz="1300">
-              <a:solidFill>
-                <a:srgbClr val="323F4F"/>
-              </a:solidFill>
-              <a:latin typeface="Calibri"/>
-              <a:ea typeface="Calibri"/>
-              <a:cs typeface="Calibri"/>
-              <a:sym typeface="Calibri"/>
-            </a:endParaRPr>
-          </a:p>
-          <a:p>
-            <a:pPr marL="200025" indent="-109537">
-              <a:buClr>
-                <a:srgbClr val="323F4F"/>
-              </a:buClr>
-              <a:buSzPts val="1100"/>
-              <a:buFont typeface="Arial"/>
-              <a:buChar char="•"/>
-            </a:pPr>
-            <a:r>
-              <a:rPr lang="es-ES" sz="1100" b="1">
-                <a:solidFill>
-                  <a:schemeClr val="dk1"/>
-                </a:solidFill>
-                <a:latin typeface="Calibri"/>
-                <a:ea typeface="Calibri"/>
-                <a:cs typeface="Calibri"/>
-                <a:sym typeface="Calibri"/>
-              </a:rPr>
-              <a:t>Corazón de Databricks</a:t>
-            </a:r>
-            <a:r>
-              <a:rPr lang="es-ES" sz="1100">
-                <a:solidFill>
-                  <a:schemeClr val="dk1"/>
-                </a:solidFill>
-                <a:latin typeface="Calibri"/>
-                <a:ea typeface="Calibri"/>
-                <a:cs typeface="Calibri"/>
-                <a:sym typeface="Calibri"/>
-              </a:rPr>
-              <a:t>: ejecuta todo (ETL, SQL, ML, streaming…)</a:t>
-            </a:r>
-            <a:endParaRPr>
-              <a:solidFill>
-                <a:srgbClr val="323F4F"/>
-              </a:solidFill>
-              <a:latin typeface="Calibri"/>
-              <a:ea typeface="Calibri"/>
-              <a:cs typeface="Calibri"/>
-              <a:sym typeface="Calibri"/>
-            </a:endParaRPr>
-          </a:p>
-        </p:txBody>
-      </p:sp>
-      <p:sp>
-        <p:nvSpPr>
-          <p:cNvPr id="279" name="Google Shape;279;g35ee5cc475b_0_15"/>
-          <p:cNvSpPr txBox="1"/>
-          <p:nvPr/>
-        </p:nvSpPr>
-        <p:spPr>
-          <a:xfrm>
-            <a:off x="5287578" y="2783942"/>
-            <a:ext cx="1536600" cy="1884300"/>
-          </a:xfrm>
-          <a:prstGeom prst="rect">
-            <a:avLst/>
-          </a:prstGeom>
-          <a:solidFill>
-            <a:schemeClr val="accent1">
-              <a:alpha val="29800"/>
-            </a:schemeClr>
-          </a:solidFill>
-          <a:ln>
-            <a:noFill/>
-          </a:ln>
-        </p:spPr>
-        <p:txBody>
-          <a:bodyPr spcFirstLastPara="1" wrap="square" lIns="68575" tIns="34275" rIns="68575" bIns="34275" anchor="ctr" anchorCtr="0">
-            <a:noAutofit/>
-          </a:bodyPr>
-          <a:lstStyle/>
-          <a:p>
-            <a:pPr marL="200025" indent="-96837">
-              <a:buClr>
-                <a:srgbClr val="323F4F"/>
-              </a:buClr>
-              <a:buSzPts val="900"/>
-              <a:buFont typeface="Calibri"/>
-              <a:buChar char="•"/>
-            </a:pPr>
-            <a:r>
-              <a:rPr lang="es-ES" sz="1100">
-                <a:solidFill>
-                  <a:srgbClr val="323F4F"/>
-                </a:solidFill>
-                <a:latin typeface="Calibri"/>
-                <a:ea typeface="Calibri"/>
-                <a:cs typeface="Calibri"/>
-                <a:sym typeface="Calibri"/>
-              </a:rPr>
-              <a:t>Capa de almacenamiento transaccional sobre Spark</a:t>
-            </a:r>
-            <a:endParaRPr sz="1100">
-              <a:latin typeface="Calibri"/>
-              <a:ea typeface="Calibri"/>
-              <a:cs typeface="Calibri"/>
-              <a:sym typeface="Calibri"/>
-            </a:endParaRPr>
-          </a:p>
-          <a:p>
-            <a:pPr marL="200025" indent="-39687">
-              <a:buClr>
-                <a:schemeClr val="lt1"/>
-              </a:buClr>
-              <a:buSzPts val="1400"/>
-            </a:pPr>
-            <a:endParaRPr sz="1100">
-              <a:solidFill>
-                <a:srgbClr val="323F4F"/>
-              </a:solidFill>
-              <a:latin typeface="Calibri"/>
-              <a:ea typeface="Calibri"/>
-              <a:cs typeface="Calibri"/>
-              <a:sym typeface="Calibri"/>
-            </a:endParaRPr>
-          </a:p>
-          <a:p>
-            <a:pPr marL="200025" indent="-109537">
-              <a:buClr>
-                <a:srgbClr val="323F4F"/>
-              </a:buClr>
-              <a:buSzPts val="1100"/>
-              <a:buFont typeface="Arial"/>
-              <a:buChar char="•"/>
-            </a:pPr>
-            <a:r>
-              <a:rPr lang="es-ES" sz="1100" b="1">
-                <a:solidFill>
-                  <a:schemeClr val="dk1"/>
-                </a:solidFill>
-                <a:latin typeface="Calibri"/>
-                <a:ea typeface="Calibri"/>
-                <a:cs typeface="Calibri"/>
-                <a:sym typeface="Calibri"/>
-              </a:rPr>
-              <a:t>Sistema de archivos confiable</a:t>
-            </a:r>
-            <a:r>
-              <a:rPr lang="es-ES" sz="1100">
-                <a:solidFill>
-                  <a:schemeClr val="dk1"/>
-                </a:solidFill>
-                <a:latin typeface="Calibri"/>
-                <a:ea typeface="Calibri"/>
-                <a:cs typeface="Calibri"/>
-                <a:sym typeface="Calibri"/>
-              </a:rPr>
-              <a:t>: añade ACID, versionado, time travel</a:t>
-            </a:r>
-            <a:endParaRPr sz="1100">
-              <a:solidFill>
-                <a:srgbClr val="323F4F"/>
-              </a:solidFill>
-              <a:latin typeface="Calibri"/>
-              <a:ea typeface="Calibri"/>
-              <a:cs typeface="Calibri"/>
-              <a:sym typeface="Calibri"/>
-            </a:endParaRPr>
-          </a:p>
-        </p:txBody>
-      </p:sp>
-      <p:sp>
-        <p:nvSpPr>
-          <p:cNvPr id="280" name="Google Shape;280;g35ee5cc475b_0_15"/>
-          <p:cNvSpPr txBox="1"/>
-          <p:nvPr/>
-        </p:nvSpPr>
-        <p:spPr>
-          <a:xfrm>
-            <a:off x="8091203" y="2783942"/>
-            <a:ext cx="1536600" cy="1884300"/>
-          </a:xfrm>
-          <a:prstGeom prst="rect">
-            <a:avLst/>
-          </a:prstGeom>
-          <a:solidFill>
-            <a:schemeClr val="accent1">
-              <a:alpha val="29800"/>
-            </a:schemeClr>
-          </a:solidFill>
-          <a:ln>
-            <a:noFill/>
-          </a:ln>
-        </p:spPr>
-        <p:txBody>
-          <a:bodyPr spcFirstLastPara="1" wrap="square" lIns="68575" tIns="34275" rIns="68575" bIns="34275" anchor="ctr" anchorCtr="0">
-            <a:noAutofit/>
-          </a:bodyPr>
-          <a:lstStyle/>
-          <a:p>
-            <a:pPr marL="200025" indent="-96837">
-              <a:buClr>
-                <a:srgbClr val="323F4F"/>
-              </a:buClr>
-              <a:buSzPts val="900"/>
-              <a:buFont typeface="Calibri"/>
-              <a:buChar char="•"/>
-            </a:pPr>
-            <a:r>
-              <a:rPr lang="es-ES" sz="1100" dirty="0">
-                <a:solidFill>
-                  <a:srgbClr val="323F4F"/>
-                </a:solidFill>
-                <a:latin typeface="Calibri"/>
-                <a:ea typeface="Calibri"/>
-                <a:cs typeface="Calibri"/>
-                <a:sym typeface="Calibri"/>
-              </a:rPr>
-              <a:t>Plataforma de gestión del ciclo de vida del ML</a:t>
-            </a:r>
-            <a:br>
-              <a:rPr lang="es-ES" sz="1100" dirty="0">
-                <a:solidFill>
-                  <a:srgbClr val="323F4F"/>
-                </a:solidFill>
-                <a:latin typeface="Calibri"/>
-                <a:ea typeface="Calibri"/>
-                <a:cs typeface="Calibri"/>
-                <a:sym typeface="Calibri"/>
-              </a:rPr>
-            </a:br>
-            <a:endParaRPr sz="1100" dirty="0">
-              <a:solidFill>
-                <a:srgbClr val="323F4F"/>
-              </a:solidFill>
-              <a:latin typeface="Calibri"/>
-              <a:ea typeface="Calibri"/>
-              <a:cs typeface="Calibri"/>
-              <a:sym typeface="Calibri"/>
-            </a:endParaRPr>
-          </a:p>
-          <a:p>
-            <a:pPr marL="200025" indent="-109537">
-              <a:buClr>
-                <a:srgbClr val="323F4F"/>
-              </a:buClr>
-              <a:buSzPts val="1100"/>
-              <a:buFont typeface="Arial"/>
-              <a:buChar char="•"/>
-            </a:pPr>
-            <a:r>
-              <a:rPr lang="es-ES" sz="1100" b="1" dirty="0">
-                <a:solidFill>
-                  <a:schemeClr val="dk1"/>
-                </a:solidFill>
-                <a:latin typeface="Calibri"/>
-                <a:ea typeface="Calibri"/>
-                <a:cs typeface="Calibri"/>
-                <a:sym typeface="Calibri"/>
-              </a:rPr>
-              <a:t>Gestor de modelos ML</a:t>
-            </a:r>
-            <a:r>
-              <a:rPr lang="es-ES" sz="1100" dirty="0">
-                <a:solidFill>
-                  <a:schemeClr val="dk1"/>
-                </a:solidFill>
-                <a:latin typeface="Calibri"/>
-                <a:ea typeface="Calibri"/>
-                <a:cs typeface="Calibri"/>
-                <a:sym typeface="Calibri"/>
-              </a:rPr>
-              <a:t>: tracking, experimentación, despliegue</a:t>
-            </a:r>
-            <a:endParaRPr sz="1100" dirty="0">
-              <a:solidFill>
-                <a:srgbClr val="323F4F"/>
-              </a:solidFill>
-              <a:latin typeface="Calibri"/>
-              <a:ea typeface="Calibri"/>
-              <a:cs typeface="Calibri"/>
-              <a:sym typeface="Calibri"/>
-            </a:endParaRPr>
-          </a:p>
-        </p:txBody>
-      </p:sp>
-      <p:pic>
-        <p:nvPicPr>
-          <p:cNvPr id="5" name="Imagen 4" descr="Imagen que contiene Interfaz de usuario gráfica&#10;&#10;El contenido generado por IA puede ser incorrecto.">
-            <a:extLst>
-              <a:ext uri="{FF2B5EF4-FFF2-40B4-BE49-F238E27FC236}">
-                <a16:creationId xmlns:a16="http://schemas.microsoft.com/office/drawing/2014/main" id="{8EE907F8-3214-D0DB-A3D4-430AD504DB3D}"/>
-              </a:ext>
-            </a:extLst>
-          </p:cNvPr>
-          <p:cNvPicPr>
-            <a:picLocks noChangeAspect="1"/>
-          </p:cNvPicPr>
-          <p:nvPr/>
-        </p:nvPicPr>
-        <p:blipFill>
-          <a:blip r:embed="rId6">
-            <a:extLst>
-              <a:ext uri="{28A0092B-C50C-407E-A947-70E740481C1C}">
-                <a14:useLocalDpi xmlns:a14="http://schemas.microsoft.com/office/drawing/2010/main" val="0"/>
-              </a:ext>
-            </a:extLst>
-          </a:blip>
-          <a:stretch>
-            <a:fillRect/>
-          </a:stretch>
-        </p:blipFill>
-        <p:spPr>
-          <a:xfrm>
-            <a:off x="7727928" y="1440400"/>
-            <a:ext cx="2263150" cy="1014646"/>
-          </a:xfrm>
-          <a:prstGeom prst="rect">
-            <a:avLst/>
-          </a:prstGeom>
-        </p:spPr>
-      </p:pic>
-      <p:pic>
-        <p:nvPicPr>
-          <p:cNvPr id="7" name="Imagen 6" descr="Logotipo, nombre de la empresa&#10;&#10;El contenido generado por IA puede ser incorrecto.">
-            <a:extLst>
-              <a:ext uri="{FF2B5EF4-FFF2-40B4-BE49-F238E27FC236}">
-                <a16:creationId xmlns:a16="http://schemas.microsoft.com/office/drawing/2014/main" id="{3CCC971E-482A-2A1B-0FE0-BB62991CD44F}"/>
-              </a:ext>
-            </a:extLst>
-          </p:cNvPr>
-          <p:cNvPicPr>
-            <a:picLocks noChangeAspect="1"/>
-          </p:cNvPicPr>
-          <p:nvPr/>
-        </p:nvPicPr>
-        <p:blipFill>
-          <a:blip r:embed="rId7">
-            <a:extLst>
-              <a:ext uri="{28A0092B-C50C-407E-A947-70E740481C1C}">
-                <a14:useLocalDpi xmlns:a14="http://schemas.microsoft.com/office/drawing/2010/main" val="0"/>
-              </a:ext>
-            </a:extLst>
-          </a:blip>
-          <a:stretch>
-            <a:fillRect/>
-          </a:stretch>
-        </p:blipFill>
-        <p:spPr>
-          <a:xfrm>
-            <a:off x="4580890" y="5466388"/>
-            <a:ext cx="2102000" cy="1183126"/>
-          </a:xfrm>
-          <a:prstGeom prst="rect">
-            <a:avLst/>
-          </a:prstGeom>
-        </p:spPr>
-      </p:pic>
-    </p:spTree>
-  </p:cSld>
-  <p:clrMapOvr>
-    <a:masterClrMapping/>
-  </p:clrMapOvr>
-  <mc:AlternateContent xmlns:mc="http://schemas.openxmlformats.org/markup-compatibility/2006" xmlns:p14="http://schemas.microsoft.com/office/powerpoint/2010/main">
-    <mc:Choice Requires="p14">
-      <p:transition spd="med" p14:dur="700">
-        <p:fade/>
-      </p:transition>
-    </mc:Choice>
-    <mc:Fallback xmlns:ahyp="http://schemas.microsoft.com/office/drawing/2018/hyperlinkcolor" xmlns:p15="http://schemas.microsoft.com/office/powerpoint/2012/main" xmlns:com="http://schemas.openxmlformats.org/drawingml/2006/compatibility" xmlns:pvml="urn:schemas-microsoft-com:office:powerpoint" xmlns:v="urn:schemas-microsoft-com:vml" xmlns:o="urn:schemas-microsoft-com:office:office" xmlns:dgm="http://schemas.openxmlformats.org/drawingml/2006/diagram" xmlns:c="http://schemas.openxmlformats.org/drawingml/2006/chart" xmlns:mv="urn:schemas-microsoft-com:mac:vml" xmlns="">
-      <p:transition spd="slow">
-        <p:fade/>
-      </p:transition>
-    </mc:Fallback>
-  </mc:AlternateContent>
-</p:sld>
-</file>
-
-<file path=ppt/slides/slide3.xml><?xml version="1.0" encoding="utf-8"?>
-<p:sld xmlns:a="http://schemas.openxmlformats.org/drawingml/2006/main" xmlns:r="http://schemas.openxmlformats.org/officeDocument/2006/relationships" xmlns:p="http://schemas.openxmlformats.org/presentationml/2006/main">
-  <p:cSld>
-    <p:spTree>
-      <p:nvGrpSpPr>
-        <p:cNvPr id="1" name="Shape 285"/>
-        <p:cNvGrpSpPr/>
-        <p:nvPr/>
-      </p:nvGrpSpPr>
-      <p:grpSpPr>
-        <a:xfrm>
-          <a:off x="0" y="0"/>
-          <a:ext cx="0" cy="0"/>
-          <a:chOff x="0" y="0"/>
-          <a:chExt cx="0" cy="0"/>
-        </a:xfrm>
-      </p:grpSpPr>
-      <p:sp>
-        <p:nvSpPr>
-          <p:cNvPr id="286" name="Google Shape;286;g35ee5cc475b_0_40"/>
-          <p:cNvSpPr txBox="1">
-            <a:spLocks noGrp="1"/>
-          </p:cNvSpPr>
-          <p:nvPr>
-            <p:ph type="title"/>
-          </p:nvPr>
-        </p:nvSpPr>
-        <p:spPr>
-          <a:xfrm>
-            <a:off x="2152650" y="365125"/>
-            <a:ext cx="7886700" cy="543600"/>
-          </a:xfrm>
-          <a:prstGeom prst="rect">
-            <a:avLst/>
-          </a:prstGeom>
-          <a:noFill/>
-          <a:ln>
-            <a:noFill/>
-          </a:ln>
-        </p:spPr>
-        <p:txBody>
-          <a:bodyPr spcFirstLastPara="1" vert="horz" wrap="square" lIns="91425" tIns="45700" rIns="91425" bIns="45700" rtlCol="0" anchor="ctr" anchorCtr="0">
-            <a:normAutofit fontScale="90000"/>
-          </a:bodyPr>
-          <a:lstStyle/>
-          <a:p>
-            <a:pPr>
-              <a:spcBef>
-                <a:spcPts val="0"/>
-              </a:spcBef>
-              <a:buClr>
-                <a:schemeClr val="dk1"/>
-              </a:buClr>
-              <a:buSzPts val="2400"/>
-            </a:pPr>
-            <a:r>
-              <a:rPr lang="es-ES"/>
-              <a:t>Delta Lake</a:t>
-            </a:r>
-            <a:r>
-              <a:rPr lang="es-ES">
-                <a:solidFill>
-                  <a:schemeClr val="accent1"/>
-                </a:solidFill>
-              </a:rPr>
-              <a:t>| Data Warehouse</a:t>
-            </a:r>
-            <a:endParaRPr>
-              <a:solidFill>
-                <a:schemeClr val="accent1"/>
-              </a:solidFill>
-            </a:endParaRPr>
-          </a:p>
-        </p:txBody>
-      </p:sp>
-      <p:pic>
-        <p:nvPicPr>
-          <p:cNvPr id="287" name="Google Shape;287;g35ee5cc475b_0_40"/>
-          <p:cNvPicPr preferRelativeResize="0"/>
-          <p:nvPr/>
-        </p:nvPicPr>
-        <p:blipFill>
-          <a:blip r:embed="rId3">
-            <a:alphaModFix/>
-          </a:blip>
-          <a:stretch>
-            <a:fillRect/>
-          </a:stretch>
-        </p:blipFill>
-        <p:spPr>
-          <a:xfrm>
-            <a:off x="3383900" y="1173751"/>
-            <a:ext cx="3787450" cy="4276899"/>
-          </a:xfrm>
-          <a:prstGeom prst="rect">
-            <a:avLst/>
-          </a:prstGeom>
-          <a:noFill/>
-          <a:ln>
-            <a:noFill/>
-          </a:ln>
-        </p:spPr>
-      </p:pic>
-      <p:sp>
-        <p:nvSpPr>
-          <p:cNvPr id="288" name="Google Shape;288;g35ee5cc475b_0_40"/>
-          <p:cNvSpPr txBox="1"/>
-          <p:nvPr/>
-        </p:nvSpPr>
-        <p:spPr>
-          <a:xfrm>
-            <a:off x="7817050" y="1416400"/>
-            <a:ext cx="2289600" cy="3486900"/>
-          </a:xfrm>
-          <a:prstGeom prst="rect">
-            <a:avLst/>
-          </a:prstGeom>
-          <a:solidFill>
-            <a:schemeClr val="accent1">
-              <a:alpha val="29800"/>
-            </a:schemeClr>
-          </a:solidFill>
-          <a:ln>
-            <a:noFill/>
-          </a:ln>
-        </p:spPr>
-        <p:txBody>
-          <a:bodyPr spcFirstLastPara="1" wrap="square" lIns="68575" tIns="34275" rIns="68575" bIns="34275" anchor="t" anchorCtr="0">
-            <a:noAutofit/>
-          </a:bodyPr>
-          <a:lstStyle/>
-          <a:p>
-            <a:pPr algn="ctr"/>
-            <a:br>
-              <a:rPr lang="es-ES" sz="1100" b="1">
-                <a:solidFill>
-                  <a:srgbClr val="323F4F"/>
-                </a:solidFill>
-                <a:latin typeface="Calibri"/>
-                <a:ea typeface="Calibri"/>
-                <a:cs typeface="Calibri"/>
-                <a:sym typeface="Calibri"/>
-              </a:rPr>
-            </a:br>
-            <a:br>
-              <a:rPr lang="es-ES" sz="1100" b="1">
-                <a:solidFill>
-                  <a:srgbClr val="323F4F"/>
-                </a:solidFill>
-                <a:latin typeface="Calibri"/>
-                <a:ea typeface="Calibri"/>
-                <a:cs typeface="Calibri"/>
-                <a:sym typeface="Calibri"/>
-              </a:rPr>
-            </a:br>
-            <a:r>
-              <a:rPr lang="es-ES" sz="1100" b="1">
-                <a:solidFill>
-                  <a:srgbClr val="323F4F"/>
-                </a:solidFill>
-                <a:latin typeface="Calibri"/>
-                <a:ea typeface="Calibri"/>
-                <a:cs typeface="Calibri"/>
-                <a:sym typeface="Calibri"/>
-              </a:rPr>
-              <a:t>Data Warehouse</a:t>
-            </a:r>
-            <a:endParaRPr sz="1000">
-              <a:solidFill>
-                <a:schemeClr val="dk1"/>
-              </a:solidFill>
-            </a:endParaRPr>
-          </a:p>
-          <a:p>
-            <a:pPr>
-              <a:spcBef>
-                <a:spcPts val="1200"/>
-              </a:spcBef>
-            </a:pPr>
-            <a:r>
-              <a:rPr lang="es-ES" sz="1000">
-                <a:solidFill>
-                  <a:schemeClr val="dk1"/>
-                </a:solidFill>
-                <a:latin typeface="Calibri"/>
-                <a:ea typeface="Calibri"/>
-                <a:cs typeface="Calibri"/>
-                <a:sym typeface="Calibri"/>
-              </a:rPr>
-              <a:t>✅Pros: </a:t>
-            </a:r>
-            <a:br>
-              <a:rPr lang="es-ES" sz="1000">
-                <a:solidFill>
-                  <a:schemeClr val="dk1"/>
-                </a:solidFill>
-                <a:latin typeface="Calibri"/>
-                <a:ea typeface="Calibri"/>
-                <a:cs typeface="Calibri"/>
-                <a:sym typeface="Calibri"/>
-              </a:rPr>
-            </a:br>
-            <a:r>
-              <a:rPr lang="es-ES" sz="1000">
-                <a:solidFill>
-                  <a:schemeClr val="dk1"/>
-                </a:solidFill>
-                <a:latin typeface="Calibri"/>
-                <a:ea typeface="Calibri"/>
-                <a:cs typeface="Calibri"/>
-                <a:sym typeface="Calibri"/>
-              </a:rPr>
-              <a:t>1. Estructura clara y gobernabilidad</a:t>
-            </a:r>
-            <a:br>
-              <a:rPr lang="es-ES" sz="1000">
-                <a:solidFill>
-                  <a:schemeClr val="dk1"/>
-                </a:solidFill>
-                <a:latin typeface="Calibri"/>
-                <a:ea typeface="Calibri"/>
-                <a:cs typeface="Calibri"/>
-                <a:sym typeface="Calibri"/>
-              </a:rPr>
-            </a:br>
-            <a:r>
-              <a:rPr lang="es-ES" sz="1000">
-                <a:solidFill>
-                  <a:schemeClr val="dk1"/>
-                </a:solidFill>
-                <a:latin typeface="Calibri"/>
-                <a:ea typeface="Calibri"/>
-                <a:cs typeface="Calibri"/>
-                <a:sym typeface="Calibri"/>
-              </a:rPr>
-              <a:t>2. Ideal para </a:t>
-            </a:r>
-            <a:r>
-              <a:rPr lang="es-ES" sz="1000" b="1">
-                <a:solidFill>
-                  <a:schemeClr val="dk1"/>
-                </a:solidFill>
-                <a:latin typeface="Calibri"/>
-                <a:ea typeface="Calibri"/>
-                <a:cs typeface="Calibri"/>
-                <a:sym typeface="Calibri"/>
-              </a:rPr>
-              <a:t>BI y SQL tradicional</a:t>
-            </a:r>
-            <a:br>
-              <a:rPr lang="es-ES" sz="1000" b="1">
-                <a:solidFill>
-                  <a:schemeClr val="dk1"/>
-                </a:solidFill>
-              </a:rPr>
-            </a:br>
-            <a:endParaRPr sz="1000">
-              <a:solidFill>
-                <a:schemeClr val="dk1"/>
-              </a:solidFill>
-              <a:latin typeface="Calibri"/>
-              <a:ea typeface="Calibri"/>
-              <a:cs typeface="Calibri"/>
-              <a:sym typeface="Calibri"/>
-            </a:endParaRPr>
-          </a:p>
-          <a:p>
-            <a:pPr>
-              <a:lnSpc>
-                <a:spcPct val="115000"/>
-              </a:lnSpc>
-              <a:spcBef>
-                <a:spcPts val="1200"/>
-              </a:spcBef>
-              <a:spcAft>
-                <a:spcPts val="1200"/>
-              </a:spcAft>
-            </a:pPr>
-            <a:r>
-              <a:rPr lang="es-ES" sz="1000">
-                <a:solidFill>
-                  <a:schemeClr val="dk1"/>
-                </a:solidFill>
-                <a:latin typeface="Calibri"/>
-                <a:ea typeface="Calibri"/>
-                <a:cs typeface="Calibri"/>
-                <a:sym typeface="Calibri"/>
-              </a:rPr>
-              <a:t>❌Cons:</a:t>
-            </a:r>
-            <a:br>
-              <a:rPr lang="es-ES" sz="1000">
-                <a:solidFill>
-                  <a:schemeClr val="dk1"/>
-                </a:solidFill>
-                <a:latin typeface="Calibri"/>
-                <a:ea typeface="Calibri"/>
-                <a:cs typeface="Calibri"/>
-                <a:sym typeface="Calibri"/>
-              </a:rPr>
-            </a:br>
-            <a:r>
-              <a:rPr lang="es-ES" sz="1000">
-                <a:solidFill>
-                  <a:schemeClr val="dk1"/>
-                </a:solidFill>
-                <a:latin typeface="Calibri"/>
-                <a:ea typeface="Calibri"/>
-                <a:cs typeface="Calibri"/>
-                <a:sym typeface="Calibri"/>
-              </a:rPr>
-              <a:t>1. Difícil manejar datos </a:t>
-            </a:r>
-            <a:r>
-              <a:rPr lang="es-ES" sz="1000" b="1">
-                <a:solidFill>
-                  <a:schemeClr val="dk1"/>
-                </a:solidFill>
-                <a:latin typeface="Calibri"/>
-                <a:ea typeface="Calibri"/>
-                <a:cs typeface="Calibri"/>
-                <a:sym typeface="Calibri"/>
-              </a:rPr>
-              <a:t>no estructurados</a:t>
-            </a:r>
-            <a:r>
-              <a:rPr lang="es-ES" sz="1000">
-                <a:solidFill>
-                  <a:schemeClr val="dk1"/>
-                </a:solidFill>
-                <a:latin typeface="Calibri"/>
-                <a:ea typeface="Calibri"/>
-                <a:cs typeface="Calibri"/>
-                <a:sym typeface="Calibri"/>
-              </a:rPr>
-              <a:t> (audio, video, texto)</a:t>
-            </a:r>
-            <a:br>
-              <a:rPr lang="es-ES" sz="1000">
-                <a:solidFill>
-                  <a:schemeClr val="dk1"/>
-                </a:solidFill>
-                <a:latin typeface="Calibri"/>
-                <a:ea typeface="Calibri"/>
-                <a:cs typeface="Calibri"/>
-                <a:sym typeface="Calibri"/>
-              </a:rPr>
-            </a:br>
-            <a:r>
-              <a:rPr lang="es-ES" sz="1000">
-                <a:solidFill>
-                  <a:schemeClr val="dk1"/>
-                </a:solidFill>
-                <a:latin typeface="Calibri"/>
-                <a:ea typeface="Calibri"/>
-                <a:cs typeface="Calibri"/>
-                <a:sym typeface="Calibri"/>
-              </a:rPr>
-              <a:t>2. No está pensado para </a:t>
-            </a:r>
-            <a:r>
-              <a:rPr lang="es-ES" sz="1000" b="1">
-                <a:solidFill>
-                  <a:schemeClr val="dk1"/>
-                </a:solidFill>
-                <a:latin typeface="Calibri"/>
-                <a:ea typeface="Calibri"/>
-                <a:cs typeface="Calibri"/>
-                <a:sym typeface="Calibri"/>
-              </a:rPr>
-              <a:t>Machine Learning</a:t>
-            </a:r>
-            <a:r>
-              <a:rPr lang="es-ES" sz="1000">
-                <a:solidFill>
-                  <a:schemeClr val="dk1"/>
-                </a:solidFill>
-                <a:latin typeface="Calibri"/>
-                <a:ea typeface="Calibri"/>
-                <a:cs typeface="Calibri"/>
-                <a:sym typeface="Calibri"/>
-              </a:rPr>
-              <a:t> ni </a:t>
-            </a:r>
-            <a:r>
-              <a:rPr lang="es-ES" sz="1000" b="1">
-                <a:solidFill>
-                  <a:schemeClr val="dk1"/>
-                </a:solidFill>
-                <a:latin typeface="Calibri"/>
-                <a:ea typeface="Calibri"/>
-                <a:cs typeface="Calibri"/>
-                <a:sym typeface="Calibri"/>
-              </a:rPr>
-              <a:t>ciencia de datos</a:t>
-            </a:r>
-            <a:br>
-              <a:rPr lang="es-ES" sz="1000" b="1">
-                <a:solidFill>
-                  <a:schemeClr val="dk1"/>
-                </a:solidFill>
-                <a:latin typeface="Calibri"/>
-                <a:ea typeface="Calibri"/>
-                <a:cs typeface="Calibri"/>
-                <a:sym typeface="Calibri"/>
-              </a:rPr>
-            </a:br>
-            <a:r>
-              <a:rPr lang="es-ES" sz="1000">
-                <a:solidFill>
-                  <a:schemeClr val="dk1"/>
-                </a:solidFill>
-                <a:latin typeface="Calibri"/>
-                <a:ea typeface="Calibri"/>
-                <a:cs typeface="Calibri"/>
-                <a:sym typeface="Calibri"/>
-              </a:rPr>
-              <a:t>3. Poco flexible ante grandes volúmenes o variedad de datos</a:t>
-            </a:r>
-            <a:endParaRPr sz="1100">
-              <a:solidFill>
-                <a:srgbClr val="323F4F"/>
-              </a:solidFill>
-              <a:latin typeface="Calibri"/>
-              <a:ea typeface="Calibri"/>
-              <a:cs typeface="Calibri"/>
-              <a:sym typeface="Calibri"/>
-            </a:endParaRPr>
-          </a:p>
-        </p:txBody>
-      </p:sp>
-    </p:spTree>
-  </p:cSld>
-  <p:clrMapOvr>
-    <a:masterClrMapping/>
-  </p:clrMapOvr>
-  <mc:AlternateContent xmlns:mc="http://schemas.openxmlformats.org/markup-compatibility/2006" xmlns:p14="http://schemas.microsoft.com/office/powerpoint/2010/main">
-    <mc:Choice Requires="p14">
-      <p:transition spd="med" p14:dur="700">
-        <p:fade/>
-      </p:transition>
-    </mc:Choice>
-    <mc:Fallback xmlns:ahyp="http://schemas.microsoft.com/office/drawing/2018/hyperlinkcolor" xmlns:p15="http://schemas.microsoft.com/office/powerpoint/2012/main" xmlns:com="http://schemas.openxmlformats.org/drawingml/2006/compatibility" xmlns:pvml="urn:schemas-microsoft-com:office:powerpoint" xmlns:v="urn:schemas-microsoft-com:vml" xmlns:o="urn:schemas-microsoft-com:office:office" xmlns:dgm="http://schemas.openxmlformats.org/drawingml/2006/diagram" xmlns:c="http://schemas.openxmlformats.org/drawingml/2006/chart" xmlns:mv="urn:schemas-microsoft-com:mac:vml" xmlns="">
-      <p:transition spd="slow">
-        <p:fade/>
-      </p:transition>
-    </mc:Fallback>
-  </mc:AlternateContent>
-</p:sld>
-</file>
-
-<file path=ppt/slides/slide4.xml><?xml version="1.0" encoding="utf-8"?>
-<p:sld xmlns:a="http://schemas.openxmlformats.org/drawingml/2006/main" xmlns:r="http://schemas.openxmlformats.org/officeDocument/2006/relationships" xmlns:p="http://schemas.openxmlformats.org/presentationml/2006/main">
-  <p:cSld>
-    <p:spTree>
-      <p:nvGrpSpPr>
-        <p:cNvPr id="1" name="Shape 293"/>
-        <p:cNvGrpSpPr/>
-        <p:nvPr/>
-      </p:nvGrpSpPr>
-      <p:grpSpPr>
-        <a:xfrm>
-          <a:off x="0" y="0"/>
-          <a:ext cx="0" cy="0"/>
-          <a:chOff x="0" y="0"/>
-          <a:chExt cx="0" cy="0"/>
-        </a:xfrm>
-      </p:grpSpPr>
-      <p:sp>
-        <p:nvSpPr>
-          <p:cNvPr id="294" name="Google Shape;294;g35ee5cc475b_0_54"/>
-          <p:cNvSpPr txBox="1"/>
-          <p:nvPr/>
-        </p:nvSpPr>
-        <p:spPr>
-          <a:xfrm>
-            <a:off x="7871149" y="1578725"/>
-            <a:ext cx="2289600" cy="3514200"/>
-          </a:xfrm>
-          <a:prstGeom prst="rect">
-            <a:avLst/>
-          </a:prstGeom>
-          <a:solidFill>
-            <a:schemeClr val="accent1">
-              <a:alpha val="29800"/>
-            </a:schemeClr>
-          </a:solidFill>
-          <a:ln>
-            <a:noFill/>
-          </a:ln>
-        </p:spPr>
-        <p:txBody>
-          <a:bodyPr spcFirstLastPara="1" wrap="square" lIns="68575" tIns="34275" rIns="68575" bIns="34275" anchor="t" anchorCtr="0">
-            <a:noAutofit/>
-          </a:bodyPr>
-          <a:lstStyle/>
-          <a:p>
-            <a:pPr algn="ctr"/>
-            <a:br>
-              <a:rPr lang="es-ES" sz="1100" b="1">
-                <a:solidFill>
-                  <a:srgbClr val="323F4F"/>
-                </a:solidFill>
-                <a:latin typeface="Calibri"/>
-                <a:ea typeface="Calibri"/>
-                <a:cs typeface="Calibri"/>
-                <a:sym typeface="Calibri"/>
-              </a:rPr>
-            </a:br>
-            <a:br>
-              <a:rPr lang="es-ES" sz="1100" b="1">
-                <a:solidFill>
-                  <a:srgbClr val="323F4F"/>
-                </a:solidFill>
-                <a:latin typeface="Calibri"/>
-                <a:ea typeface="Calibri"/>
-                <a:cs typeface="Calibri"/>
-                <a:sym typeface="Calibri"/>
-              </a:rPr>
-            </a:br>
-            <a:r>
-              <a:rPr lang="es-ES" sz="1100" b="1">
-                <a:solidFill>
-                  <a:srgbClr val="323F4F"/>
-                </a:solidFill>
-                <a:latin typeface="Calibri"/>
-                <a:ea typeface="Calibri"/>
-                <a:cs typeface="Calibri"/>
-                <a:sym typeface="Calibri"/>
-              </a:rPr>
-              <a:t>Data Lake</a:t>
-            </a:r>
-            <a:endParaRPr sz="1100">
-              <a:solidFill>
-                <a:srgbClr val="323F4F"/>
-              </a:solidFill>
-              <a:latin typeface="Calibri"/>
-              <a:ea typeface="Calibri"/>
-              <a:cs typeface="Calibri"/>
-              <a:sym typeface="Calibri"/>
-            </a:endParaRPr>
-          </a:p>
-          <a:p>
-            <a:pPr>
-              <a:lnSpc>
-                <a:spcPct val="115000"/>
-              </a:lnSpc>
-              <a:spcBef>
-                <a:spcPts val="1200"/>
-              </a:spcBef>
-            </a:pPr>
-            <a:r>
-              <a:rPr lang="es-ES" sz="1000">
-                <a:solidFill>
-                  <a:srgbClr val="323F4F"/>
-                </a:solidFill>
-                <a:latin typeface="Calibri"/>
-                <a:ea typeface="Calibri"/>
-                <a:cs typeface="Calibri"/>
-                <a:sym typeface="Calibri"/>
-              </a:rPr>
-              <a:t>✅ Pros:</a:t>
-            </a:r>
-            <a:br>
-              <a:rPr lang="es-ES" sz="1000">
-                <a:solidFill>
-                  <a:srgbClr val="323F4F"/>
-                </a:solidFill>
-                <a:latin typeface="Calibri"/>
-                <a:ea typeface="Calibri"/>
-                <a:cs typeface="Calibri"/>
-                <a:sym typeface="Calibri"/>
-              </a:rPr>
-            </a:br>
-            <a:r>
-              <a:rPr lang="es-ES" sz="1000">
-                <a:solidFill>
-                  <a:srgbClr val="323F4F"/>
-                </a:solidFill>
-                <a:latin typeface="Calibri"/>
-                <a:ea typeface="Calibri"/>
-                <a:cs typeface="Calibri"/>
-                <a:sym typeface="Calibri"/>
-              </a:rPr>
-              <a:t>1. Escalable y económico (almacenamiento en bruto)</a:t>
-            </a:r>
-            <a:br>
-              <a:rPr lang="es-ES" sz="1000">
-                <a:solidFill>
-                  <a:srgbClr val="323F4F"/>
-                </a:solidFill>
-                <a:latin typeface="Calibri"/>
-                <a:ea typeface="Calibri"/>
-                <a:cs typeface="Calibri"/>
-                <a:sym typeface="Calibri"/>
-              </a:rPr>
-            </a:br>
-            <a:r>
-              <a:rPr lang="es-ES" sz="1000">
-                <a:solidFill>
-                  <a:srgbClr val="323F4F"/>
-                </a:solidFill>
-                <a:latin typeface="Calibri"/>
-                <a:ea typeface="Calibri"/>
-                <a:cs typeface="Calibri"/>
-                <a:sym typeface="Calibri"/>
-              </a:rPr>
-              <a:t>2. Acepta </a:t>
-            </a:r>
-            <a:r>
-              <a:rPr lang="es-ES" sz="1000" b="1">
-                <a:solidFill>
-                  <a:srgbClr val="323F4F"/>
-                </a:solidFill>
-                <a:latin typeface="Calibri"/>
-                <a:ea typeface="Calibri"/>
-                <a:cs typeface="Calibri"/>
-                <a:sym typeface="Calibri"/>
-              </a:rPr>
-              <a:t>cualquier tipo de datos</a:t>
-            </a:r>
-            <a:r>
-              <a:rPr lang="es-ES" sz="1000">
-                <a:solidFill>
-                  <a:srgbClr val="323F4F"/>
-                </a:solidFill>
-                <a:latin typeface="Calibri"/>
-                <a:ea typeface="Calibri"/>
-                <a:cs typeface="Calibri"/>
-                <a:sym typeface="Calibri"/>
-              </a:rPr>
-              <a:t> (estructurados o no)</a:t>
-            </a:r>
-            <a:br>
-              <a:rPr lang="es-ES" sz="1000">
-                <a:solidFill>
-                  <a:srgbClr val="323F4F"/>
-                </a:solidFill>
-                <a:latin typeface="Calibri"/>
-                <a:ea typeface="Calibri"/>
-                <a:cs typeface="Calibri"/>
-                <a:sym typeface="Calibri"/>
-              </a:rPr>
-            </a:br>
-            <a:br>
-              <a:rPr lang="es-ES" sz="1000">
-                <a:solidFill>
-                  <a:srgbClr val="323F4F"/>
-                </a:solidFill>
-                <a:latin typeface="Calibri"/>
-                <a:ea typeface="Calibri"/>
-                <a:cs typeface="Calibri"/>
-                <a:sym typeface="Calibri"/>
-              </a:rPr>
-            </a:br>
-            <a:r>
-              <a:rPr lang="es-ES" sz="1000">
-                <a:solidFill>
-                  <a:schemeClr val="dk1"/>
-                </a:solidFill>
-                <a:latin typeface="Calibri"/>
-                <a:ea typeface="Calibri"/>
-                <a:cs typeface="Calibri"/>
-                <a:sym typeface="Calibri"/>
-              </a:rPr>
-              <a:t>❌Cons:</a:t>
-            </a:r>
-            <a:br>
-              <a:rPr lang="es-ES" sz="1000">
-                <a:solidFill>
-                  <a:schemeClr val="dk1"/>
-                </a:solidFill>
-                <a:latin typeface="Calibri"/>
-                <a:ea typeface="Calibri"/>
-                <a:cs typeface="Calibri"/>
-                <a:sym typeface="Calibri"/>
-              </a:rPr>
-            </a:br>
-            <a:r>
-              <a:rPr lang="es-ES" sz="1000">
-                <a:solidFill>
-                  <a:schemeClr val="dk1"/>
-                </a:solidFill>
-                <a:latin typeface="Calibri"/>
-                <a:ea typeface="Calibri"/>
-                <a:cs typeface="Calibri"/>
-                <a:sym typeface="Calibri"/>
-              </a:rPr>
-              <a:t>1. </a:t>
-            </a:r>
-            <a:r>
-              <a:rPr lang="es-ES" sz="1000" b="1">
-                <a:solidFill>
-                  <a:schemeClr val="dk1"/>
-                </a:solidFill>
-                <a:latin typeface="Calibri"/>
-                <a:ea typeface="Calibri"/>
-                <a:cs typeface="Calibri"/>
-                <a:sym typeface="Calibri"/>
-              </a:rPr>
-              <a:t>Sin control de calidad</a:t>
-            </a:r>
-            <a:r>
-              <a:rPr lang="es-ES" sz="1000">
-                <a:solidFill>
-                  <a:schemeClr val="dk1"/>
-                </a:solidFill>
-                <a:latin typeface="Calibri"/>
-                <a:ea typeface="Calibri"/>
-                <a:cs typeface="Calibri"/>
-                <a:sym typeface="Calibri"/>
-              </a:rPr>
-              <a:t> → puede volverse una "ciénaga de datos"</a:t>
-            </a:r>
-            <a:br>
-              <a:rPr lang="es-ES" sz="1000">
-                <a:solidFill>
-                  <a:schemeClr val="dk1"/>
-                </a:solidFill>
-                <a:latin typeface="Calibri"/>
-                <a:ea typeface="Calibri"/>
-                <a:cs typeface="Calibri"/>
-                <a:sym typeface="Calibri"/>
-              </a:rPr>
-            </a:br>
-            <a:r>
-              <a:rPr lang="es-ES" sz="1000">
-                <a:solidFill>
-                  <a:schemeClr val="dk1"/>
-                </a:solidFill>
-                <a:latin typeface="Calibri"/>
-                <a:ea typeface="Calibri"/>
-                <a:cs typeface="Calibri"/>
-                <a:sym typeface="Calibri"/>
-              </a:rPr>
-              <a:t>2. Bajo rendimiento para consultas</a:t>
-            </a:r>
-            <a:br>
-              <a:rPr lang="es-ES" sz="1000">
-                <a:solidFill>
-                  <a:schemeClr val="dk1"/>
-                </a:solidFill>
-                <a:latin typeface="Calibri"/>
-                <a:ea typeface="Calibri"/>
-                <a:cs typeface="Calibri"/>
-                <a:sym typeface="Calibri"/>
-              </a:rPr>
-            </a:br>
-            <a:r>
-              <a:rPr lang="es-ES" sz="1000">
-                <a:solidFill>
-                  <a:schemeClr val="dk1"/>
-                </a:solidFill>
-                <a:latin typeface="Calibri"/>
-                <a:ea typeface="Calibri"/>
-                <a:cs typeface="Calibri"/>
-                <a:sym typeface="Calibri"/>
-              </a:rPr>
-              <a:t>3. Mala integración con herramientas BI</a:t>
-            </a:r>
-            <a:br>
-              <a:rPr lang="es-ES" sz="1000">
-                <a:solidFill>
-                  <a:schemeClr val="dk1"/>
-                </a:solidFill>
-                <a:latin typeface="Calibri"/>
-                <a:ea typeface="Calibri"/>
-                <a:cs typeface="Calibri"/>
-                <a:sym typeface="Calibri"/>
-              </a:rPr>
-            </a:br>
-            <a:r>
-              <a:rPr lang="es-ES" sz="1000">
-                <a:solidFill>
-                  <a:schemeClr val="dk1"/>
-                </a:solidFill>
-                <a:latin typeface="Calibri"/>
-                <a:ea typeface="Calibri"/>
-                <a:cs typeface="Calibri"/>
-                <a:sym typeface="Calibri"/>
-              </a:rPr>
-              <a:t>4. No garantiza integridad ni transacciones</a:t>
-            </a:r>
-            <a:endParaRPr sz="1000">
-              <a:solidFill>
-                <a:schemeClr val="dk1"/>
-              </a:solidFill>
-              <a:latin typeface="Calibri"/>
-              <a:ea typeface="Calibri"/>
-              <a:cs typeface="Calibri"/>
-              <a:sym typeface="Calibri"/>
-            </a:endParaRPr>
-          </a:p>
-          <a:p>
-            <a:pPr>
-              <a:lnSpc>
-                <a:spcPct val="115000"/>
-              </a:lnSpc>
-              <a:spcBef>
-                <a:spcPts val="1200"/>
-              </a:spcBef>
-            </a:pPr>
-            <a:endParaRPr sz="1100">
-              <a:solidFill>
-                <a:schemeClr val="dk1"/>
-              </a:solidFill>
-              <a:latin typeface="Calibri"/>
-              <a:ea typeface="Calibri"/>
-              <a:cs typeface="Calibri"/>
-              <a:sym typeface="Calibri"/>
-            </a:endParaRPr>
-          </a:p>
-          <a:p>
-            <a:pPr>
-              <a:lnSpc>
-                <a:spcPct val="115000"/>
-              </a:lnSpc>
-              <a:spcBef>
-                <a:spcPts val="1200"/>
-              </a:spcBef>
-            </a:pPr>
-            <a:endParaRPr sz="1100">
-              <a:solidFill>
-                <a:srgbClr val="323F4F"/>
-              </a:solidFill>
-              <a:latin typeface="Calibri"/>
-              <a:ea typeface="Calibri"/>
-              <a:cs typeface="Calibri"/>
-              <a:sym typeface="Calibri"/>
-            </a:endParaRPr>
-          </a:p>
-        </p:txBody>
-      </p:sp>
-      <p:sp>
-        <p:nvSpPr>
-          <p:cNvPr id="295" name="Google Shape;295;g35ee5cc475b_0_54"/>
-          <p:cNvSpPr txBox="1">
-            <a:spLocks noGrp="1"/>
-          </p:cNvSpPr>
-          <p:nvPr>
-            <p:ph type="title"/>
-          </p:nvPr>
-        </p:nvSpPr>
-        <p:spPr>
-          <a:xfrm>
-            <a:off x="2152650" y="365125"/>
-            <a:ext cx="7886700" cy="543600"/>
-          </a:xfrm>
-          <a:prstGeom prst="rect">
-            <a:avLst/>
-          </a:prstGeom>
-          <a:noFill/>
-          <a:ln>
-            <a:noFill/>
-          </a:ln>
-        </p:spPr>
-        <p:txBody>
-          <a:bodyPr spcFirstLastPara="1" vert="horz" wrap="square" lIns="91425" tIns="45700" rIns="91425" bIns="45700" rtlCol="0" anchor="ctr" anchorCtr="0">
-            <a:normAutofit fontScale="90000"/>
-          </a:bodyPr>
-          <a:lstStyle/>
-          <a:p>
-            <a:pPr>
-              <a:spcBef>
-                <a:spcPts val="0"/>
-              </a:spcBef>
-              <a:buClr>
-                <a:schemeClr val="dk1"/>
-              </a:buClr>
-              <a:buSzPts val="2400"/>
-            </a:pPr>
-            <a:r>
-              <a:rPr lang="es-ES" dirty="0"/>
-              <a:t>Delta Lake</a:t>
-            </a:r>
-            <a:r>
-              <a:rPr lang="es-ES" dirty="0">
-                <a:solidFill>
-                  <a:schemeClr val="accent1"/>
-                </a:solidFill>
-              </a:rPr>
-              <a:t>| Data Lake</a:t>
-            </a:r>
-            <a:endParaRPr dirty="0">
-              <a:solidFill>
-                <a:schemeClr val="accent1"/>
-              </a:solidFill>
-            </a:endParaRPr>
-          </a:p>
-        </p:txBody>
-      </p:sp>
-      <p:pic>
-        <p:nvPicPr>
-          <p:cNvPr id="296" name="Google Shape;296;g35ee5cc475b_0_54"/>
-          <p:cNvPicPr preferRelativeResize="0"/>
-          <p:nvPr/>
-        </p:nvPicPr>
-        <p:blipFill>
-          <a:blip r:embed="rId3">
-            <a:alphaModFix/>
-          </a:blip>
-          <a:stretch>
-            <a:fillRect/>
-          </a:stretch>
-        </p:blipFill>
-        <p:spPr>
-          <a:xfrm>
-            <a:off x="3267975" y="1090750"/>
-            <a:ext cx="3869600" cy="4490150"/>
-          </a:xfrm>
-          <a:prstGeom prst="rect">
-            <a:avLst/>
-          </a:prstGeom>
-          <a:noFill/>
-          <a:ln>
-            <a:noFill/>
-          </a:ln>
-        </p:spPr>
-      </p:pic>
-    </p:spTree>
-  </p:cSld>
-  <p:clrMapOvr>
-    <a:masterClrMapping/>
-  </p:clrMapOvr>
-  <mc:AlternateContent xmlns:mc="http://schemas.openxmlformats.org/markup-compatibility/2006" xmlns:p14="http://schemas.microsoft.com/office/powerpoint/2010/main">
-    <mc:Choice Requires="p14">
-      <p:transition spd="med" p14:dur="700">
-        <p:fade/>
-      </p:transition>
-    </mc:Choice>
-    <mc:Fallback xmlns:ahyp="http://schemas.microsoft.com/office/drawing/2018/hyperlinkcolor" xmlns:p15="http://schemas.microsoft.com/office/powerpoint/2012/main" xmlns:com="http://schemas.openxmlformats.org/drawingml/2006/compatibility" xmlns:pvml="urn:schemas-microsoft-com:office:powerpoint" xmlns:v="urn:schemas-microsoft-com:vml" xmlns:o="urn:schemas-microsoft-com:office:office" xmlns:dgm="http://schemas.openxmlformats.org/drawingml/2006/diagram" xmlns:c="http://schemas.openxmlformats.org/drawingml/2006/chart" xmlns:mv="urn:schemas-microsoft-com:mac:vml" xmlns="">
-      <p:transition spd="slow">
-        <p:fade/>
-      </p:transition>
-    </mc:Fallback>
-  </mc:AlternateContent>
-</p:sld>
-</file>
-
-<file path=ppt/slides/slide5.xml><?xml version="1.0" encoding="utf-8"?>
-<p:sld xmlns:a="http://schemas.openxmlformats.org/drawingml/2006/main" xmlns:r="http://schemas.openxmlformats.org/officeDocument/2006/relationships" xmlns:p="http://schemas.openxmlformats.org/presentationml/2006/main">
-  <p:cSld>
-    <p:spTree>
-      <p:nvGrpSpPr>
-        <p:cNvPr id="1" name="Shape 301"/>
-        <p:cNvGrpSpPr/>
-        <p:nvPr/>
-      </p:nvGrpSpPr>
-      <p:grpSpPr>
-        <a:xfrm>
-          <a:off x="0" y="0"/>
-          <a:ext cx="0" cy="0"/>
-          <a:chOff x="0" y="0"/>
-          <a:chExt cx="0" cy="0"/>
-        </a:xfrm>
-      </p:grpSpPr>
-      <p:sp>
-        <p:nvSpPr>
-          <p:cNvPr id="302" name="Google Shape;302;g35ee5cc475b_0_63"/>
-          <p:cNvSpPr txBox="1"/>
-          <p:nvPr/>
-        </p:nvSpPr>
-        <p:spPr>
-          <a:xfrm>
-            <a:off x="2653500" y="4835775"/>
-            <a:ext cx="6885000" cy="811500"/>
-          </a:xfrm>
-          <a:prstGeom prst="rect">
-            <a:avLst/>
-          </a:prstGeom>
-          <a:solidFill>
-            <a:schemeClr val="accent1">
-              <a:alpha val="29800"/>
-            </a:schemeClr>
-          </a:solidFill>
-          <a:ln>
-            <a:noFill/>
-          </a:ln>
-        </p:spPr>
-        <p:txBody>
-          <a:bodyPr spcFirstLastPara="1" wrap="square" lIns="68575" tIns="34275" rIns="68575" bIns="34275" anchor="t" anchorCtr="0">
-            <a:noAutofit/>
-          </a:bodyPr>
-          <a:lstStyle/>
-          <a:p>
-            <a:pPr>
-              <a:lnSpc>
-                <a:spcPct val="115000"/>
-              </a:lnSpc>
-            </a:pPr>
-            <a:r>
-              <a:rPr lang="es-ES" sz="1000">
-                <a:solidFill>
-                  <a:schemeClr val="dk1"/>
-                </a:solidFill>
-                <a:latin typeface="Calibri"/>
-                <a:ea typeface="Calibri"/>
-                <a:cs typeface="Calibri"/>
-                <a:sym typeface="Calibri"/>
-              </a:rPr>
-              <a:t>El </a:t>
-            </a:r>
-            <a:r>
-              <a:rPr lang="es-ES" sz="1000" b="1">
-                <a:solidFill>
-                  <a:schemeClr val="dk1"/>
-                </a:solidFill>
-                <a:latin typeface="Calibri"/>
-                <a:ea typeface="Calibri"/>
-                <a:cs typeface="Calibri"/>
-                <a:sym typeface="Calibri"/>
-              </a:rPr>
-              <a:t>Data</a:t>
-            </a:r>
-            <a:r>
-              <a:rPr lang="es-ES" sz="1000">
-                <a:solidFill>
-                  <a:schemeClr val="dk1"/>
-                </a:solidFill>
-                <a:latin typeface="Calibri"/>
-                <a:ea typeface="Calibri"/>
-                <a:cs typeface="Calibri"/>
-                <a:sym typeface="Calibri"/>
-              </a:rPr>
-              <a:t> </a:t>
-            </a:r>
-            <a:r>
-              <a:rPr lang="es-ES" sz="1000" b="1">
-                <a:solidFill>
-                  <a:schemeClr val="dk1"/>
-                </a:solidFill>
-                <a:latin typeface="Calibri"/>
-                <a:ea typeface="Calibri"/>
-                <a:cs typeface="Calibri"/>
-                <a:sym typeface="Calibri"/>
-              </a:rPr>
-              <a:t>Lakehouse</a:t>
-            </a:r>
-            <a:r>
-              <a:rPr lang="es-ES" sz="1000">
-                <a:solidFill>
-                  <a:schemeClr val="dk1"/>
-                </a:solidFill>
-                <a:latin typeface="Calibri"/>
-                <a:ea typeface="Calibri"/>
-                <a:cs typeface="Calibri"/>
-                <a:sym typeface="Calibri"/>
-              </a:rPr>
-              <a:t> es la </a:t>
-            </a:r>
-            <a:r>
-              <a:rPr lang="es-ES" sz="1000" b="1">
-                <a:solidFill>
-                  <a:schemeClr val="dk1"/>
-                </a:solidFill>
-                <a:latin typeface="Calibri"/>
-                <a:ea typeface="Calibri"/>
-                <a:cs typeface="Calibri"/>
-                <a:sym typeface="Calibri"/>
-              </a:rPr>
-              <a:t>evolución natural</a:t>
-            </a:r>
-            <a:r>
-              <a:rPr lang="es-ES" sz="1000">
-                <a:solidFill>
-                  <a:schemeClr val="dk1"/>
-                </a:solidFill>
-                <a:latin typeface="Calibri"/>
-                <a:ea typeface="Calibri"/>
-                <a:cs typeface="Calibri"/>
-                <a:sym typeface="Calibri"/>
-              </a:rPr>
-              <a:t> que:</a:t>
-            </a:r>
-            <a:br>
-              <a:rPr lang="es-ES" sz="1000">
-                <a:solidFill>
-                  <a:schemeClr val="dk1"/>
-                </a:solidFill>
-                <a:latin typeface="Calibri"/>
-                <a:ea typeface="Calibri"/>
-                <a:cs typeface="Calibri"/>
-                <a:sym typeface="Calibri"/>
-              </a:rPr>
-            </a:br>
-            <a:br>
-              <a:rPr lang="es-ES" sz="1000">
-                <a:solidFill>
-                  <a:schemeClr val="dk1"/>
-                </a:solidFill>
-                <a:latin typeface="Calibri"/>
-                <a:ea typeface="Calibri"/>
-                <a:cs typeface="Calibri"/>
-                <a:sym typeface="Calibri"/>
-              </a:rPr>
-            </a:br>
-            <a:r>
-              <a:rPr lang="es-ES" sz="1000">
-                <a:solidFill>
-                  <a:schemeClr val="dk1"/>
-                </a:solidFill>
-                <a:latin typeface="Calibri"/>
-                <a:ea typeface="Calibri"/>
-                <a:cs typeface="Calibri"/>
-                <a:sym typeface="Calibri"/>
-              </a:rPr>
-              <a:t>1. Une lo </a:t>
-            </a:r>
-            <a:r>
-              <a:rPr lang="es-ES" sz="1000" b="1">
-                <a:solidFill>
-                  <a:schemeClr val="dk1"/>
-                </a:solidFill>
-                <a:latin typeface="Calibri"/>
-                <a:ea typeface="Calibri"/>
-                <a:cs typeface="Calibri"/>
-                <a:sym typeface="Calibri"/>
-              </a:rPr>
-              <a:t>mejor del Data Warehouse</a:t>
-            </a:r>
-            <a:r>
-              <a:rPr lang="es-ES" sz="1000">
-                <a:solidFill>
-                  <a:schemeClr val="dk1"/>
-                </a:solidFill>
-                <a:latin typeface="Calibri"/>
-                <a:ea typeface="Calibri"/>
-                <a:cs typeface="Calibri"/>
-                <a:sym typeface="Calibri"/>
-              </a:rPr>
-              <a:t> (gobierno, fiabilidad, rendimiento)</a:t>
-            </a:r>
-            <a:br>
-              <a:rPr lang="es-ES" sz="1000">
-                <a:solidFill>
-                  <a:schemeClr val="dk1"/>
-                </a:solidFill>
-                <a:latin typeface="Calibri"/>
-                <a:ea typeface="Calibri"/>
-                <a:cs typeface="Calibri"/>
-                <a:sym typeface="Calibri"/>
-              </a:rPr>
-            </a:br>
-            <a:r>
-              <a:rPr lang="es-ES" sz="1000">
-                <a:solidFill>
-                  <a:schemeClr val="dk1"/>
-                </a:solidFill>
-                <a:latin typeface="Calibri"/>
-                <a:ea typeface="Calibri"/>
-                <a:cs typeface="Calibri"/>
-                <a:sym typeface="Calibri"/>
-              </a:rPr>
-              <a:t>2. Con lo </a:t>
-            </a:r>
-            <a:r>
-              <a:rPr lang="es-ES" sz="1000" b="1">
-                <a:solidFill>
-                  <a:schemeClr val="dk1"/>
-                </a:solidFill>
-                <a:latin typeface="Calibri"/>
-                <a:ea typeface="Calibri"/>
-                <a:cs typeface="Calibri"/>
-                <a:sym typeface="Calibri"/>
-              </a:rPr>
-              <a:t>mejor del Data Lake</a:t>
-            </a:r>
-            <a:r>
-              <a:rPr lang="es-ES" sz="1000">
-                <a:solidFill>
-                  <a:schemeClr val="dk1"/>
-                </a:solidFill>
-                <a:latin typeface="Calibri"/>
-                <a:ea typeface="Calibri"/>
-                <a:cs typeface="Calibri"/>
-                <a:sym typeface="Calibri"/>
-              </a:rPr>
-              <a:t> (flexibilidad, diversidad, escalabilidad)</a:t>
-            </a:r>
-            <a:endParaRPr sz="1000">
-              <a:solidFill>
-                <a:schemeClr val="dk1"/>
-              </a:solidFill>
-              <a:latin typeface="Calibri"/>
-              <a:ea typeface="Calibri"/>
-              <a:cs typeface="Calibri"/>
-              <a:sym typeface="Calibri"/>
-            </a:endParaRPr>
-          </a:p>
-          <a:p>
-            <a:pPr>
-              <a:lnSpc>
-                <a:spcPct val="115000"/>
-              </a:lnSpc>
-            </a:pPr>
-            <a:endParaRPr sz="1100">
-              <a:solidFill>
-                <a:srgbClr val="323F4F"/>
-              </a:solidFill>
-              <a:latin typeface="Calibri"/>
-              <a:ea typeface="Calibri"/>
-              <a:cs typeface="Calibri"/>
-              <a:sym typeface="Calibri"/>
-            </a:endParaRPr>
-          </a:p>
-        </p:txBody>
-      </p:sp>
-      <p:sp>
-        <p:nvSpPr>
-          <p:cNvPr id="303" name="Google Shape;303;g35ee5cc475b_0_63"/>
-          <p:cNvSpPr txBox="1">
-            <a:spLocks noGrp="1"/>
-          </p:cNvSpPr>
-          <p:nvPr>
-            <p:ph type="title"/>
-          </p:nvPr>
-        </p:nvSpPr>
-        <p:spPr>
-          <a:xfrm>
-            <a:off x="2152650" y="365125"/>
-            <a:ext cx="7886700" cy="543600"/>
-          </a:xfrm>
-          <a:prstGeom prst="rect">
-            <a:avLst/>
-          </a:prstGeom>
-          <a:noFill/>
-          <a:ln>
-            <a:noFill/>
-          </a:ln>
-        </p:spPr>
-        <p:txBody>
-          <a:bodyPr spcFirstLastPara="1" vert="horz" wrap="square" lIns="91425" tIns="45700" rIns="91425" bIns="45700" rtlCol="0" anchor="ctr" anchorCtr="0">
-            <a:normAutofit fontScale="90000"/>
-          </a:bodyPr>
-          <a:lstStyle/>
-          <a:p>
-            <a:pPr>
-              <a:spcBef>
-                <a:spcPts val="0"/>
-              </a:spcBef>
-              <a:buClr>
-                <a:schemeClr val="dk1"/>
-              </a:buClr>
-              <a:buSzPts val="2400"/>
-            </a:pPr>
-            <a:r>
-              <a:rPr lang="es-ES"/>
-              <a:t>Delta Lake</a:t>
-            </a:r>
-            <a:r>
-              <a:rPr lang="es-ES">
-                <a:solidFill>
-                  <a:schemeClr val="accent1"/>
-                </a:solidFill>
-              </a:rPr>
-              <a:t>| Data Lakehouse</a:t>
-            </a:r>
-            <a:endParaRPr>
-              <a:solidFill>
-                <a:schemeClr val="accent1"/>
-              </a:solidFill>
-            </a:endParaRPr>
-          </a:p>
-        </p:txBody>
-      </p:sp>
-      <p:pic>
-        <p:nvPicPr>
-          <p:cNvPr id="304" name="Google Shape;304;g35ee5cc475b_0_63"/>
-          <p:cNvPicPr preferRelativeResize="0"/>
-          <p:nvPr/>
-        </p:nvPicPr>
-        <p:blipFill>
-          <a:blip r:embed="rId3">
-            <a:alphaModFix/>
-          </a:blip>
-          <a:stretch>
-            <a:fillRect/>
-          </a:stretch>
-        </p:blipFill>
-        <p:spPr>
-          <a:xfrm>
-            <a:off x="2499438" y="1217626"/>
-            <a:ext cx="7193124" cy="3011675"/>
-          </a:xfrm>
-          <a:prstGeom prst="rect">
-            <a:avLst/>
-          </a:prstGeom>
-          <a:noFill/>
-          <a:ln>
-            <a:noFill/>
-          </a:ln>
-        </p:spPr>
-      </p:pic>
-    </p:spTree>
-  </p:cSld>
-  <p:clrMapOvr>
-    <a:masterClrMapping/>
-  </p:clrMapOvr>
-  <mc:AlternateContent xmlns:mc="http://schemas.openxmlformats.org/markup-compatibility/2006" xmlns:p14="http://schemas.microsoft.com/office/powerpoint/2010/main">
-    <mc:Choice Requires="p14">
-      <p:transition spd="med" p14:dur="700">
-        <p:fade/>
-      </p:transition>
-    </mc:Choice>
-    <mc:Fallback xmlns:ahyp="http://schemas.microsoft.com/office/drawing/2018/hyperlinkcolor" xmlns:p15="http://schemas.microsoft.com/office/powerpoint/2012/main" xmlns:com="http://schemas.openxmlformats.org/drawingml/2006/compatibility" xmlns:pvml="urn:schemas-microsoft-com:office:powerpoint" xmlns:v="urn:schemas-microsoft-com:vml" xmlns:o="urn:schemas-microsoft-com:office:office" xmlns:dgm="http://schemas.openxmlformats.org/drawingml/2006/diagram" xmlns:c="http://schemas.openxmlformats.org/drawingml/2006/chart" xmlns:mv="urn:schemas-microsoft-com:mac:vml" xmlns="">
-      <p:transition spd="slow">
-        <p:fade/>
-      </p:transition>
-    </mc:Fallback>
-  </mc:AlternateContent>
-</p:sld>
-</file>
-
-<file path=ppt/slides/slide6.xml><?xml version="1.0" encoding="utf-8"?>
-<p:sld xmlns:a="http://schemas.openxmlformats.org/drawingml/2006/main" xmlns:r="http://schemas.openxmlformats.org/officeDocument/2006/relationships" xmlns:p="http://schemas.openxmlformats.org/presentationml/2006/main">
-  <p:cSld>
-    <p:spTree>
-      <p:nvGrpSpPr>
-        <p:cNvPr id="1" name=""/>
-        <p:cNvGrpSpPr/>
-        <p:nvPr/>
-      </p:nvGrpSpPr>
-      <p:grpSpPr>
-        <a:xfrm>
-          <a:off x="0" y="0"/>
-          <a:ext cx="0" cy="0"/>
-          <a:chOff x="0" y="0"/>
-          <a:chExt cx="0" cy="0"/>
-        </a:xfrm>
-      </p:grpSpPr>
-      <p:sp>
-        <p:nvSpPr>
-          <p:cNvPr id="8" name="Rectángulo 7">
-            <a:extLst>
-              <a:ext uri="{FF2B5EF4-FFF2-40B4-BE49-F238E27FC236}">
-                <a16:creationId xmlns:a16="http://schemas.microsoft.com/office/drawing/2014/main" id="{1665D657-1A33-5E52-7A15-905F0F68831D}"/>
-              </a:ext>
-            </a:extLst>
-          </p:cNvPr>
-          <p:cNvSpPr/>
-          <p:nvPr/>
-        </p:nvSpPr>
-        <p:spPr>
-          <a:xfrm>
-            <a:off x="1610816" y="3920608"/>
-            <a:ext cx="8970368" cy="792088"/>
-          </a:xfrm>
-          <a:prstGeom prst="rect">
-            <a:avLst/>
-          </a:prstGeom>
-          <a:solidFill>
-            <a:schemeClr val="tx2">
-              <a:lumMod val="75000"/>
-            </a:schemeClr>
-          </a:solidFill>
-        </p:spPr>
-        <p:style>
-          <a:lnRef idx="2">
-            <a:schemeClr val="accent1">
-              <a:shade val="15000"/>
-            </a:schemeClr>
-          </a:lnRef>
-          <a:fillRef idx="1">
-            <a:schemeClr val="accent1"/>
-          </a:fillRef>
-          <a:effectRef idx="0">
-            <a:schemeClr val="accent1"/>
-          </a:effectRef>
-          <a:fontRef idx="minor">
-            <a:schemeClr val="lt1"/>
-          </a:fontRef>
-        </p:style>
-        <p:txBody>
-          <a:bodyPr rtlCol="0" anchor="ctr"/>
-          <a:lstStyle/>
-          <a:p>
-            <a:pPr algn="ctr"/>
-            <a:r>
-              <a:rPr lang="es-ES" sz="1600" dirty="0"/>
-              <a:t>Modern Data </a:t>
-            </a:r>
-            <a:r>
-              <a:rPr lang="es-ES" sz="1600" dirty="0" err="1"/>
-              <a:t>Ecosistem</a:t>
-            </a:r>
-            <a:endParaRPr lang="es-ES" sz="1600" dirty="0"/>
-          </a:p>
-        </p:txBody>
-      </p:sp>
-      <p:sp>
-        <p:nvSpPr>
-          <p:cNvPr id="9" name="Rectángulo 8">
-            <a:extLst>
-              <a:ext uri="{FF2B5EF4-FFF2-40B4-BE49-F238E27FC236}">
-                <a16:creationId xmlns:a16="http://schemas.microsoft.com/office/drawing/2014/main" id="{A6AB4533-B371-E57F-5983-DADBF9F4C25C}"/>
-              </a:ext>
-            </a:extLst>
-          </p:cNvPr>
-          <p:cNvSpPr/>
-          <p:nvPr/>
-        </p:nvSpPr>
-        <p:spPr>
-          <a:xfrm>
-            <a:off x="1610816" y="2315602"/>
-            <a:ext cx="1301028" cy="1398042"/>
-          </a:xfrm>
-          <a:prstGeom prst="rect">
-            <a:avLst/>
-          </a:prstGeom>
-          <a:solidFill>
-            <a:schemeClr val="tx2">
-              <a:lumMod val="75000"/>
-            </a:schemeClr>
-          </a:solidFill>
-        </p:spPr>
-        <p:style>
-          <a:lnRef idx="2">
-            <a:schemeClr val="accent1">
-              <a:shade val="15000"/>
-            </a:schemeClr>
-          </a:lnRef>
-          <a:fillRef idx="1">
-            <a:schemeClr val="accent1"/>
-          </a:fillRef>
-          <a:effectRef idx="0">
-            <a:schemeClr val="accent1"/>
-          </a:effectRef>
-          <a:fontRef idx="minor">
-            <a:schemeClr val="lt1"/>
-          </a:fontRef>
-        </p:style>
-        <p:txBody>
-          <a:bodyPr rtlCol="0" anchor="t"/>
-          <a:lstStyle/>
-          <a:p>
-            <a:pPr algn="ctr">
-              <a:lnSpc>
-                <a:spcPct val="150000"/>
-              </a:lnSpc>
-            </a:pPr>
-            <a:r>
-              <a:rPr lang="es-ES" sz="1600" dirty="0" err="1"/>
-              <a:t>ETLs</a:t>
-            </a:r>
-            <a:endParaRPr lang="es-ES" sz="1600" dirty="0"/>
-          </a:p>
-        </p:txBody>
-      </p:sp>
-      <p:sp>
-        <p:nvSpPr>
-          <p:cNvPr id="10" name="Rectángulo 9">
-            <a:extLst>
-              <a:ext uri="{FF2B5EF4-FFF2-40B4-BE49-F238E27FC236}">
-                <a16:creationId xmlns:a16="http://schemas.microsoft.com/office/drawing/2014/main" id="{2D971373-4487-49C7-E2F1-24C3393BC6ED}"/>
-              </a:ext>
-            </a:extLst>
-          </p:cNvPr>
-          <p:cNvSpPr/>
-          <p:nvPr/>
-        </p:nvSpPr>
-        <p:spPr>
-          <a:xfrm>
-            <a:off x="3144684" y="2315602"/>
-            <a:ext cx="1301028" cy="1398042"/>
-          </a:xfrm>
-          <a:prstGeom prst="rect">
-            <a:avLst/>
-          </a:prstGeom>
-          <a:solidFill>
-            <a:schemeClr val="tx2">
-              <a:lumMod val="75000"/>
-            </a:schemeClr>
-          </a:solidFill>
-        </p:spPr>
-        <p:style>
-          <a:lnRef idx="2">
-            <a:schemeClr val="accent1">
-              <a:shade val="15000"/>
-            </a:schemeClr>
-          </a:lnRef>
-          <a:fillRef idx="1">
-            <a:schemeClr val="accent1"/>
-          </a:fillRef>
-          <a:effectRef idx="0">
-            <a:schemeClr val="accent1"/>
-          </a:effectRef>
-          <a:fontRef idx="minor">
-            <a:schemeClr val="lt1"/>
-          </a:fontRef>
-        </p:style>
-        <p:txBody>
-          <a:bodyPr rtlCol="0" anchor="t"/>
-          <a:lstStyle/>
-          <a:p>
-            <a:pPr algn="ctr">
-              <a:lnSpc>
-                <a:spcPct val="150000"/>
-              </a:lnSpc>
-            </a:pPr>
-            <a:r>
-              <a:rPr lang="es-ES" sz="1600" dirty="0"/>
-              <a:t>Data </a:t>
-            </a:r>
-            <a:r>
-              <a:rPr lang="es-ES" sz="1600" dirty="0" err="1"/>
-              <a:t>Warehouse</a:t>
-            </a:r>
-            <a:endParaRPr lang="es-ES" sz="1600" dirty="0"/>
-          </a:p>
-        </p:txBody>
-      </p:sp>
-      <p:sp>
-        <p:nvSpPr>
-          <p:cNvPr id="11" name="Rectángulo 10">
-            <a:extLst>
-              <a:ext uri="{FF2B5EF4-FFF2-40B4-BE49-F238E27FC236}">
-                <a16:creationId xmlns:a16="http://schemas.microsoft.com/office/drawing/2014/main" id="{583412B4-2574-5317-2292-87C049E2CF60}"/>
-              </a:ext>
-            </a:extLst>
-          </p:cNvPr>
-          <p:cNvSpPr/>
-          <p:nvPr/>
-        </p:nvSpPr>
-        <p:spPr>
-          <a:xfrm>
-            <a:off x="4678552" y="2315602"/>
-            <a:ext cx="1301028" cy="1398042"/>
-          </a:xfrm>
-          <a:prstGeom prst="rect">
-            <a:avLst/>
-          </a:prstGeom>
-          <a:solidFill>
-            <a:schemeClr val="tx2">
-              <a:lumMod val="75000"/>
-            </a:schemeClr>
-          </a:solidFill>
-        </p:spPr>
-        <p:style>
-          <a:lnRef idx="2">
-            <a:schemeClr val="accent1">
-              <a:shade val="15000"/>
-            </a:schemeClr>
-          </a:lnRef>
-          <a:fillRef idx="1">
-            <a:schemeClr val="accent1"/>
-          </a:fillRef>
-          <a:effectRef idx="0">
-            <a:schemeClr val="accent1"/>
-          </a:effectRef>
-          <a:fontRef idx="minor">
-            <a:schemeClr val="lt1"/>
-          </a:fontRef>
-        </p:style>
-        <p:txBody>
-          <a:bodyPr rtlCol="0" anchor="t"/>
-          <a:lstStyle/>
-          <a:p>
-            <a:pPr algn="ctr">
-              <a:lnSpc>
-                <a:spcPct val="150000"/>
-              </a:lnSpc>
-            </a:pPr>
-            <a:r>
-              <a:rPr lang="es-ES" sz="1600" dirty="0"/>
-              <a:t>BI</a:t>
-            </a:r>
-          </a:p>
-        </p:txBody>
-      </p:sp>
-      <p:sp>
-        <p:nvSpPr>
-          <p:cNvPr id="12" name="Rectángulo 11">
-            <a:extLst>
-              <a:ext uri="{FF2B5EF4-FFF2-40B4-BE49-F238E27FC236}">
-                <a16:creationId xmlns:a16="http://schemas.microsoft.com/office/drawing/2014/main" id="{72F95259-7ECF-599E-56F7-FC6D60EFA1D9}"/>
-              </a:ext>
-            </a:extLst>
-          </p:cNvPr>
-          <p:cNvSpPr/>
-          <p:nvPr/>
-        </p:nvSpPr>
-        <p:spPr>
-          <a:xfrm>
-            <a:off x="6212420" y="2315602"/>
-            <a:ext cx="1301028" cy="1398042"/>
-          </a:xfrm>
-          <a:prstGeom prst="rect">
-            <a:avLst/>
-          </a:prstGeom>
-          <a:solidFill>
-            <a:schemeClr val="tx2">
-              <a:lumMod val="75000"/>
-            </a:schemeClr>
-          </a:solidFill>
-        </p:spPr>
-        <p:style>
-          <a:lnRef idx="2">
-            <a:schemeClr val="accent1">
-              <a:shade val="15000"/>
-            </a:schemeClr>
-          </a:lnRef>
-          <a:fillRef idx="1">
-            <a:schemeClr val="accent1"/>
-          </a:fillRef>
-          <a:effectRef idx="0">
-            <a:schemeClr val="accent1"/>
-          </a:effectRef>
-          <a:fontRef idx="minor">
-            <a:schemeClr val="lt1"/>
-          </a:fontRef>
-        </p:style>
-        <p:txBody>
-          <a:bodyPr rtlCol="0" anchor="t"/>
-          <a:lstStyle/>
-          <a:p>
-            <a:pPr algn="ctr">
-              <a:lnSpc>
-                <a:spcPct val="150000"/>
-              </a:lnSpc>
-            </a:pPr>
-            <a:r>
-              <a:rPr lang="es-ES" sz="1600" dirty="0"/>
-              <a:t>Cloud</a:t>
-            </a:r>
-          </a:p>
-        </p:txBody>
-      </p:sp>
-      <p:sp>
-        <p:nvSpPr>
-          <p:cNvPr id="13" name="Rectángulo 12">
-            <a:extLst>
-              <a:ext uri="{FF2B5EF4-FFF2-40B4-BE49-F238E27FC236}">
-                <a16:creationId xmlns:a16="http://schemas.microsoft.com/office/drawing/2014/main" id="{F0C50565-4B8F-02A6-AA75-B4A6E74A6CDD}"/>
-              </a:ext>
-            </a:extLst>
-          </p:cNvPr>
-          <p:cNvSpPr/>
-          <p:nvPr/>
-        </p:nvSpPr>
-        <p:spPr>
-          <a:xfrm>
-            <a:off x="7746288" y="2315602"/>
-            <a:ext cx="1301028" cy="1398042"/>
-          </a:xfrm>
-          <a:prstGeom prst="rect">
-            <a:avLst/>
-          </a:prstGeom>
-          <a:solidFill>
-            <a:schemeClr val="tx2">
-              <a:lumMod val="75000"/>
-            </a:schemeClr>
-          </a:solidFill>
-        </p:spPr>
-        <p:style>
-          <a:lnRef idx="2">
-            <a:schemeClr val="accent1">
-              <a:shade val="15000"/>
-            </a:schemeClr>
-          </a:lnRef>
-          <a:fillRef idx="1">
-            <a:schemeClr val="accent1"/>
-          </a:fillRef>
-          <a:effectRef idx="0">
-            <a:schemeClr val="accent1"/>
-          </a:effectRef>
-          <a:fontRef idx="minor">
-            <a:schemeClr val="lt1"/>
-          </a:fontRef>
-        </p:style>
-        <p:txBody>
-          <a:bodyPr rtlCol="0" anchor="t"/>
-          <a:lstStyle/>
-          <a:p>
-            <a:pPr algn="ctr">
-              <a:lnSpc>
-                <a:spcPct val="150000"/>
-              </a:lnSpc>
-            </a:pPr>
-            <a:r>
-              <a:rPr lang="es-ES" sz="1600" dirty="0"/>
-              <a:t>IA</a:t>
-            </a:r>
-          </a:p>
-        </p:txBody>
-      </p:sp>
-      <p:sp>
-        <p:nvSpPr>
-          <p:cNvPr id="14" name="Rectángulo 13">
-            <a:extLst>
-              <a:ext uri="{FF2B5EF4-FFF2-40B4-BE49-F238E27FC236}">
-                <a16:creationId xmlns:a16="http://schemas.microsoft.com/office/drawing/2014/main" id="{C80FBC1F-1B13-7E24-E3AE-FE981BCE447A}"/>
-              </a:ext>
-            </a:extLst>
-          </p:cNvPr>
-          <p:cNvSpPr/>
-          <p:nvPr/>
-        </p:nvSpPr>
-        <p:spPr>
-          <a:xfrm>
-            <a:off x="9280156" y="2315602"/>
-            <a:ext cx="1301028" cy="1398042"/>
-          </a:xfrm>
-          <a:prstGeom prst="rect">
-            <a:avLst/>
-          </a:prstGeom>
-          <a:solidFill>
-            <a:schemeClr val="tx2">
-              <a:lumMod val="75000"/>
-            </a:schemeClr>
-          </a:solidFill>
-        </p:spPr>
-        <p:style>
-          <a:lnRef idx="2">
-            <a:schemeClr val="accent1">
-              <a:shade val="15000"/>
-            </a:schemeClr>
-          </a:lnRef>
-          <a:fillRef idx="1">
-            <a:schemeClr val="accent1"/>
-          </a:fillRef>
-          <a:effectRef idx="0">
-            <a:schemeClr val="accent1"/>
-          </a:effectRef>
-          <a:fontRef idx="minor">
-            <a:schemeClr val="lt1"/>
-          </a:fontRef>
-        </p:style>
-        <p:txBody>
-          <a:bodyPr rtlCol="0" anchor="t"/>
-          <a:lstStyle/>
-          <a:p>
-            <a:pPr algn="ctr">
-              <a:lnSpc>
-                <a:spcPct val="150000"/>
-              </a:lnSpc>
-            </a:pPr>
-            <a:r>
-              <a:rPr lang="es-ES" sz="1600" dirty="0" err="1"/>
-              <a:t>Governance</a:t>
-            </a:r>
-            <a:endParaRPr lang="es-ES" sz="1600" dirty="0"/>
-          </a:p>
-        </p:txBody>
-      </p:sp>
-    </p:spTree>
-    <p:extLst>
-      <p:ext uri="{BB962C8B-B14F-4D97-AF65-F5344CB8AC3E}">
-        <p14:creationId xmlns:p14="http://schemas.microsoft.com/office/powerpoint/2010/main" val="3139106149"/>
-      </p:ext>
-    </p:extLst>
-  </p:cSld>
-  <p:clrMapOvr>
-    <a:masterClrMapping/>
-  </p:clrMapOvr>
-</p:sld>
-</file>
-
-<file path=ppt/slides/slide7.xml><?xml version="1.0" encoding="utf-8"?>
-<p:sld xmlns:a="http://schemas.openxmlformats.org/drawingml/2006/main" xmlns:r="http://schemas.openxmlformats.org/officeDocument/2006/relationships" xmlns:p="http://schemas.openxmlformats.org/presentationml/2006/main">
-  <p:cSld>
-    <p:spTree>
-      <p:nvGrpSpPr>
-        <p:cNvPr id="1" name=""/>
-        <p:cNvGrpSpPr/>
-        <p:nvPr/>
-      </p:nvGrpSpPr>
-      <p:grpSpPr>
-        <a:xfrm>
-          <a:off x="0" y="0"/>
-          <a:ext cx="0" cy="0"/>
-          <a:chOff x="0" y="0"/>
-          <a:chExt cx="0" cy="0"/>
-        </a:xfrm>
-      </p:grpSpPr>
-      <p:pic>
-        <p:nvPicPr>
-          <p:cNvPr id="5" name="Marcador de contenido 4" descr="Diagrama&#10;&#10;El contenido generado por IA puede ser incorrecto.">
-            <a:extLst>
-              <a:ext uri="{FF2B5EF4-FFF2-40B4-BE49-F238E27FC236}">
-                <a16:creationId xmlns:a16="http://schemas.microsoft.com/office/drawing/2014/main" id="{BDE07CA8-0623-C9E6-84FF-E8342EFE24F6}"/>
-              </a:ext>
-            </a:extLst>
-          </p:cNvPr>
-          <p:cNvPicPr>
-            <a:picLocks noGrp="1" noChangeAspect="1"/>
-          </p:cNvPicPr>
-          <p:nvPr>
-            <p:ph idx="1"/>
-          </p:nvPr>
-        </p:nvPicPr>
-        <p:blipFill>
-          <a:blip r:embed="rId2">
-            <a:extLst>
-              <a:ext uri="{28A0092B-C50C-407E-A947-70E740481C1C}">
-                <a14:useLocalDpi xmlns:a14="http://schemas.microsoft.com/office/drawing/2010/main" val="0"/>
-              </a:ext>
-            </a:extLst>
-          </a:blip>
-          <a:stretch>
-            <a:fillRect/>
-          </a:stretch>
-        </p:blipFill>
-        <p:spPr>
-          <a:xfrm>
-            <a:off x="853793" y="1004071"/>
-            <a:ext cx="4667243" cy="4351338"/>
-          </a:xfrm>
-        </p:spPr>
-      </p:pic>
-    </p:spTree>
-    <p:extLst>
-      <p:ext uri="{BB962C8B-B14F-4D97-AF65-F5344CB8AC3E}">
-        <p14:creationId xmlns:p14="http://schemas.microsoft.com/office/powerpoint/2010/main" val="2519917235"/>
-      </p:ext>
-    </p:extLst>
-  </p:cSld>
-  <p:clrMapOvr>
-    <a:masterClrMapping/>
-  </p:clrMapOvr>
-</p:sld>
-</file>
-
-<file path=ppt/slides/slide8.xml><?xml version="1.0" encoding="utf-8"?>
-<p:sld xmlns:a="http://schemas.openxmlformats.org/drawingml/2006/main" xmlns:r="http://schemas.openxmlformats.org/officeDocument/2006/relationships" xmlns:p="http://schemas.openxmlformats.org/presentationml/2006/main">
-  <p:cSld>
-    <p:spTree>
-      <p:nvGrpSpPr>
-        <p:cNvPr id="1" name=""/>
-        <p:cNvGrpSpPr/>
-        <p:nvPr/>
-      </p:nvGrpSpPr>
-      <p:grpSpPr>
-        <a:xfrm>
-          <a:off x="0" y="0"/>
-          <a:ext cx="0" cy="0"/>
-          <a:chOff x="0" y="0"/>
-          <a:chExt cx="0" cy="0"/>
-        </a:xfrm>
-      </p:grpSpPr>
-      <p:sp>
-        <p:nvSpPr>
           <p:cNvPr id="177" name="Rectángulo: esquinas redondeadas 176">
             <a:extLst>
               <a:ext uri="{FF2B5EF4-FFF2-40B4-BE49-F238E27FC236}">
@@ -7080,8 +4718,8 @@
         </p:nvSpPr>
         <p:spPr>
           <a:xfrm>
-            <a:off x="1468963" y="429051"/>
-            <a:ext cx="8427720" cy="5897880"/>
+            <a:off x="1625599" y="857049"/>
+            <a:ext cx="8271083" cy="5469881"/>
           </a:xfrm>
           <a:prstGeom prst="roundRect">
             <a:avLst>
@@ -11139,7 +8777,7 @@
         </p:nvSpPr>
         <p:spPr>
           <a:xfrm>
-            <a:off x="5004977" y="484134"/>
+            <a:off x="2736580" y="1035918"/>
             <a:ext cx="1309973" cy="372916"/>
           </a:xfrm>
           <a:prstGeom prst="rect">
@@ -11183,7 +8821,7 @@
 </p:sld>
 </file>
 
-<file path=ppt/slides/slide9.xml><?xml version="1.0" encoding="utf-8"?>
+<file path=ppt/slides/slide11.xml><?xml version="1.0" encoding="utf-8"?>
 <p:sld xmlns:a="http://schemas.openxmlformats.org/drawingml/2006/main" xmlns:r="http://schemas.openxmlformats.org/officeDocument/2006/relationships" xmlns:p="http://schemas.openxmlformats.org/presentationml/2006/main">
   <p:cSld>
     <p:spTree>
@@ -11225,9 +8863,10 @@
           </a:xfrm>
           <a:prstGeom prst="roundRect">
             <a:avLst>
-              <a:gd name="adj" fmla="val 8010"/>
+              <a:gd name="adj" fmla="val 5151"/>
             </a:avLst>
           </a:prstGeom>
+          <a:ln w="12700"/>
         </p:spPr>
         <p:style>
           <a:lnRef idx="2">
@@ -15914,6 +13553,5301 @@
 </p:sld>
 </file>
 
+<file path=ppt/slides/slide12.xml><?xml version="1.0" encoding="utf-8"?>
+<p:sld xmlns:a="http://schemas.openxmlformats.org/drawingml/2006/main" xmlns:r="http://schemas.openxmlformats.org/officeDocument/2006/relationships" xmlns:p="http://schemas.openxmlformats.org/presentationml/2006/main">
+  <p:cSld>
+    <p:spTree>
+      <p:nvGrpSpPr>
+        <p:cNvPr id="1" name=""/>
+        <p:cNvGrpSpPr/>
+        <p:nvPr/>
+      </p:nvGrpSpPr>
+      <p:grpSpPr>
+        <a:xfrm>
+          <a:off x="0" y="0"/>
+          <a:ext cx="0" cy="0"/>
+          <a:chOff x="0" y="0"/>
+          <a:chExt cx="0" cy="0"/>
+        </a:xfrm>
+      </p:grpSpPr>
+      <p:sp>
+        <p:nvSpPr>
+          <p:cNvPr id="10" name="Google Shape;274;g35ee5cc475b_0_15">
+            <a:extLst>
+              <a:ext uri="{FF2B5EF4-FFF2-40B4-BE49-F238E27FC236}">
+                <a16:creationId xmlns:a16="http://schemas.microsoft.com/office/drawing/2014/main" id="{EBCE5E87-0E17-DA23-8ECF-8793F3FA137C}"/>
+              </a:ext>
+            </a:extLst>
+          </p:cNvPr>
+          <p:cNvSpPr txBox="1">
+            <a:spLocks/>
+          </p:cNvSpPr>
+          <p:nvPr/>
+        </p:nvSpPr>
+        <p:spPr>
+          <a:xfrm>
+            <a:off x="350164" y="174352"/>
+            <a:ext cx="7886700" cy="543600"/>
+          </a:xfrm>
+          <a:prstGeom prst="rect">
+            <a:avLst/>
+          </a:prstGeom>
+          <a:noFill/>
+          <a:ln>
+            <a:noFill/>
+          </a:ln>
+        </p:spPr>
+        <p:txBody>
+          <a:bodyPr spcFirstLastPara="1" vert="horz" wrap="square" lIns="91425" tIns="45700" rIns="91425" bIns="45700" rtlCol="0" anchor="ctr" anchorCtr="0">
+            <a:normAutofit/>
+          </a:bodyPr>
+          <a:lstStyle>
+            <a:lvl1pPr algn="ctr" defTabSz="914400" rtl="0" eaLnBrk="1" latinLnBrk="0" hangingPunct="1">
+              <a:lnSpc>
+                <a:spcPct val="90000"/>
+              </a:lnSpc>
+              <a:spcBef>
+                <a:spcPct val="0"/>
+              </a:spcBef>
+              <a:buNone/>
+              <a:defRPr sz="6000" kern="1200">
+                <a:solidFill>
+                  <a:schemeClr val="tx1"/>
+                </a:solidFill>
+                <a:latin typeface="+mj-lt"/>
+                <a:ea typeface="+mj-ea"/>
+                <a:cs typeface="+mj-cs"/>
+              </a:defRPr>
+            </a:lvl1pPr>
+          </a:lstStyle>
+          <a:p>
+            <a:pPr algn="l">
+              <a:spcBef>
+                <a:spcPts val="0"/>
+              </a:spcBef>
+              <a:buClr>
+                <a:schemeClr val="dk1"/>
+              </a:buClr>
+              <a:buSzPts val="2400"/>
+            </a:pPr>
+            <a:r>
+              <a:rPr lang="es-ES" sz="2400" b="1" dirty="0" err="1">
+                <a:latin typeface="Montserrat" panose="00000500000000000000" pitchFamily="2" charset="0"/>
+                <a:cs typeface="Mongolian Baiti" panose="03000500000000000000" pitchFamily="66" charset="0"/>
+              </a:rPr>
+              <a:t>Clusters</a:t>
+            </a:r>
+            <a:r>
+              <a:rPr lang="es-ES" sz="2400" b="1" dirty="0">
+                <a:latin typeface="Montserrat" panose="00000500000000000000" pitchFamily="2" charset="0"/>
+                <a:cs typeface="Mongolian Baiti" panose="03000500000000000000" pitchFamily="66" charset="0"/>
+              </a:rPr>
+              <a:t> </a:t>
+            </a:r>
+            <a:r>
+              <a:rPr lang="es-ES" sz="2400" b="1" dirty="0">
+                <a:solidFill>
+                  <a:schemeClr val="accent1"/>
+                </a:solidFill>
+                <a:latin typeface="Montserrat" panose="00000500000000000000" pitchFamily="2" charset="0"/>
+                <a:cs typeface="Mongolian Baiti" panose="03000500000000000000" pitchFamily="66" charset="0"/>
+              </a:rPr>
+              <a:t>| Modos de Acceso</a:t>
+            </a:r>
+          </a:p>
+        </p:txBody>
+      </p:sp>
+      <p:grpSp>
+        <p:nvGrpSpPr>
+          <p:cNvPr id="21" name="Grupo 20">
+            <a:extLst>
+              <a:ext uri="{FF2B5EF4-FFF2-40B4-BE49-F238E27FC236}">
+                <a16:creationId xmlns:a16="http://schemas.microsoft.com/office/drawing/2014/main" id="{04F94761-1355-14F9-D165-59C8AAF202B2}"/>
+              </a:ext>
+            </a:extLst>
+          </p:cNvPr>
+          <p:cNvGrpSpPr/>
+          <p:nvPr/>
+        </p:nvGrpSpPr>
+        <p:grpSpPr>
+          <a:xfrm>
+            <a:off x="8528682" y="1608307"/>
+            <a:ext cx="3330114" cy="3612204"/>
+            <a:chOff x="8528682" y="1608307"/>
+            <a:chExt cx="3330114" cy="3612204"/>
+          </a:xfrm>
+        </p:grpSpPr>
+        <p:sp>
+          <p:nvSpPr>
+            <p:cNvPr id="17" name="Rectángulo: esquinas redondeadas 16">
+              <a:extLst>
+                <a:ext uri="{FF2B5EF4-FFF2-40B4-BE49-F238E27FC236}">
+                  <a16:creationId xmlns:a16="http://schemas.microsoft.com/office/drawing/2014/main" id="{8250FD22-7927-1619-36B7-7125FD52895A}"/>
+                </a:ext>
+              </a:extLst>
+            </p:cNvPr>
+            <p:cNvSpPr/>
+            <p:nvPr/>
+          </p:nvSpPr>
+          <p:spPr>
+            <a:xfrm>
+              <a:off x="8528682" y="1608307"/>
+              <a:ext cx="3191082" cy="3612204"/>
+            </a:xfrm>
+            <a:prstGeom prst="roundRect">
+              <a:avLst>
+                <a:gd name="adj" fmla="val 5303"/>
+              </a:avLst>
+            </a:prstGeom>
+            <a:ln w="12700"/>
+          </p:spPr>
+          <p:style>
+            <a:lnRef idx="2">
+              <a:schemeClr val="accent1">
+                <a:shade val="15000"/>
+              </a:schemeClr>
+            </a:lnRef>
+            <a:fillRef idx="1">
+              <a:schemeClr val="accent1"/>
+            </a:fillRef>
+            <a:effectRef idx="0">
+              <a:schemeClr val="accent1"/>
+            </a:effectRef>
+            <a:fontRef idx="minor">
+              <a:schemeClr val="lt1"/>
+            </a:fontRef>
+          </p:style>
+          <p:txBody>
+            <a:bodyPr rtlCol="0" anchor="ctr"/>
+            <a:lstStyle/>
+            <a:p>
+              <a:endParaRPr lang="es-ES" dirty="0"/>
+            </a:p>
+          </p:txBody>
+        </p:sp>
+        <p:sp>
+          <p:nvSpPr>
+            <p:cNvPr id="18" name="CuadroTexto 17">
+              <a:extLst>
+                <a:ext uri="{FF2B5EF4-FFF2-40B4-BE49-F238E27FC236}">
+                  <a16:creationId xmlns:a16="http://schemas.microsoft.com/office/drawing/2014/main" id="{59B1AB18-F3CA-16E8-7BD8-FB8515DFFE77}"/>
+                </a:ext>
+              </a:extLst>
+            </p:cNvPr>
+            <p:cNvSpPr txBox="1"/>
+            <p:nvPr/>
+          </p:nvSpPr>
+          <p:spPr>
+            <a:xfrm>
+              <a:off x="8528683" y="1692404"/>
+              <a:ext cx="3191082" cy="584775"/>
+            </a:xfrm>
+            <a:prstGeom prst="rect">
+              <a:avLst/>
+            </a:prstGeom>
+            <a:noFill/>
+          </p:spPr>
+          <p:txBody>
+            <a:bodyPr wrap="square" rtlCol="0">
+              <a:spAutoFit/>
+            </a:bodyPr>
+            <a:lstStyle/>
+            <a:p>
+              <a:r>
+                <a:rPr lang="en-US" sz="1600" b="1" dirty="0">
+                  <a:solidFill>
+                    <a:schemeClr val="bg1"/>
+                  </a:solidFill>
+                  <a:latin typeface="Montserrat" panose="00000500000000000000" pitchFamily="2" charset="0"/>
+                </a:rPr>
+                <a:t>No Isolation Shared Access Mode</a:t>
+              </a:r>
+              <a:endParaRPr lang="es-ES" sz="1600" dirty="0">
+                <a:solidFill>
+                  <a:schemeClr val="bg1"/>
+                </a:solidFill>
+                <a:latin typeface="Montserrat" panose="00000500000000000000" pitchFamily="2" charset="0"/>
+              </a:endParaRPr>
+            </a:p>
+          </p:txBody>
+        </p:sp>
+        <p:sp>
+          <p:nvSpPr>
+            <p:cNvPr id="19" name="CuadroTexto 18">
+              <a:extLst>
+                <a:ext uri="{FF2B5EF4-FFF2-40B4-BE49-F238E27FC236}">
+                  <a16:creationId xmlns:a16="http://schemas.microsoft.com/office/drawing/2014/main" id="{CB5EE87F-0CBD-1A9F-66FF-EF625BB1A818}"/>
+                </a:ext>
+              </a:extLst>
+            </p:cNvPr>
+            <p:cNvSpPr txBox="1"/>
+            <p:nvPr/>
+          </p:nvSpPr>
+          <p:spPr>
+            <a:xfrm>
+              <a:off x="8667714" y="2767279"/>
+              <a:ext cx="2913018" cy="1323439"/>
+            </a:xfrm>
+            <a:prstGeom prst="rect">
+              <a:avLst/>
+            </a:prstGeom>
+            <a:noFill/>
+          </p:spPr>
+          <p:txBody>
+            <a:bodyPr wrap="square" rtlCol="0">
+              <a:spAutoFit/>
+            </a:bodyPr>
+            <a:lstStyle/>
+            <a:p>
+              <a:pPr marL="171450" indent="-171450">
+                <a:buFont typeface="Arial" panose="020B0604020202020204" pitchFamily="34" charset="0"/>
+                <a:buChar char="•"/>
+              </a:pPr>
+              <a:r>
+                <a:rPr lang="es-ES" sz="1000" dirty="0">
+                  <a:solidFill>
+                    <a:schemeClr val="bg1"/>
+                  </a:solidFill>
+                  <a:latin typeface="Montserrat" panose="00000500000000000000" pitchFamily="2" charset="0"/>
+                </a:rPr>
+                <a:t>Todos los usuarios comparten la </a:t>
+              </a:r>
+              <a:r>
+                <a:rPr lang="es-ES" sz="1000" b="1" dirty="0">
+                  <a:solidFill>
+                    <a:schemeClr val="bg1"/>
+                  </a:solidFill>
+                  <a:latin typeface="Montserrat" panose="00000500000000000000" pitchFamily="2" charset="0"/>
+                </a:rPr>
+                <a:t>misma identidad</a:t>
+              </a:r>
+              <a:r>
+                <a:rPr lang="es-ES" sz="1000" dirty="0">
+                  <a:solidFill>
+                    <a:schemeClr val="bg1"/>
+                  </a:solidFill>
+                  <a:latin typeface="Montserrat" panose="00000500000000000000" pitchFamily="2" charset="0"/>
+                </a:rPr>
+                <a:t> técnica.</a:t>
+              </a:r>
+            </a:p>
+            <a:p>
+              <a:pPr marL="171450" indent="-171450">
+                <a:buFont typeface="Arial" panose="020B0604020202020204" pitchFamily="34" charset="0"/>
+                <a:buChar char="•"/>
+              </a:pPr>
+              <a:endParaRPr lang="es-ES" sz="1000" dirty="0">
+                <a:solidFill>
+                  <a:schemeClr val="bg1"/>
+                </a:solidFill>
+                <a:latin typeface="Montserrat" panose="00000500000000000000" pitchFamily="2" charset="0"/>
+              </a:endParaRPr>
+            </a:p>
+            <a:p>
+              <a:pPr marL="171450" indent="-171450">
+                <a:buFont typeface="Arial" panose="020B0604020202020204" pitchFamily="34" charset="0"/>
+                <a:buChar char="•"/>
+              </a:pPr>
+              <a:r>
+                <a:rPr lang="es-ES" sz="1000" b="1" dirty="0">
+                  <a:solidFill>
+                    <a:schemeClr val="bg1"/>
+                  </a:solidFill>
+                  <a:latin typeface="Montserrat" panose="00000500000000000000" pitchFamily="2" charset="0"/>
+                </a:rPr>
+                <a:t>No hay control de credenciales </a:t>
+              </a:r>
+              <a:r>
+                <a:rPr lang="es-ES" sz="1000" dirty="0">
+                  <a:solidFill>
+                    <a:schemeClr val="bg1"/>
+                  </a:solidFill>
+                  <a:latin typeface="Montserrat" panose="00000500000000000000" pitchFamily="2" charset="0"/>
+                </a:rPr>
+                <a:t>individuales.</a:t>
+              </a:r>
+            </a:p>
+            <a:p>
+              <a:pPr marL="171450" indent="-171450">
+                <a:buFont typeface="Arial" panose="020B0604020202020204" pitchFamily="34" charset="0"/>
+                <a:buChar char="•"/>
+              </a:pPr>
+              <a:endParaRPr lang="es-ES" sz="1000" dirty="0">
+                <a:solidFill>
+                  <a:schemeClr val="bg1"/>
+                </a:solidFill>
+                <a:latin typeface="Montserrat" panose="00000500000000000000" pitchFamily="2" charset="0"/>
+              </a:endParaRPr>
+            </a:p>
+            <a:p>
+              <a:pPr marL="171450" indent="-171450">
+                <a:buFont typeface="Arial" panose="020B0604020202020204" pitchFamily="34" charset="0"/>
+                <a:buChar char="•"/>
+              </a:pPr>
+              <a:r>
+                <a:rPr lang="es-ES" sz="1000" b="1" dirty="0">
+                  <a:solidFill>
+                    <a:schemeClr val="bg1"/>
+                  </a:solidFill>
+                  <a:latin typeface="Montserrat" panose="00000500000000000000" pitchFamily="2" charset="0"/>
+                </a:rPr>
+                <a:t>No soporta Unity </a:t>
+              </a:r>
+              <a:r>
+                <a:rPr lang="es-ES" sz="1000" b="1" dirty="0" err="1">
+                  <a:solidFill>
+                    <a:schemeClr val="bg1"/>
+                  </a:solidFill>
+                  <a:latin typeface="Montserrat" panose="00000500000000000000" pitchFamily="2" charset="0"/>
+                </a:rPr>
+                <a:t>Catalog</a:t>
+              </a:r>
+              <a:r>
+                <a:rPr lang="es-ES" sz="1000" b="1" dirty="0">
+                  <a:solidFill>
+                    <a:schemeClr val="bg1"/>
+                  </a:solidFill>
+                  <a:latin typeface="Montserrat" panose="00000500000000000000" pitchFamily="2" charset="0"/>
+                </a:rPr>
+                <a:t> </a:t>
+              </a:r>
+              <a:r>
+                <a:rPr lang="es-ES" sz="1000" dirty="0">
+                  <a:solidFill>
+                    <a:schemeClr val="bg1"/>
+                  </a:solidFill>
+                  <a:latin typeface="Montserrat" panose="00000500000000000000" pitchFamily="2" charset="0"/>
+                </a:rPr>
+                <a:t>ni </a:t>
+              </a:r>
+              <a:r>
+                <a:rPr lang="es-ES" sz="1000" dirty="0" err="1">
+                  <a:solidFill>
+                    <a:schemeClr val="bg1"/>
+                  </a:solidFill>
+                  <a:latin typeface="Montserrat" panose="00000500000000000000" pitchFamily="2" charset="0"/>
+                </a:rPr>
+                <a:t>passthrough</a:t>
+              </a:r>
+              <a:r>
+                <a:rPr lang="es-ES" sz="1000" dirty="0">
+                  <a:solidFill>
+                    <a:schemeClr val="bg1"/>
+                  </a:solidFill>
+                  <a:latin typeface="Montserrat" panose="00000500000000000000" pitchFamily="2" charset="0"/>
+                </a:rPr>
+                <a:t>.</a:t>
+              </a:r>
+              <a:endParaRPr lang="es-ES" sz="1200" dirty="0"/>
+            </a:p>
+          </p:txBody>
+        </p:sp>
+        <p:sp>
+          <p:nvSpPr>
+            <p:cNvPr id="20" name="CuadroTexto 19">
+              <a:extLst>
+                <a:ext uri="{FF2B5EF4-FFF2-40B4-BE49-F238E27FC236}">
+                  <a16:creationId xmlns:a16="http://schemas.microsoft.com/office/drawing/2014/main" id="{4CAEB5E4-6201-BE1F-87DF-17BED1978709}"/>
+                </a:ext>
+              </a:extLst>
+            </p:cNvPr>
+            <p:cNvSpPr txBox="1"/>
+            <p:nvPr/>
+          </p:nvSpPr>
+          <p:spPr>
+            <a:xfrm>
+              <a:off x="8667714" y="4514214"/>
+              <a:ext cx="3191082" cy="507831"/>
+            </a:xfrm>
+            <a:prstGeom prst="rect">
+              <a:avLst/>
+            </a:prstGeom>
+            <a:noFill/>
+          </p:spPr>
+          <p:txBody>
+            <a:bodyPr wrap="square" rtlCol="0">
+              <a:spAutoFit/>
+            </a:bodyPr>
+            <a:lstStyle/>
+            <a:p>
+              <a:r>
+                <a:rPr lang="es-ES" sz="900" dirty="0">
+                  <a:solidFill>
+                    <a:schemeClr val="bg1"/>
+                  </a:solidFill>
+                  <a:latin typeface="Montserrat" panose="00000500000000000000" pitchFamily="2" charset="0"/>
+                </a:rPr>
+                <a:t>=&gt; Ejemplo de contexto:</a:t>
+              </a:r>
+              <a:br>
+                <a:rPr lang="es-ES" sz="900" dirty="0">
+                  <a:solidFill>
+                    <a:schemeClr val="bg1"/>
+                  </a:solidFill>
+                  <a:latin typeface="Montserrat" panose="00000500000000000000" pitchFamily="2" charset="0"/>
+                </a:rPr>
+              </a:br>
+              <a:r>
+                <a:rPr lang="es-ES" sz="900" i="1" dirty="0">
+                  <a:solidFill>
+                    <a:schemeClr val="bg1"/>
+                  </a:solidFill>
+                  <a:latin typeface="Montserrat" panose="00000500000000000000" pitchFamily="2" charset="0"/>
+                </a:rPr>
+                <a:t>"Uso un </a:t>
+              </a:r>
+              <a:r>
+                <a:rPr lang="es-ES" sz="900" i="1" dirty="0" err="1">
+                  <a:solidFill>
+                    <a:schemeClr val="bg1"/>
+                  </a:solidFill>
+                  <a:latin typeface="Montserrat" panose="00000500000000000000" pitchFamily="2" charset="0"/>
+                </a:rPr>
+                <a:t>cluster</a:t>
+              </a:r>
+              <a:r>
+                <a:rPr lang="es-ES" sz="900" i="1" dirty="0">
+                  <a:solidFill>
+                    <a:schemeClr val="bg1"/>
+                  </a:solidFill>
+                  <a:latin typeface="Montserrat" panose="00000500000000000000" pitchFamily="2" charset="0"/>
+                </a:rPr>
+                <a:t> antiguo para pruebas rápidas con datos no sensibles."</a:t>
+              </a:r>
+              <a:endParaRPr lang="es-ES" sz="900" dirty="0">
+                <a:solidFill>
+                  <a:schemeClr val="bg1"/>
+                </a:solidFill>
+                <a:latin typeface="Montserrat" panose="00000500000000000000" pitchFamily="2" charset="0"/>
+              </a:endParaRPr>
+            </a:p>
+          </p:txBody>
+        </p:sp>
+      </p:grpSp>
+      <p:pic>
+        <p:nvPicPr>
+          <p:cNvPr id="43" name="Imagen 42" descr="Icono&#10;&#10;El contenido generado por IA puede ser incorrecto.">
+            <a:extLst>
+              <a:ext uri="{FF2B5EF4-FFF2-40B4-BE49-F238E27FC236}">
+                <a16:creationId xmlns:a16="http://schemas.microsoft.com/office/drawing/2014/main" id="{9E70179F-536C-62BE-9FDF-E60D548BC7D0}"/>
+              </a:ext>
+            </a:extLst>
+          </p:cNvPr>
+          <p:cNvPicPr>
+            <a:picLocks noChangeAspect="1"/>
+          </p:cNvPicPr>
+          <p:nvPr/>
+        </p:nvPicPr>
+        <p:blipFill>
+          <a:blip r:embed="rId2">
+            <a:extLst>
+              <a:ext uri="{28A0092B-C50C-407E-A947-70E740481C1C}">
+                <a14:useLocalDpi xmlns:a14="http://schemas.microsoft.com/office/drawing/2010/main" val="0"/>
+              </a:ext>
+            </a:extLst>
+          </a:blip>
+          <a:stretch>
+            <a:fillRect/>
+          </a:stretch>
+        </p:blipFill>
+        <p:spPr>
+          <a:xfrm>
+            <a:off x="9819332" y="2216103"/>
+            <a:ext cx="433659" cy="433659"/>
+          </a:xfrm>
+          <a:prstGeom prst="rect">
+            <a:avLst/>
+          </a:prstGeom>
+        </p:spPr>
+      </p:pic>
+      <p:grpSp>
+        <p:nvGrpSpPr>
+          <p:cNvPr id="22" name="Grupo 21">
+            <a:extLst>
+              <a:ext uri="{FF2B5EF4-FFF2-40B4-BE49-F238E27FC236}">
+                <a16:creationId xmlns:a16="http://schemas.microsoft.com/office/drawing/2014/main" id="{4E0C67C7-90D7-3484-39ED-854CAA537D67}"/>
+              </a:ext>
+            </a:extLst>
+          </p:cNvPr>
+          <p:cNvGrpSpPr/>
+          <p:nvPr/>
+        </p:nvGrpSpPr>
+        <p:grpSpPr>
+          <a:xfrm>
+            <a:off x="472236" y="1608307"/>
+            <a:ext cx="3191082" cy="3612204"/>
+            <a:chOff x="8667714" y="1608307"/>
+            <a:chExt cx="3191082" cy="3612204"/>
+          </a:xfrm>
+        </p:grpSpPr>
+        <p:sp>
+          <p:nvSpPr>
+            <p:cNvPr id="23" name="Rectángulo: esquinas redondeadas 22">
+              <a:extLst>
+                <a:ext uri="{FF2B5EF4-FFF2-40B4-BE49-F238E27FC236}">
+                  <a16:creationId xmlns:a16="http://schemas.microsoft.com/office/drawing/2014/main" id="{2BF55CAF-8453-3308-0031-52B2464AEC0B}"/>
+                </a:ext>
+              </a:extLst>
+            </p:cNvPr>
+            <p:cNvSpPr/>
+            <p:nvPr/>
+          </p:nvSpPr>
+          <p:spPr>
+            <a:xfrm>
+              <a:off x="8667714" y="1608307"/>
+              <a:ext cx="3191082" cy="3612204"/>
+            </a:xfrm>
+            <a:prstGeom prst="roundRect">
+              <a:avLst>
+                <a:gd name="adj" fmla="val 5303"/>
+              </a:avLst>
+            </a:prstGeom>
+            <a:ln w="12700"/>
+          </p:spPr>
+          <p:style>
+            <a:lnRef idx="2">
+              <a:schemeClr val="accent1">
+                <a:shade val="15000"/>
+              </a:schemeClr>
+            </a:lnRef>
+            <a:fillRef idx="1">
+              <a:schemeClr val="accent1"/>
+            </a:fillRef>
+            <a:effectRef idx="0">
+              <a:schemeClr val="accent1"/>
+            </a:effectRef>
+            <a:fontRef idx="minor">
+              <a:schemeClr val="lt1"/>
+            </a:fontRef>
+          </p:style>
+          <p:txBody>
+            <a:bodyPr rtlCol="0" anchor="ctr"/>
+            <a:lstStyle/>
+            <a:p>
+              <a:endParaRPr lang="es-ES" dirty="0"/>
+            </a:p>
+          </p:txBody>
+        </p:sp>
+        <p:sp>
+          <p:nvSpPr>
+            <p:cNvPr id="24" name="CuadroTexto 23">
+              <a:extLst>
+                <a:ext uri="{FF2B5EF4-FFF2-40B4-BE49-F238E27FC236}">
+                  <a16:creationId xmlns:a16="http://schemas.microsoft.com/office/drawing/2014/main" id="{95AD7E52-7A4D-0B6D-33E2-C18E88E31242}"/>
+                </a:ext>
+              </a:extLst>
+            </p:cNvPr>
+            <p:cNvSpPr txBox="1"/>
+            <p:nvPr/>
+          </p:nvSpPr>
+          <p:spPr>
+            <a:xfrm>
+              <a:off x="8806745" y="1659770"/>
+              <a:ext cx="2913019" cy="338554"/>
+            </a:xfrm>
+            <a:prstGeom prst="rect">
+              <a:avLst/>
+            </a:prstGeom>
+            <a:noFill/>
+          </p:spPr>
+          <p:txBody>
+            <a:bodyPr wrap="square" rtlCol="0">
+              <a:spAutoFit/>
+            </a:bodyPr>
+            <a:lstStyle/>
+            <a:p>
+              <a:r>
+                <a:rPr lang="es-ES" sz="1600" b="1" dirty="0">
+                  <a:solidFill>
+                    <a:schemeClr val="bg1"/>
+                  </a:solidFill>
+                  <a:latin typeface="Montserrat" panose="00000500000000000000" pitchFamily="2" charset="0"/>
+                </a:rPr>
+                <a:t>Single </a:t>
+              </a:r>
+              <a:r>
+                <a:rPr lang="es-ES" sz="1600" b="1" dirty="0" err="1">
+                  <a:solidFill>
+                    <a:schemeClr val="bg1"/>
+                  </a:solidFill>
+                  <a:latin typeface="Montserrat" panose="00000500000000000000" pitchFamily="2" charset="0"/>
+                </a:rPr>
+                <a:t>User</a:t>
+              </a:r>
+              <a:r>
+                <a:rPr lang="es-ES" sz="1600" b="1" dirty="0">
+                  <a:solidFill>
+                    <a:schemeClr val="bg1"/>
+                  </a:solidFill>
+                  <a:latin typeface="Montserrat" panose="00000500000000000000" pitchFamily="2" charset="0"/>
+                </a:rPr>
+                <a:t> Access </a:t>
+              </a:r>
+              <a:r>
+                <a:rPr lang="es-ES" sz="1600" b="1" dirty="0" err="1">
+                  <a:solidFill>
+                    <a:schemeClr val="bg1"/>
+                  </a:solidFill>
+                  <a:latin typeface="Montserrat" panose="00000500000000000000" pitchFamily="2" charset="0"/>
+                </a:rPr>
+                <a:t>Mode</a:t>
+              </a:r>
+              <a:endParaRPr lang="es-ES" sz="1600" dirty="0">
+                <a:solidFill>
+                  <a:schemeClr val="bg1"/>
+                </a:solidFill>
+                <a:latin typeface="Montserrat" panose="00000500000000000000" pitchFamily="2" charset="0"/>
+              </a:endParaRPr>
+            </a:p>
+          </p:txBody>
+        </p:sp>
+        <p:sp>
+          <p:nvSpPr>
+            <p:cNvPr id="25" name="CuadroTexto 24">
+              <a:extLst>
+                <a:ext uri="{FF2B5EF4-FFF2-40B4-BE49-F238E27FC236}">
+                  <a16:creationId xmlns:a16="http://schemas.microsoft.com/office/drawing/2014/main" id="{8695AC74-C817-10AB-7317-9C33A166BA02}"/>
+                </a:ext>
+              </a:extLst>
+            </p:cNvPr>
+            <p:cNvSpPr txBox="1"/>
+            <p:nvPr/>
+          </p:nvSpPr>
+          <p:spPr>
+            <a:xfrm>
+              <a:off x="8715953" y="2767280"/>
+              <a:ext cx="2913018" cy="1323439"/>
+            </a:xfrm>
+            <a:prstGeom prst="rect">
+              <a:avLst/>
+            </a:prstGeom>
+            <a:noFill/>
+          </p:spPr>
+          <p:txBody>
+            <a:bodyPr wrap="square" rtlCol="0">
+              <a:spAutoFit/>
+            </a:bodyPr>
+            <a:lstStyle/>
+            <a:p>
+              <a:pPr marL="171450" indent="-171450">
+                <a:buFont typeface="Arial" panose="020B0604020202020204" pitchFamily="34" charset="0"/>
+                <a:buChar char="•"/>
+              </a:pPr>
+              <a:r>
+                <a:rPr lang="es-ES" sz="1000" b="1" dirty="0">
+                  <a:solidFill>
+                    <a:schemeClr val="bg1"/>
+                  </a:solidFill>
+                  <a:latin typeface="Montserrat" panose="00000500000000000000" pitchFamily="2" charset="0"/>
+                </a:rPr>
+                <a:t>Solo una identidad </a:t>
+              </a:r>
+              <a:r>
+                <a:rPr lang="es-ES" sz="1000" dirty="0">
+                  <a:solidFill>
+                    <a:schemeClr val="bg1"/>
+                  </a:solidFill>
+                  <a:latin typeface="Montserrat" panose="00000500000000000000" pitchFamily="2" charset="0"/>
+                </a:rPr>
+                <a:t>puede usarlo: el propietario.</a:t>
+              </a:r>
+              <a:br>
+                <a:rPr lang="es-ES" sz="1000" dirty="0">
+                  <a:solidFill>
+                    <a:schemeClr val="bg1"/>
+                  </a:solidFill>
+                  <a:latin typeface="Montserrat" panose="00000500000000000000" pitchFamily="2" charset="0"/>
+                </a:rPr>
+              </a:br>
+              <a:endParaRPr lang="es-ES" sz="1000" dirty="0">
+                <a:solidFill>
+                  <a:schemeClr val="bg1"/>
+                </a:solidFill>
+                <a:latin typeface="Montserrat" panose="00000500000000000000" pitchFamily="2" charset="0"/>
+              </a:endParaRPr>
+            </a:p>
+            <a:p>
+              <a:pPr marL="171450" indent="-171450">
+                <a:buFont typeface="Arial" panose="020B0604020202020204" pitchFamily="34" charset="0"/>
+                <a:buChar char="•"/>
+              </a:pPr>
+              <a:r>
+                <a:rPr lang="es-ES" sz="1000" dirty="0">
+                  <a:solidFill>
+                    <a:schemeClr val="bg1"/>
+                  </a:solidFill>
+                  <a:latin typeface="Montserrat" panose="00000500000000000000" pitchFamily="2" charset="0"/>
+                </a:rPr>
+                <a:t>Autenticación y permisos controlados al 100% por </a:t>
+              </a:r>
+              <a:r>
+                <a:rPr lang="es-ES" sz="1000" b="1" dirty="0">
+                  <a:solidFill>
+                    <a:schemeClr val="bg1"/>
+                  </a:solidFill>
+                  <a:latin typeface="Montserrat" panose="00000500000000000000" pitchFamily="2" charset="0"/>
+                </a:rPr>
+                <a:t>Unity </a:t>
+              </a:r>
+              <a:r>
+                <a:rPr lang="es-ES" sz="1000" b="1" dirty="0" err="1">
+                  <a:solidFill>
+                    <a:schemeClr val="bg1"/>
+                  </a:solidFill>
+                  <a:latin typeface="Montserrat" panose="00000500000000000000" pitchFamily="2" charset="0"/>
+                </a:rPr>
+                <a:t>Catalog</a:t>
+              </a:r>
+              <a:r>
+                <a:rPr lang="es-ES" sz="1000" b="1" dirty="0">
+                  <a:solidFill>
+                    <a:schemeClr val="bg1"/>
+                  </a:solidFill>
+                  <a:latin typeface="Montserrat" panose="00000500000000000000" pitchFamily="2" charset="0"/>
+                </a:rPr>
+                <a:t> </a:t>
+              </a:r>
+              <a:r>
+                <a:rPr lang="es-ES" sz="1000" dirty="0">
+                  <a:solidFill>
+                    <a:schemeClr val="bg1"/>
+                  </a:solidFill>
+                  <a:latin typeface="Montserrat" panose="00000500000000000000" pitchFamily="2" charset="0"/>
+                </a:rPr>
+                <a:t>+ IAM.</a:t>
+              </a:r>
+              <a:br>
+                <a:rPr lang="es-ES" sz="1000" dirty="0">
+                  <a:solidFill>
+                    <a:schemeClr val="bg1"/>
+                  </a:solidFill>
+                  <a:latin typeface="Montserrat" panose="00000500000000000000" pitchFamily="2" charset="0"/>
+                </a:rPr>
+              </a:br>
+              <a:endParaRPr lang="es-ES" sz="1000" dirty="0">
+                <a:solidFill>
+                  <a:schemeClr val="bg1"/>
+                </a:solidFill>
+                <a:latin typeface="Montserrat" panose="00000500000000000000" pitchFamily="2" charset="0"/>
+              </a:endParaRPr>
+            </a:p>
+            <a:p>
+              <a:pPr marL="171450" indent="-171450">
+                <a:buFont typeface="Arial" panose="020B0604020202020204" pitchFamily="34" charset="0"/>
+                <a:buChar char="•"/>
+              </a:pPr>
+              <a:r>
+                <a:rPr lang="es-ES" sz="1000" dirty="0">
+                  <a:solidFill>
+                    <a:schemeClr val="bg1"/>
+                  </a:solidFill>
+                  <a:latin typeface="Montserrat" panose="00000500000000000000" pitchFamily="2" charset="0"/>
+                </a:rPr>
+                <a:t>Ideal para </a:t>
+              </a:r>
+              <a:r>
+                <a:rPr lang="es-ES" sz="1000" b="1" dirty="0">
+                  <a:solidFill>
+                    <a:schemeClr val="bg1"/>
+                  </a:solidFill>
+                  <a:latin typeface="Montserrat" panose="00000500000000000000" pitchFamily="2" charset="0"/>
+                </a:rPr>
+                <a:t>seguridad alta</a:t>
+              </a:r>
+              <a:r>
+                <a:rPr lang="es-ES" sz="1000" dirty="0">
+                  <a:solidFill>
+                    <a:schemeClr val="bg1"/>
+                  </a:solidFill>
+                  <a:latin typeface="Montserrat" panose="00000500000000000000" pitchFamily="2" charset="0"/>
+                </a:rPr>
+                <a:t>, acceso a datos sensibles, ML, </a:t>
+              </a:r>
+              <a:r>
+                <a:rPr lang="es-ES" sz="1000" dirty="0" err="1">
+                  <a:solidFill>
+                    <a:schemeClr val="bg1"/>
+                  </a:solidFill>
+                  <a:latin typeface="Montserrat" panose="00000500000000000000" pitchFamily="2" charset="0"/>
+                </a:rPr>
+                <a:t>Service</a:t>
+              </a:r>
+              <a:r>
+                <a:rPr lang="es-ES" sz="1000" dirty="0">
+                  <a:solidFill>
+                    <a:schemeClr val="bg1"/>
+                  </a:solidFill>
+                  <a:latin typeface="Montserrat" panose="00000500000000000000" pitchFamily="2" charset="0"/>
+                </a:rPr>
+                <a:t> </a:t>
+              </a:r>
+              <a:r>
+                <a:rPr lang="es-ES" sz="1000" dirty="0" err="1">
+                  <a:solidFill>
+                    <a:schemeClr val="bg1"/>
+                  </a:solidFill>
+                  <a:latin typeface="Montserrat" panose="00000500000000000000" pitchFamily="2" charset="0"/>
+                </a:rPr>
+                <a:t>Principals</a:t>
+              </a:r>
+              <a:r>
+                <a:rPr lang="es-ES" sz="1000" dirty="0">
+                  <a:solidFill>
+                    <a:schemeClr val="bg1"/>
+                  </a:solidFill>
+                  <a:latin typeface="Montserrat" panose="00000500000000000000" pitchFamily="2" charset="0"/>
+                </a:rPr>
+                <a:t>.</a:t>
+              </a:r>
+              <a:endParaRPr lang="es-ES" sz="1200" dirty="0"/>
+            </a:p>
+          </p:txBody>
+        </p:sp>
+        <p:sp>
+          <p:nvSpPr>
+            <p:cNvPr id="26" name="CuadroTexto 25">
+              <a:extLst>
+                <a:ext uri="{FF2B5EF4-FFF2-40B4-BE49-F238E27FC236}">
+                  <a16:creationId xmlns:a16="http://schemas.microsoft.com/office/drawing/2014/main" id="{C2F1CB6D-3E61-FAED-C3B9-325FDD9E1F78}"/>
+                </a:ext>
+              </a:extLst>
+            </p:cNvPr>
+            <p:cNvSpPr txBox="1"/>
+            <p:nvPr/>
+          </p:nvSpPr>
+          <p:spPr>
+            <a:xfrm>
+              <a:off x="8667714" y="4514214"/>
+              <a:ext cx="3191082" cy="507831"/>
+            </a:xfrm>
+            <a:prstGeom prst="rect">
+              <a:avLst/>
+            </a:prstGeom>
+            <a:noFill/>
+          </p:spPr>
+          <p:txBody>
+            <a:bodyPr wrap="square" rtlCol="0">
+              <a:spAutoFit/>
+            </a:bodyPr>
+            <a:lstStyle/>
+            <a:p>
+              <a:r>
+                <a:rPr lang="es-ES" sz="900" dirty="0">
+                  <a:solidFill>
+                    <a:schemeClr val="bg1"/>
+                  </a:solidFill>
+                  <a:latin typeface="Montserrat" panose="00000500000000000000" pitchFamily="2" charset="0"/>
+                </a:rPr>
+                <a:t>=&gt; Ejemplo de contexto:</a:t>
+              </a:r>
+              <a:br>
+                <a:rPr lang="es-ES" sz="900" i="1" dirty="0">
+                  <a:solidFill>
+                    <a:schemeClr val="bg1"/>
+                  </a:solidFill>
+                  <a:latin typeface="Montserrat" panose="00000500000000000000" pitchFamily="2" charset="0"/>
+                </a:rPr>
+              </a:br>
+              <a:r>
+                <a:rPr lang="es-ES" sz="900" i="1" dirty="0">
+                  <a:solidFill>
+                    <a:schemeClr val="bg1"/>
+                  </a:solidFill>
+                  <a:latin typeface="Montserrat" panose="00000500000000000000" pitchFamily="2" charset="0"/>
+                </a:rPr>
+                <a:t>"Estoy desarrollando un modelo de ML con acceso a datos sensibles: </a:t>
+              </a:r>
+              <a:r>
+                <a:rPr lang="es-ES" sz="900" i="1" dirty="0" err="1">
+                  <a:solidFill>
+                    <a:schemeClr val="bg1"/>
+                  </a:solidFill>
+                  <a:latin typeface="Montserrat" panose="00000500000000000000" pitchFamily="2" charset="0"/>
+                </a:rPr>
+                <a:t>cluster</a:t>
+              </a:r>
+              <a:r>
+                <a:rPr lang="es-ES" sz="900" i="1" dirty="0">
+                  <a:solidFill>
+                    <a:schemeClr val="bg1"/>
+                  </a:solidFill>
+                  <a:latin typeface="Montserrat" panose="00000500000000000000" pitchFamily="2" charset="0"/>
+                </a:rPr>
+                <a:t> Single </a:t>
+              </a:r>
+              <a:r>
+                <a:rPr lang="es-ES" sz="900" i="1" dirty="0" err="1">
+                  <a:solidFill>
+                    <a:schemeClr val="bg1"/>
+                  </a:solidFill>
+                  <a:latin typeface="Montserrat" panose="00000500000000000000" pitchFamily="2" charset="0"/>
+                </a:rPr>
+                <a:t>User</a:t>
+              </a:r>
+              <a:r>
+                <a:rPr lang="es-ES" sz="900" i="1" dirty="0">
+                  <a:solidFill>
+                    <a:schemeClr val="bg1"/>
+                  </a:solidFill>
+                  <a:latin typeface="Montserrat" panose="00000500000000000000" pitchFamily="2" charset="0"/>
+                </a:rPr>
+                <a:t>."</a:t>
+              </a:r>
+            </a:p>
+          </p:txBody>
+        </p:sp>
+      </p:grpSp>
+      <p:grpSp>
+        <p:nvGrpSpPr>
+          <p:cNvPr id="27" name="Grupo 26">
+            <a:extLst>
+              <a:ext uri="{FF2B5EF4-FFF2-40B4-BE49-F238E27FC236}">
+                <a16:creationId xmlns:a16="http://schemas.microsoft.com/office/drawing/2014/main" id="{B9D49BDB-66F0-E180-E4F7-734B047D188C}"/>
+              </a:ext>
+            </a:extLst>
+          </p:cNvPr>
+          <p:cNvGrpSpPr/>
+          <p:nvPr/>
+        </p:nvGrpSpPr>
+        <p:grpSpPr>
+          <a:xfrm>
+            <a:off x="4500459" y="1608307"/>
+            <a:ext cx="3191082" cy="3612204"/>
+            <a:chOff x="8667714" y="1608307"/>
+            <a:chExt cx="3191082" cy="3612204"/>
+          </a:xfrm>
+        </p:grpSpPr>
+        <p:sp>
+          <p:nvSpPr>
+            <p:cNvPr id="28" name="Rectángulo: esquinas redondeadas 27">
+              <a:extLst>
+                <a:ext uri="{FF2B5EF4-FFF2-40B4-BE49-F238E27FC236}">
+                  <a16:creationId xmlns:a16="http://schemas.microsoft.com/office/drawing/2014/main" id="{ADBA5893-224F-5352-4E40-BE15BD4E84C5}"/>
+                </a:ext>
+              </a:extLst>
+            </p:cNvPr>
+            <p:cNvSpPr/>
+            <p:nvPr/>
+          </p:nvSpPr>
+          <p:spPr>
+            <a:xfrm>
+              <a:off x="8667714" y="1608307"/>
+              <a:ext cx="3191082" cy="3612204"/>
+            </a:xfrm>
+            <a:prstGeom prst="roundRect">
+              <a:avLst>
+                <a:gd name="adj" fmla="val 5303"/>
+              </a:avLst>
+            </a:prstGeom>
+            <a:ln w="12700"/>
+          </p:spPr>
+          <p:style>
+            <a:lnRef idx="2">
+              <a:schemeClr val="accent1">
+                <a:shade val="15000"/>
+              </a:schemeClr>
+            </a:lnRef>
+            <a:fillRef idx="1">
+              <a:schemeClr val="accent1"/>
+            </a:fillRef>
+            <a:effectRef idx="0">
+              <a:schemeClr val="accent1"/>
+            </a:effectRef>
+            <a:fontRef idx="minor">
+              <a:schemeClr val="lt1"/>
+            </a:fontRef>
+          </p:style>
+          <p:txBody>
+            <a:bodyPr rtlCol="0" anchor="ctr"/>
+            <a:lstStyle/>
+            <a:p>
+              <a:endParaRPr lang="es-ES" dirty="0"/>
+            </a:p>
+          </p:txBody>
+        </p:sp>
+        <p:sp>
+          <p:nvSpPr>
+            <p:cNvPr id="29" name="CuadroTexto 28">
+              <a:extLst>
+                <a:ext uri="{FF2B5EF4-FFF2-40B4-BE49-F238E27FC236}">
+                  <a16:creationId xmlns:a16="http://schemas.microsoft.com/office/drawing/2014/main" id="{DCC0CCDC-07AA-C60A-3825-331CEA9B73B4}"/>
+                </a:ext>
+              </a:extLst>
+            </p:cNvPr>
+            <p:cNvSpPr txBox="1"/>
+            <p:nvPr/>
+          </p:nvSpPr>
+          <p:spPr>
+            <a:xfrm>
+              <a:off x="9104994" y="1653870"/>
+              <a:ext cx="2461701" cy="338554"/>
+            </a:xfrm>
+            <a:prstGeom prst="rect">
+              <a:avLst/>
+            </a:prstGeom>
+            <a:noFill/>
+          </p:spPr>
+          <p:txBody>
+            <a:bodyPr wrap="square" rtlCol="0">
+              <a:spAutoFit/>
+            </a:bodyPr>
+            <a:lstStyle/>
+            <a:p>
+              <a:r>
+                <a:rPr lang="es-ES" sz="1600" b="1" dirty="0" err="1">
+                  <a:solidFill>
+                    <a:schemeClr val="bg1"/>
+                  </a:solidFill>
+                  <a:latin typeface="Montserrat" panose="00000500000000000000" pitchFamily="2" charset="0"/>
+                </a:rPr>
+                <a:t>Shared</a:t>
+              </a:r>
+              <a:r>
+                <a:rPr lang="es-ES" sz="1600" b="1" dirty="0">
+                  <a:solidFill>
+                    <a:schemeClr val="bg1"/>
+                  </a:solidFill>
+                  <a:latin typeface="Montserrat" panose="00000500000000000000" pitchFamily="2" charset="0"/>
+                </a:rPr>
+                <a:t> Access </a:t>
+              </a:r>
+              <a:r>
+                <a:rPr lang="es-ES" sz="1600" b="1" dirty="0" err="1">
+                  <a:solidFill>
+                    <a:schemeClr val="bg1"/>
+                  </a:solidFill>
+                  <a:latin typeface="Montserrat" panose="00000500000000000000" pitchFamily="2" charset="0"/>
+                </a:rPr>
+                <a:t>Mode</a:t>
+              </a:r>
+              <a:endParaRPr lang="es-ES" sz="1600" dirty="0">
+                <a:solidFill>
+                  <a:schemeClr val="bg1"/>
+                </a:solidFill>
+                <a:latin typeface="Montserrat" panose="00000500000000000000" pitchFamily="2" charset="0"/>
+              </a:endParaRPr>
+            </a:p>
+          </p:txBody>
+        </p:sp>
+        <p:sp>
+          <p:nvSpPr>
+            <p:cNvPr id="30" name="CuadroTexto 29">
+              <a:extLst>
+                <a:ext uri="{FF2B5EF4-FFF2-40B4-BE49-F238E27FC236}">
+                  <a16:creationId xmlns:a16="http://schemas.microsoft.com/office/drawing/2014/main" id="{8B9D147A-1443-776D-DC76-2A7DB7B931B3}"/>
+                </a:ext>
+              </a:extLst>
+            </p:cNvPr>
+            <p:cNvSpPr txBox="1"/>
+            <p:nvPr/>
+          </p:nvSpPr>
+          <p:spPr>
+            <a:xfrm>
+              <a:off x="8748379" y="2767279"/>
+              <a:ext cx="2913018" cy="1323439"/>
+            </a:xfrm>
+            <a:prstGeom prst="rect">
+              <a:avLst/>
+            </a:prstGeom>
+            <a:noFill/>
+          </p:spPr>
+          <p:txBody>
+            <a:bodyPr wrap="square" rtlCol="0">
+              <a:spAutoFit/>
+            </a:bodyPr>
+            <a:lstStyle/>
+            <a:p>
+              <a:pPr marL="171450" indent="-171450">
+                <a:buFont typeface="Arial" panose="020B0604020202020204" pitchFamily="34" charset="0"/>
+                <a:buChar char="•"/>
+              </a:pPr>
+              <a:r>
+                <a:rPr lang="es-ES" sz="1000" b="1" dirty="0">
+                  <a:solidFill>
+                    <a:schemeClr val="bg1"/>
+                  </a:solidFill>
+                  <a:latin typeface="Montserrat" panose="00000500000000000000" pitchFamily="2" charset="0"/>
+                </a:rPr>
+                <a:t>Varias personas </a:t>
+              </a:r>
+              <a:r>
+                <a:rPr lang="es-ES" sz="1000" dirty="0">
+                  <a:solidFill>
+                    <a:schemeClr val="bg1"/>
+                  </a:solidFill>
+                  <a:latin typeface="Montserrat" panose="00000500000000000000" pitchFamily="2" charset="0"/>
+                </a:rPr>
+                <a:t>pueden usar el mismo </a:t>
+              </a:r>
+              <a:r>
+                <a:rPr lang="es-ES" sz="1000" dirty="0" err="1">
+                  <a:solidFill>
+                    <a:schemeClr val="bg1"/>
+                  </a:solidFill>
+                  <a:latin typeface="Montserrat" panose="00000500000000000000" pitchFamily="2" charset="0"/>
+                </a:rPr>
+                <a:t>cluster</a:t>
+              </a:r>
+              <a:r>
+                <a:rPr lang="es-ES" sz="1000" dirty="0">
+                  <a:solidFill>
+                    <a:schemeClr val="bg1"/>
+                  </a:solidFill>
+                  <a:latin typeface="Montserrat" panose="00000500000000000000" pitchFamily="2" charset="0"/>
+                </a:rPr>
+                <a:t>.</a:t>
+              </a:r>
+            </a:p>
+            <a:p>
+              <a:pPr marL="171450" indent="-171450">
+                <a:buFont typeface="Arial" panose="020B0604020202020204" pitchFamily="34" charset="0"/>
+                <a:buChar char="•"/>
+              </a:pPr>
+              <a:endParaRPr lang="es-ES" sz="1000" dirty="0">
+                <a:solidFill>
+                  <a:schemeClr val="bg1"/>
+                </a:solidFill>
+                <a:latin typeface="Montserrat" panose="00000500000000000000" pitchFamily="2" charset="0"/>
+              </a:endParaRPr>
+            </a:p>
+            <a:p>
+              <a:pPr marL="171450" indent="-171450">
+                <a:buFont typeface="Arial" panose="020B0604020202020204" pitchFamily="34" charset="0"/>
+                <a:buChar char="•"/>
+              </a:pPr>
+              <a:r>
+                <a:rPr lang="es-ES" sz="1000" dirty="0">
+                  <a:solidFill>
+                    <a:schemeClr val="bg1"/>
+                  </a:solidFill>
+                  <a:latin typeface="Montserrat" panose="00000500000000000000" pitchFamily="2" charset="0"/>
+                </a:rPr>
+                <a:t>Cada notebook se ejecuta con la </a:t>
+              </a:r>
+              <a:r>
+                <a:rPr lang="es-ES" sz="1000" b="1" dirty="0">
+                  <a:solidFill>
+                    <a:schemeClr val="bg1"/>
+                  </a:solidFill>
+                  <a:latin typeface="Montserrat" panose="00000500000000000000" pitchFamily="2" charset="0"/>
+                </a:rPr>
+                <a:t>identidad real del usuario</a:t>
+              </a:r>
+              <a:r>
+                <a:rPr lang="es-ES" sz="1000" dirty="0">
+                  <a:solidFill>
+                    <a:schemeClr val="bg1"/>
+                  </a:solidFill>
+                  <a:latin typeface="Montserrat" panose="00000500000000000000" pitchFamily="2" charset="0"/>
+                </a:rPr>
+                <a:t>.</a:t>
+              </a:r>
+            </a:p>
+            <a:p>
+              <a:pPr marL="171450" indent="-171450">
+                <a:buFont typeface="Arial" panose="020B0604020202020204" pitchFamily="34" charset="0"/>
+                <a:buChar char="•"/>
+              </a:pPr>
+              <a:endParaRPr lang="es-ES" sz="1000" dirty="0">
+                <a:solidFill>
+                  <a:schemeClr val="bg1"/>
+                </a:solidFill>
+                <a:latin typeface="Montserrat" panose="00000500000000000000" pitchFamily="2" charset="0"/>
+              </a:endParaRPr>
+            </a:p>
+            <a:p>
+              <a:pPr marL="171450" indent="-171450">
+                <a:buFont typeface="Arial" panose="020B0604020202020204" pitchFamily="34" charset="0"/>
+                <a:buChar char="•"/>
+              </a:pPr>
+              <a:r>
+                <a:rPr lang="es-ES" sz="1000" dirty="0">
+                  <a:solidFill>
+                    <a:schemeClr val="bg1"/>
+                  </a:solidFill>
+                  <a:latin typeface="Montserrat" panose="00000500000000000000" pitchFamily="2" charset="0"/>
+                </a:rPr>
+                <a:t>Permite </a:t>
+              </a:r>
+              <a:r>
+                <a:rPr lang="es-ES" sz="1000" b="1" dirty="0">
+                  <a:solidFill>
+                    <a:schemeClr val="bg1"/>
+                  </a:solidFill>
+                  <a:latin typeface="Montserrat" panose="00000500000000000000" pitchFamily="2" charset="0"/>
+                </a:rPr>
+                <a:t>colaboración</a:t>
+              </a:r>
+              <a:r>
+                <a:rPr lang="es-ES" sz="1000" dirty="0">
+                  <a:solidFill>
+                    <a:schemeClr val="bg1"/>
+                  </a:solidFill>
+                  <a:latin typeface="Montserrat" panose="00000500000000000000" pitchFamily="2" charset="0"/>
+                </a:rPr>
+                <a:t> y mantiene permisos individuales.</a:t>
+              </a:r>
+              <a:endParaRPr lang="es-ES" sz="1200" dirty="0"/>
+            </a:p>
+          </p:txBody>
+        </p:sp>
+        <p:sp>
+          <p:nvSpPr>
+            <p:cNvPr id="31" name="CuadroTexto 30">
+              <a:extLst>
+                <a:ext uri="{FF2B5EF4-FFF2-40B4-BE49-F238E27FC236}">
+                  <a16:creationId xmlns:a16="http://schemas.microsoft.com/office/drawing/2014/main" id="{28C9CE1C-78A2-0B2C-50EA-95D2E703C46D}"/>
+                </a:ext>
+              </a:extLst>
+            </p:cNvPr>
+            <p:cNvSpPr txBox="1"/>
+            <p:nvPr/>
+          </p:nvSpPr>
+          <p:spPr>
+            <a:xfrm>
+              <a:off x="8667714" y="4514214"/>
+              <a:ext cx="3191082" cy="507831"/>
+            </a:xfrm>
+            <a:prstGeom prst="rect">
+              <a:avLst/>
+            </a:prstGeom>
+            <a:noFill/>
+          </p:spPr>
+          <p:txBody>
+            <a:bodyPr wrap="square" rtlCol="0">
+              <a:spAutoFit/>
+            </a:bodyPr>
+            <a:lstStyle/>
+            <a:p>
+              <a:pPr marL="171450" indent="-171450">
+                <a:buFont typeface="Symbol" panose="05050102010706020507" pitchFamily="18" charset="2"/>
+                <a:buChar char="Þ"/>
+              </a:pPr>
+              <a:r>
+                <a:rPr lang="es-ES" sz="900" dirty="0">
+                  <a:solidFill>
+                    <a:schemeClr val="bg1"/>
+                  </a:solidFill>
+                  <a:latin typeface="Montserrat" panose="00000500000000000000" pitchFamily="2" charset="0"/>
+                </a:rPr>
+                <a:t>Ejemplo de contexto:</a:t>
+              </a:r>
+            </a:p>
+            <a:p>
+              <a:r>
+                <a:rPr lang="es-ES" sz="900" i="1" dirty="0">
+                  <a:solidFill>
+                    <a:schemeClr val="bg1"/>
+                  </a:solidFill>
+                  <a:latin typeface="Montserrat" panose="00000500000000000000" pitchFamily="2" charset="0"/>
+                </a:rPr>
+                <a:t>"Estamos editando notebooks en equipo y cada uno ve solo lo que tiene permiso—</a:t>
+              </a:r>
+              <a:r>
+                <a:rPr lang="es-ES" sz="900" i="1" dirty="0" err="1">
+                  <a:solidFill>
+                    <a:schemeClr val="bg1"/>
+                  </a:solidFill>
+                  <a:latin typeface="Montserrat" panose="00000500000000000000" pitchFamily="2" charset="0"/>
+                </a:rPr>
+                <a:t>Shared</a:t>
+              </a:r>
+              <a:r>
+                <a:rPr lang="es-ES" sz="900" i="1" dirty="0">
+                  <a:solidFill>
+                    <a:schemeClr val="bg1"/>
+                  </a:solidFill>
+                  <a:latin typeface="Montserrat" panose="00000500000000000000" pitchFamily="2" charset="0"/>
+                </a:rPr>
+                <a:t> </a:t>
+              </a:r>
+              <a:r>
+                <a:rPr lang="es-ES" sz="900" i="1" dirty="0" err="1">
+                  <a:solidFill>
+                    <a:schemeClr val="bg1"/>
+                  </a:solidFill>
+                  <a:latin typeface="Montserrat" panose="00000500000000000000" pitchFamily="2" charset="0"/>
+                </a:rPr>
+                <a:t>Mode</a:t>
+              </a:r>
+              <a:r>
+                <a:rPr lang="es-ES" sz="900" i="1" dirty="0">
+                  <a:solidFill>
+                    <a:schemeClr val="bg1"/>
+                  </a:solidFill>
+                  <a:latin typeface="Montserrat" panose="00000500000000000000" pitchFamily="2" charset="0"/>
+                </a:rPr>
+                <a:t>."</a:t>
+              </a:r>
+            </a:p>
+          </p:txBody>
+        </p:sp>
+      </p:grpSp>
+      <p:pic>
+        <p:nvPicPr>
+          <p:cNvPr id="33" name="Imagen 32" descr="Icono&#10;&#10;El contenido generado por IA puede ser incorrecto.">
+            <a:extLst>
+              <a:ext uri="{FF2B5EF4-FFF2-40B4-BE49-F238E27FC236}">
+                <a16:creationId xmlns:a16="http://schemas.microsoft.com/office/drawing/2014/main" id="{305B746E-A3E0-AE97-ADA1-04B686C8EA9F}"/>
+              </a:ext>
+            </a:extLst>
+          </p:cNvPr>
+          <p:cNvPicPr>
+            <a:picLocks noChangeAspect="1"/>
+          </p:cNvPicPr>
+          <p:nvPr/>
+        </p:nvPicPr>
+        <p:blipFill>
+          <a:blip r:embed="rId3">
+            <a:extLst>
+              <a:ext uri="{28A0092B-C50C-407E-A947-70E740481C1C}">
+                <a14:useLocalDpi xmlns:a14="http://schemas.microsoft.com/office/drawing/2010/main" val="0"/>
+              </a:ext>
+            </a:extLst>
+          </a:blip>
+          <a:stretch>
+            <a:fillRect/>
+          </a:stretch>
+        </p:blipFill>
+        <p:spPr>
+          <a:xfrm>
+            <a:off x="1650628" y="2219537"/>
+            <a:ext cx="394235" cy="394235"/>
+          </a:xfrm>
+          <a:prstGeom prst="rect">
+            <a:avLst/>
+          </a:prstGeom>
+        </p:spPr>
+      </p:pic>
+      <p:pic>
+        <p:nvPicPr>
+          <p:cNvPr id="35" name="Imagen 34" descr="Icono&#10;&#10;El contenido generado por IA puede ser incorrecto.">
+            <a:extLst>
+              <a:ext uri="{FF2B5EF4-FFF2-40B4-BE49-F238E27FC236}">
+                <a16:creationId xmlns:a16="http://schemas.microsoft.com/office/drawing/2014/main" id="{B030FF2D-FF2E-CAB2-9BE4-D0CC3857E6B4}"/>
+              </a:ext>
+            </a:extLst>
+          </p:cNvPr>
+          <p:cNvPicPr>
+            <a:picLocks noChangeAspect="1"/>
+          </p:cNvPicPr>
+          <p:nvPr/>
+        </p:nvPicPr>
+        <p:blipFill>
+          <a:blip r:embed="rId4">
+            <a:extLst>
+              <a:ext uri="{28A0092B-C50C-407E-A947-70E740481C1C}">
+                <a14:useLocalDpi xmlns:a14="http://schemas.microsoft.com/office/drawing/2010/main" val="0"/>
+              </a:ext>
+            </a:extLst>
+          </a:blip>
+          <a:stretch>
+            <a:fillRect/>
+          </a:stretch>
+        </p:blipFill>
+        <p:spPr>
+          <a:xfrm>
+            <a:off x="3861723" y="4943581"/>
+            <a:ext cx="634921" cy="634921"/>
+          </a:xfrm>
+          <a:prstGeom prst="rect">
+            <a:avLst/>
+          </a:prstGeom>
+        </p:spPr>
+      </p:pic>
+      <p:pic>
+        <p:nvPicPr>
+          <p:cNvPr id="37" name="Imagen 36" descr="Icono&#10;&#10;El contenido generado por IA puede ser incorrecto.">
+            <a:extLst>
+              <a:ext uri="{FF2B5EF4-FFF2-40B4-BE49-F238E27FC236}">
+                <a16:creationId xmlns:a16="http://schemas.microsoft.com/office/drawing/2014/main" id="{EFBD8DB6-DE9B-B29A-62D0-9F306D43DDD8}"/>
+              </a:ext>
+            </a:extLst>
+          </p:cNvPr>
+          <p:cNvPicPr>
+            <a:picLocks noChangeAspect="1"/>
+          </p:cNvPicPr>
+          <p:nvPr/>
+        </p:nvPicPr>
+        <p:blipFill>
+          <a:blip r:embed="rId5">
+            <a:extLst>
+              <a:ext uri="{28A0092B-C50C-407E-A947-70E740481C1C}">
+                <a14:useLocalDpi xmlns:a14="http://schemas.microsoft.com/office/drawing/2010/main" val="0"/>
+              </a:ext>
+            </a:extLst>
+          </a:blip>
+          <a:stretch>
+            <a:fillRect/>
+          </a:stretch>
+        </p:blipFill>
+        <p:spPr>
+          <a:xfrm>
+            <a:off x="5879170" y="2216102"/>
+            <a:ext cx="433659" cy="433659"/>
+          </a:xfrm>
+          <a:prstGeom prst="rect">
+            <a:avLst/>
+          </a:prstGeom>
+        </p:spPr>
+      </p:pic>
+      <p:pic>
+        <p:nvPicPr>
+          <p:cNvPr id="39" name="Imagen 38" descr="Un dibujo de una persona&#10;&#10;El contenido generado por IA puede ser incorrecto.">
+            <a:extLst>
+              <a:ext uri="{FF2B5EF4-FFF2-40B4-BE49-F238E27FC236}">
+                <a16:creationId xmlns:a16="http://schemas.microsoft.com/office/drawing/2014/main" id="{58596F1F-1378-E80D-7979-99E8720947C7}"/>
+              </a:ext>
+            </a:extLst>
+          </p:cNvPr>
+          <p:cNvPicPr>
+            <a:picLocks noChangeAspect="1"/>
+          </p:cNvPicPr>
+          <p:nvPr/>
+        </p:nvPicPr>
+        <p:blipFill>
+          <a:blip r:embed="rId6">
+            <a:extLst>
+              <a:ext uri="{28A0092B-C50C-407E-A947-70E740481C1C}">
+                <a14:useLocalDpi xmlns:a14="http://schemas.microsoft.com/office/drawing/2010/main" val="0"/>
+              </a:ext>
+            </a:extLst>
+          </a:blip>
+          <a:stretch>
+            <a:fillRect/>
+          </a:stretch>
+        </p:blipFill>
+        <p:spPr>
+          <a:xfrm>
+            <a:off x="3641620" y="5929796"/>
+            <a:ext cx="634921" cy="634921"/>
+          </a:xfrm>
+          <a:prstGeom prst="rect">
+            <a:avLst/>
+          </a:prstGeom>
+        </p:spPr>
+      </p:pic>
+    </p:spTree>
+    <p:extLst>
+      <p:ext uri="{BB962C8B-B14F-4D97-AF65-F5344CB8AC3E}">
+        <p14:creationId xmlns:p14="http://schemas.microsoft.com/office/powerpoint/2010/main" val="1415137541"/>
+      </p:ext>
+    </p:extLst>
+  </p:cSld>
+  <p:clrMapOvr>
+    <a:masterClrMapping/>
+  </p:clrMapOvr>
+</p:sld>
+</file>
+
+<file path=ppt/slides/slide13.xml><?xml version="1.0" encoding="utf-8"?>
+<p:sld xmlns:a="http://schemas.openxmlformats.org/drawingml/2006/main" xmlns:r="http://schemas.openxmlformats.org/officeDocument/2006/relationships" xmlns:p="http://schemas.openxmlformats.org/presentationml/2006/main">
+  <p:cSld>
+    <p:spTree>
+      <p:nvGrpSpPr>
+        <p:cNvPr id="1" name=""/>
+        <p:cNvGrpSpPr/>
+        <p:nvPr/>
+      </p:nvGrpSpPr>
+      <p:grpSpPr>
+        <a:xfrm>
+          <a:off x="0" y="0"/>
+          <a:ext cx="0" cy="0"/>
+          <a:chOff x="0" y="0"/>
+          <a:chExt cx="0" cy="0"/>
+        </a:xfrm>
+      </p:grpSpPr>
+      <p:pic>
+        <p:nvPicPr>
+          <p:cNvPr id="5" name="Imagen 4">
+            <a:extLst>
+              <a:ext uri="{FF2B5EF4-FFF2-40B4-BE49-F238E27FC236}">
+                <a16:creationId xmlns:a16="http://schemas.microsoft.com/office/drawing/2014/main" id="{83FCFE8E-4F67-D503-2350-FB8CF723ECCB}"/>
+              </a:ext>
+            </a:extLst>
+          </p:cNvPr>
+          <p:cNvPicPr>
+            <a:picLocks noChangeAspect="1"/>
+          </p:cNvPicPr>
+          <p:nvPr/>
+        </p:nvPicPr>
+        <p:blipFill>
+          <a:blip r:embed="rId3"/>
+          <a:stretch>
+            <a:fillRect/>
+          </a:stretch>
+        </p:blipFill>
+        <p:spPr>
+          <a:xfrm>
+            <a:off x="3300022" y="1647576"/>
+            <a:ext cx="5591955" cy="3562847"/>
+          </a:xfrm>
+          <a:prstGeom prst="rect">
+            <a:avLst/>
+          </a:prstGeom>
+        </p:spPr>
+      </p:pic>
+    </p:spTree>
+    <p:extLst>
+      <p:ext uri="{BB962C8B-B14F-4D97-AF65-F5344CB8AC3E}">
+        <p14:creationId xmlns:p14="http://schemas.microsoft.com/office/powerpoint/2010/main" val="2825763858"/>
+      </p:ext>
+    </p:extLst>
+  </p:cSld>
+  <p:clrMapOvr>
+    <a:masterClrMapping/>
+  </p:clrMapOvr>
+</p:sld>
+</file>
+
+<file path=ppt/slides/slide14.xml><?xml version="1.0" encoding="utf-8"?>
+<p:sld xmlns:a="http://schemas.openxmlformats.org/drawingml/2006/main" xmlns:r="http://schemas.openxmlformats.org/officeDocument/2006/relationships" xmlns:p="http://schemas.openxmlformats.org/presentationml/2006/main">
+  <p:cSld>
+    <p:spTree>
+      <p:nvGrpSpPr>
+        <p:cNvPr id="1" name=""/>
+        <p:cNvGrpSpPr/>
+        <p:nvPr/>
+      </p:nvGrpSpPr>
+      <p:grpSpPr>
+        <a:xfrm>
+          <a:off x="0" y="0"/>
+          <a:ext cx="0" cy="0"/>
+          <a:chOff x="0" y="0"/>
+          <a:chExt cx="0" cy="0"/>
+        </a:xfrm>
+      </p:grpSpPr>
+      <p:pic>
+        <p:nvPicPr>
+          <p:cNvPr id="5" name="Imagen 4">
+            <a:extLst>
+              <a:ext uri="{FF2B5EF4-FFF2-40B4-BE49-F238E27FC236}">
+                <a16:creationId xmlns:a16="http://schemas.microsoft.com/office/drawing/2014/main" id="{7830AA98-52A4-A8F7-9870-2F5E428CAEF4}"/>
+              </a:ext>
+            </a:extLst>
+          </p:cNvPr>
+          <p:cNvPicPr>
+            <a:picLocks noChangeAspect="1"/>
+          </p:cNvPicPr>
+          <p:nvPr/>
+        </p:nvPicPr>
+        <p:blipFill>
+          <a:blip r:embed="rId2"/>
+          <a:stretch>
+            <a:fillRect/>
+          </a:stretch>
+        </p:blipFill>
+        <p:spPr>
+          <a:xfrm>
+            <a:off x="2514100" y="1128391"/>
+            <a:ext cx="7163800" cy="4601217"/>
+          </a:xfrm>
+          <a:prstGeom prst="rect">
+            <a:avLst/>
+          </a:prstGeom>
+        </p:spPr>
+      </p:pic>
+    </p:spTree>
+    <p:extLst>
+      <p:ext uri="{BB962C8B-B14F-4D97-AF65-F5344CB8AC3E}">
+        <p14:creationId xmlns:p14="http://schemas.microsoft.com/office/powerpoint/2010/main" val="364912893"/>
+      </p:ext>
+    </p:extLst>
+  </p:cSld>
+  <p:clrMapOvr>
+    <a:masterClrMapping/>
+  </p:clrMapOvr>
+</p:sld>
+</file>
+
+<file path=ppt/slides/slide15.xml><?xml version="1.0" encoding="utf-8"?>
+<p:sld xmlns:a="http://schemas.openxmlformats.org/drawingml/2006/main" xmlns:r="http://schemas.openxmlformats.org/officeDocument/2006/relationships" xmlns:p="http://schemas.openxmlformats.org/presentationml/2006/main">
+  <p:cSld>
+    <p:spTree>
+      <p:nvGrpSpPr>
+        <p:cNvPr id="1" name=""/>
+        <p:cNvGrpSpPr/>
+        <p:nvPr/>
+      </p:nvGrpSpPr>
+      <p:grpSpPr>
+        <a:xfrm>
+          <a:off x="0" y="0"/>
+          <a:ext cx="0" cy="0"/>
+          <a:chOff x="0" y="0"/>
+          <a:chExt cx="0" cy="0"/>
+        </a:xfrm>
+      </p:grpSpPr>
+      <p:pic>
+        <p:nvPicPr>
+          <p:cNvPr id="5" name="Imagen 4">
+            <a:extLst>
+              <a:ext uri="{FF2B5EF4-FFF2-40B4-BE49-F238E27FC236}">
+                <a16:creationId xmlns:a16="http://schemas.microsoft.com/office/drawing/2014/main" id="{CFD379A4-0764-869C-8E20-15D2BEE11FCD}"/>
+              </a:ext>
+            </a:extLst>
+          </p:cNvPr>
+          <p:cNvPicPr>
+            <a:picLocks noChangeAspect="1"/>
+          </p:cNvPicPr>
+          <p:nvPr/>
+        </p:nvPicPr>
+        <p:blipFill>
+          <a:blip r:embed="rId2"/>
+          <a:stretch>
+            <a:fillRect/>
+          </a:stretch>
+        </p:blipFill>
+        <p:spPr>
+          <a:xfrm>
+            <a:off x="1945448" y="1690688"/>
+            <a:ext cx="5892722" cy="3758260"/>
+          </a:xfrm>
+          <a:prstGeom prst="rect">
+            <a:avLst/>
+          </a:prstGeom>
+        </p:spPr>
+      </p:pic>
+    </p:spTree>
+    <p:extLst>
+      <p:ext uri="{BB962C8B-B14F-4D97-AF65-F5344CB8AC3E}">
+        <p14:creationId xmlns:p14="http://schemas.microsoft.com/office/powerpoint/2010/main" val="3548032439"/>
+      </p:ext>
+    </p:extLst>
+  </p:cSld>
+  <p:clrMapOvr>
+    <a:masterClrMapping/>
+  </p:clrMapOvr>
+</p:sld>
+</file>
+
+<file path=ppt/slides/slide2.xml><?xml version="1.0" encoding="utf-8"?>
+<p:sld xmlns:a="http://schemas.openxmlformats.org/drawingml/2006/main" xmlns:r="http://schemas.openxmlformats.org/officeDocument/2006/relationships" xmlns:p="http://schemas.openxmlformats.org/presentationml/2006/main">
+  <p:cSld>
+    <p:bg>
+      <p:bgPr>
+        <a:solidFill>
+          <a:schemeClr val="tx2">
+            <a:lumMod val="75000"/>
+            <a:lumOff val="25000"/>
+          </a:schemeClr>
+        </a:solidFill>
+        <a:effectLst/>
+      </p:bgPr>
+    </p:bg>
+    <p:spTree>
+      <p:nvGrpSpPr>
+        <p:cNvPr id="1" name=""/>
+        <p:cNvGrpSpPr/>
+        <p:nvPr/>
+      </p:nvGrpSpPr>
+      <p:grpSpPr>
+        <a:xfrm>
+          <a:off x="0" y="0"/>
+          <a:ext cx="0" cy="0"/>
+          <a:chOff x="0" y="0"/>
+          <a:chExt cx="0" cy="0"/>
+        </a:xfrm>
+      </p:grpSpPr>
+      <p:sp>
+        <p:nvSpPr>
+          <p:cNvPr id="5" name="CuadroTexto 4">
+            <a:extLst>
+              <a:ext uri="{FF2B5EF4-FFF2-40B4-BE49-F238E27FC236}">
+                <a16:creationId xmlns:a16="http://schemas.microsoft.com/office/drawing/2014/main" id="{F30D9C47-C0B8-5576-6621-2E91145DC431}"/>
+              </a:ext>
+            </a:extLst>
+          </p:cNvPr>
+          <p:cNvSpPr txBox="1"/>
+          <p:nvPr/>
+        </p:nvSpPr>
+        <p:spPr>
+          <a:xfrm>
+            <a:off x="4007768" y="2537902"/>
+            <a:ext cx="4176464" cy="523220"/>
+          </a:xfrm>
+          <a:prstGeom prst="rect">
+            <a:avLst/>
+          </a:prstGeom>
+          <a:noFill/>
+        </p:spPr>
+        <p:txBody>
+          <a:bodyPr wrap="square" rtlCol="0">
+            <a:spAutoFit/>
+          </a:bodyPr>
+          <a:lstStyle/>
+          <a:p>
+            <a:pPr algn="ctr"/>
+            <a:r>
+              <a:rPr lang="es-ES" sz="2800" dirty="0">
+                <a:solidFill>
+                  <a:schemeClr val="bg1"/>
+                </a:solidFill>
+                <a:latin typeface="Montserrat" panose="00000500000000000000" pitchFamily="2" charset="0"/>
+              </a:rPr>
+              <a:t>DATABRICKS</a:t>
+            </a:r>
+          </a:p>
+        </p:txBody>
+      </p:sp>
+    </p:spTree>
+    <p:extLst>
+      <p:ext uri="{BB962C8B-B14F-4D97-AF65-F5344CB8AC3E}">
+        <p14:creationId xmlns:p14="http://schemas.microsoft.com/office/powerpoint/2010/main" val="4121299660"/>
+      </p:ext>
+    </p:extLst>
+  </p:cSld>
+  <p:clrMapOvr>
+    <a:masterClrMapping/>
+  </p:clrMapOvr>
+</p:sld>
+</file>
+
+<file path=ppt/slides/slide3.xml><?xml version="1.0" encoding="utf-8"?>
+<p:sld xmlns:a="http://schemas.openxmlformats.org/drawingml/2006/main" xmlns:r="http://schemas.openxmlformats.org/officeDocument/2006/relationships" xmlns:p="http://schemas.openxmlformats.org/presentationml/2006/main">
+  <p:cSld>
+    <p:spTree>
+      <p:nvGrpSpPr>
+        <p:cNvPr id="1" name="Shape 273"/>
+        <p:cNvGrpSpPr/>
+        <p:nvPr/>
+      </p:nvGrpSpPr>
+      <p:grpSpPr>
+        <a:xfrm>
+          <a:off x="0" y="0"/>
+          <a:ext cx="0" cy="0"/>
+          <a:chOff x="0" y="0"/>
+          <a:chExt cx="0" cy="0"/>
+        </a:xfrm>
+      </p:grpSpPr>
+      <p:sp>
+        <p:nvSpPr>
+          <p:cNvPr id="274" name="Google Shape;274;g35ee5cc475b_0_15"/>
+          <p:cNvSpPr txBox="1">
+            <a:spLocks noGrp="1"/>
+          </p:cNvSpPr>
+          <p:nvPr>
+            <p:ph type="title"/>
+          </p:nvPr>
+        </p:nvSpPr>
+        <p:spPr>
+          <a:xfrm>
+            <a:off x="350164" y="174352"/>
+            <a:ext cx="7886700" cy="543600"/>
+          </a:xfrm>
+          <a:prstGeom prst="rect">
+            <a:avLst/>
+          </a:prstGeom>
+          <a:noFill/>
+          <a:ln>
+            <a:noFill/>
+          </a:ln>
+        </p:spPr>
+        <p:txBody>
+          <a:bodyPr spcFirstLastPara="1" vert="horz" wrap="square" lIns="91425" tIns="45700" rIns="91425" bIns="45700" rtlCol="0" anchor="ctr" anchorCtr="0">
+            <a:normAutofit/>
+          </a:bodyPr>
+          <a:lstStyle/>
+          <a:p>
+            <a:pPr>
+              <a:spcBef>
+                <a:spcPts val="0"/>
+              </a:spcBef>
+              <a:buClr>
+                <a:schemeClr val="dk1"/>
+              </a:buClr>
+              <a:buSzPts val="2400"/>
+            </a:pPr>
+            <a:r>
+              <a:rPr lang="es-ES" sz="2400" b="1" dirty="0" err="1">
+                <a:latin typeface="Montserrat" panose="00000500000000000000" pitchFamily="2" charset="0"/>
+                <a:cs typeface="Mongolian Baiti" panose="03000500000000000000" pitchFamily="66" charset="0"/>
+              </a:rPr>
+              <a:t>Databricks</a:t>
+            </a:r>
+            <a:r>
+              <a:rPr lang="es-ES" sz="2400" b="1" dirty="0">
+                <a:latin typeface="Montserrat" panose="00000500000000000000" pitchFamily="2" charset="0"/>
+                <a:cs typeface="Mongolian Baiti" panose="03000500000000000000" pitchFamily="66" charset="0"/>
+              </a:rPr>
+              <a:t> </a:t>
+            </a:r>
+            <a:r>
+              <a:rPr lang="es-ES" sz="2400" b="1" dirty="0">
+                <a:solidFill>
+                  <a:schemeClr val="accent1"/>
+                </a:solidFill>
+                <a:latin typeface="Montserrat" panose="00000500000000000000" pitchFamily="2" charset="0"/>
+                <a:cs typeface="Mongolian Baiti" panose="03000500000000000000" pitchFamily="66" charset="0"/>
+              </a:rPr>
+              <a:t>| Fundamentales</a:t>
+            </a:r>
+            <a:endParaRPr sz="2400" b="1" dirty="0">
+              <a:solidFill>
+                <a:schemeClr val="accent1"/>
+              </a:solidFill>
+              <a:latin typeface="Montserrat" panose="00000500000000000000" pitchFamily="2" charset="0"/>
+              <a:cs typeface="Mongolian Baiti" panose="03000500000000000000" pitchFamily="66" charset="0"/>
+            </a:endParaRPr>
+          </a:p>
+        </p:txBody>
+      </p:sp>
+      <p:pic>
+        <p:nvPicPr>
+          <p:cNvPr id="275" name="Google Shape;275;g35ee5cc475b_0_15"/>
+          <p:cNvPicPr preferRelativeResize="0"/>
+          <p:nvPr/>
+        </p:nvPicPr>
+        <p:blipFill>
+          <a:blip r:embed="rId3">
+            <a:alphaModFix/>
+          </a:blip>
+          <a:stretch>
+            <a:fillRect/>
+          </a:stretch>
+        </p:blipFill>
+        <p:spPr>
+          <a:xfrm>
+            <a:off x="1965046" y="1599462"/>
+            <a:ext cx="2057409" cy="1083584"/>
+          </a:xfrm>
+          <a:prstGeom prst="rect">
+            <a:avLst/>
+          </a:prstGeom>
+          <a:noFill/>
+          <a:ln>
+            <a:noFill/>
+          </a:ln>
+        </p:spPr>
+      </p:pic>
+      <p:pic>
+        <p:nvPicPr>
+          <p:cNvPr id="276" name="Google Shape;276;g35ee5cc475b_0_15"/>
+          <p:cNvPicPr preferRelativeResize="0"/>
+          <p:nvPr/>
+        </p:nvPicPr>
+        <p:blipFill>
+          <a:blip r:embed="rId4">
+            <a:alphaModFix/>
+          </a:blip>
+          <a:stretch>
+            <a:fillRect/>
+          </a:stretch>
+        </p:blipFill>
+        <p:spPr>
+          <a:xfrm>
+            <a:off x="5167422" y="1484024"/>
+            <a:ext cx="1776932" cy="1122128"/>
+          </a:xfrm>
+          <a:prstGeom prst="rect">
+            <a:avLst/>
+          </a:prstGeom>
+          <a:noFill/>
+          <a:ln>
+            <a:noFill/>
+          </a:ln>
+        </p:spPr>
+      </p:pic>
+      <p:sp>
+        <p:nvSpPr>
+          <p:cNvPr id="278" name="Google Shape;278;g35ee5cc475b_0_15"/>
+          <p:cNvSpPr txBox="1"/>
+          <p:nvPr/>
+        </p:nvSpPr>
+        <p:spPr>
+          <a:xfrm>
+            <a:off x="2243640" y="2783942"/>
+            <a:ext cx="1536600" cy="1884300"/>
+          </a:xfrm>
+          <a:prstGeom prst="rect">
+            <a:avLst/>
+          </a:prstGeom>
+          <a:solidFill>
+            <a:schemeClr val="accent1">
+              <a:alpha val="29800"/>
+            </a:schemeClr>
+          </a:solidFill>
+          <a:ln>
+            <a:noFill/>
+          </a:ln>
+        </p:spPr>
+        <p:txBody>
+          <a:bodyPr spcFirstLastPara="1" wrap="square" lIns="68575" tIns="34275" rIns="68575" bIns="34275" anchor="ctr" anchorCtr="0">
+            <a:noAutofit/>
+          </a:bodyPr>
+          <a:lstStyle/>
+          <a:p>
+            <a:pPr marL="200025" indent="-109537">
+              <a:buClr>
+                <a:srgbClr val="323F4F"/>
+              </a:buClr>
+              <a:buSzPts val="1100"/>
+              <a:buFont typeface="Arial"/>
+              <a:buChar char="•"/>
+            </a:pPr>
+            <a:r>
+              <a:rPr lang="es-ES" sz="1100" dirty="0">
+                <a:solidFill>
+                  <a:srgbClr val="323F4F"/>
+                </a:solidFill>
+                <a:latin typeface="Calibri"/>
+                <a:ea typeface="Calibri"/>
+                <a:cs typeface="Calibri"/>
+                <a:sym typeface="Calibri"/>
+              </a:rPr>
+              <a:t>Motor de procesamiento distribuido</a:t>
+            </a:r>
+            <a:endParaRPr sz="1100" dirty="0"/>
+          </a:p>
+          <a:p>
+            <a:pPr marL="200025" indent="-39687">
+              <a:buClr>
+                <a:schemeClr val="lt1"/>
+              </a:buClr>
+              <a:buSzPts val="1400"/>
+            </a:pPr>
+            <a:endParaRPr sz="1300" dirty="0">
+              <a:solidFill>
+                <a:srgbClr val="323F4F"/>
+              </a:solidFill>
+              <a:latin typeface="Calibri"/>
+              <a:ea typeface="Calibri"/>
+              <a:cs typeface="Calibri"/>
+              <a:sym typeface="Calibri"/>
+            </a:endParaRPr>
+          </a:p>
+          <a:p>
+            <a:pPr marL="200025" indent="-109537">
+              <a:buClr>
+                <a:srgbClr val="323F4F"/>
+              </a:buClr>
+              <a:buSzPts val="1100"/>
+              <a:buFont typeface="Arial"/>
+              <a:buChar char="•"/>
+            </a:pPr>
+            <a:r>
+              <a:rPr lang="es-ES" sz="1100" b="1" dirty="0">
+                <a:solidFill>
+                  <a:schemeClr val="dk1"/>
+                </a:solidFill>
+                <a:latin typeface="Calibri"/>
+                <a:ea typeface="Calibri"/>
+                <a:cs typeface="Calibri"/>
+                <a:sym typeface="Calibri"/>
+              </a:rPr>
+              <a:t>Corazón de </a:t>
+            </a:r>
+            <a:r>
+              <a:rPr lang="es-ES" sz="1100" b="1" dirty="0" err="1">
+                <a:solidFill>
+                  <a:schemeClr val="dk1"/>
+                </a:solidFill>
+                <a:latin typeface="Calibri"/>
+                <a:ea typeface="Calibri"/>
+                <a:cs typeface="Calibri"/>
+                <a:sym typeface="Calibri"/>
+              </a:rPr>
+              <a:t>Databricks</a:t>
+            </a:r>
+            <a:r>
+              <a:rPr lang="es-ES" sz="1100" dirty="0">
+                <a:solidFill>
+                  <a:schemeClr val="dk1"/>
+                </a:solidFill>
+                <a:latin typeface="Calibri"/>
+                <a:ea typeface="Calibri"/>
+                <a:cs typeface="Calibri"/>
+                <a:sym typeface="Calibri"/>
+              </a:rPr>
+              <a:t>: ejecuta todo (ETL, SQL, ML, </a:t>
+            </a:r>
+            <a:r>
+              <a:rPr lang="es-ES" sz="1100" dirty="0" err="1">
+                <a:solidFill>
+                  <a:schemeClr val="dk1"/>
+                </a:solidFill>
+                <a:latin typeface="Calibri"/>
+                <a:ea typeface="Calibri"/>
+                <a:cs typeface="Calibri"/>
+                <a:sym typeface="Calibri"/>
+              </a:rPr>
+              <a:t>streaming</a:t>
+            </a:r>
+            <a:r>
+              <a:rPr lang="es-ES" sz="1100" dirty="0">
+                <a:solidFill>
+                  <a:schemeClr val="dk1"/>
+                </a:solidFill>
+                <a:latin typeface="Calibri"/>
+                <a:ea typeface="Calibri"/>
+                <a:cs typeface="Calibri"/>
+                <a:sym typeface="Calibri"/>
+              </a:rPr>
+              <a:t>…)</a:t>
+            </a:r>
+            <a:endParaRPr dirty="0">
+              <a:solidFill>
+                <a:srgbClr val="323F4F"/>
+              </a:solidFill>
+              <a:latin typeface="Calibri"/>
+              <a:ea typeface="Calibri"/>
+              <a:cs typeface="Calibri"/>
+              <a:sym typeface="Calibri"/>
+            </a:endParaRPr>
+          </a:p>
+        </p:txBody>
+      </p:sp>
+      <p:sp>
+        <p:nvSpPr>
+          <p:cNvPr id="279" name="Google Shape;279;g35ee5cc475b_0_15"/>
+          <p:cNvSpPr txBox="1"/>
+          <p:nvPr/>
+        </p:nvSpPr>
+        <p:spPr>
+          <a:xfrm>
+            <a:off x="5287578" y="2783942"/>
+            <a:ext cx="1536600" cy="1884300"/>
+          </a:xfrm>
+          <a:prstGeom prst="rect">
+            <a:avLst/>
+          </a:prstGeom>
+          <a:solidFill>
+            <a:schemeClr val="accent1">
+              <a:alpha val="29800"/>
+            </a:schemeClr>
+          </a:solidFill>
+          <a:ln>
+            <a:noFill/>
+          </a:ln>
+        </p:spPr>
+        <p:txBody>
+          <a:bodyPr spcFirstLastPara="1" wrap="square" lIns="68575" tIns="34275" rIns="68575" bIns="34275" anchor="ctr" anchorCtr="0">
+            <a:noAutofit/>
+          </a:bodyPr>
+          <a:lstStyle/>
+          <a:p>
+            <a:pPr marL="200025" indent="-96837">
+              <a:buClr>
+                <a:srgbClr val="323F4F"/>
+              </a:buClr>
+              <a:buSzPts val="900"/>
+              <a:buFont typeface="Calibri"/>
+              <a:buChar char="•"/>
+            </a:pPr>
+            <a:r>
+              <a:rPr lang="es-ES" sz="1100">
+                <a:solidFill>
+                  <a:srgbClr val="323F4F"/>
+                </a:solidFill>
+                <a:latin typeface="Calibri"/>
+                <a:ea typeface="Calibri"/>
+                <a:cs typeface="Calibri"/>
+                <a:sym typeface="Calibri"/>
+              </a:rPr>
+              <a:t>Capa de almacenamiento transaccional sobre Spark</a:t>
+            </a:r>
+            <a:endParaRPr sz="1100">
+              <a:latin typeface="Calibri"/>
+              <a:ea typeface="Calibri"/>
+              <a:cs typeface="Calibri"/>
+              <a:sym typeface="Calibri"/>
+            </a:endParaRPr>
+          </a:p>
+          <a:p>
+            <a:pPr marL="200025" indent="-39687">
+              <a:buClr>
+                <a:schemeClr val="lt1"/>
+              </a:buClr>
+              <a:buSzPts val="1400"/>
+            </a:pPr>
+            <a:endParaRPr sz="1100">
+              <a:solidFill>
+                <a:srgbClr val="323F4F"/>
+              </a:solidFill>
+              <a:latin typeface="Calibri"/>
+              <a:ea typeface="Calibri"/>
+              <a:cs typeface="Calibri"/>
+              <a:sym typeface="Calibri"/>
+            </a:endParaRPr>
+          </a:p>
+          <a:p>
+            <a:pPr marL="200025" indent="-109537">
+              <a:buClr>
+                <a:srgbClr val="323F4F"/>
+              </a:buClr>
+              <a:buSzPts val="1100"/>
+              <a:buFont typeface="Arial"/>
+              <a:buChar char="•"/>
+            </a:pPr>
+            <a:r>
+              <a:rPr lang="es-ES" sz="1100" b="1">
+                <a:solidFill>
+                  <a:schemeClr val="dk1"/>
+                </a:solidFill>
+                <a:latin typeface="Calibri"/>
+                <a:ea typeface="Calibri"/>
+                <a:cs typeface="Calibri"/>
+                <a:sym typeface="Calibri"/>
+              </a:rPr>
+              <a:t>Sistema de archivos confiable</a:t>
+            </a:r>
+            <a:r>
+              <a:rPr lang="es-ES" sz="1100">
+                <a:solidFill>
+                  <a:schemeClr val="dk1"/>
+                </a:solidFill>
+                <a:latin typeface="Calibri"/>
+                <a:ea typeface="Calibri"/>
+                <a:cs typeface="Calibri"/>
+                <a:sym typeface="Calibri"/>
+              </a:rPr>
+              <a:t>: añade ACID, versionado, time travel</a:t>
+            </a:r>
+            <a:endParaRPr sz="1100">
+              <a:solidFill>
+                <a:srgbClr val="323F4F"/>
+              </a:solidFill>
+              <a:latin typeface="Calibri"/>
+              <a:ea typeface="Calibri"/>
+              <a:cs typeface="Calibri"/>
+              <a:sym typeface="Calibri"/>
+            </a:endParaRPr>
+          </a:p>
+        </p:txBody>
+      </p:sp>
+      <p:sp>
+        <p:nvSpPr>
+          <p:cNvPr id="280" name="Google Shape;280;g35ee5cc475b_0_15"/>
+          <p:cNvSpPr txBox="1"/>
+          <p:nvPr/>
+        </p:nvSpPr>
+        <p:spPr>
+          <a:xfrm>
+            <a:off x="8091203" y="2783942"/>
+            <a:ext cx="1536600" cy="1884300"/>
+          </a:xfrm>
+          <a:prstGeom prst="rect">
+            <a:avLst/>
+          </a:prstGeom>
+          <a:solidFill>
+            <a:schemeClr val="accent1">
+              <a:alpha val="29800"/>
+            </a:schemeClr>
+          </a:solidFill>
+          <a:ln>
+            <a:noFill/>
+          </a:ln>
+        </p:spPr>
+        <p:txBody>
+          <a:bodyPr spcFirstLastPara="1" wrap="square" lIns="68575" tIns="34275" rIns="68575" bIns="34275" anchor="ctr" anchorCtr="0">
+            <a:noAutofit/>
+          </a:bodyPr>
+          <a:lstStyle/>
+          <a:p>
+            <a:pPr marL="103188">
+              <a:buClr>
+                <a:srgbClr val="323F4F"/>
+              </a:buClr>
+              <a:buSzPts val="900"/>
+            </a:pPr>
+            <a:endParaRPr sz="1100" dirty="0">
+              <a:solidFill>
+                <a:srgbClr val="323F4F"/>
+              </a:solidFill>
+              <a:latin typeface="Calibri"/>
+              <a:ea typeface="Calibri"/>
+              <a:cs typeface="Calibri"/>
+              <a:sym typeface="Calibri"/>
+            </a:endParaRPr>
+          </a:p>
+        </p:txBody>
+      </p:sp>
+      <p:pic>
+        <p:nvPicPr>
+          <p:cNvPr id="7" name="Imagen 6" descr="Logotipo, nombre de la empresa&#10;&#10;El contenido generado por IA puede ser incorrecto.">
+            <a:extLst>
+              <a:ext uri="{FF2B5EF4-FFF2-40B4-BE49-F238E27FC236}">
+                <a16:creationId xmlns:a16="http://schemas.microsoft.com/office/drawing/2014/main" id="{3CCC971E-482A-2A1B-0FE0-BB62991CD44F}"/>
+              </a:ext>
+            </a:extLst>
+          </p:cNvPr>
+          <p:cNvPicPr>
+            <a:picLocks noChangeAspect="1"/>
+          </p:cNvPicPr>
+          <p:nvPr/>
+        </p:nvPicPr>
+        <p:blipFill>
+          <a:blip r:embed="rId5">
+            <a:extLst>
+              <a:ext uri="{28A0092B-C50C-407E-A947-70E740481C1C}">
+                <a14:useLocalDpi xmlns:a14="http://schemas.microsoft.com/office/drawing/2010/main" val="0"/>
+              </a:ext>
+            </a:extLst>
+          </a:blip>
+          <a:stretch>
+            <a:fillRect/>
+          </a:stretch>
+        </p:blipFill>
+        <p:spPr>
+          <a:xfrm>
+            <a:off x="7662452" y="1517012"/>
+            <a:ext cx="2167891" cy="1220213"/>
+          </a:xfrm>
+          <a:prstGeom prst="rect">
+            <a:avLst/>
+          </a:prstGeom>
+        </p:spPr>
+      </p:pic>
+    </p:spTree>
+  </p:cSld>
+  <p:clrMapOvr>
+    <a:masterClrMapping/>
+  </p:clrMapOvr>
+  <mc:AlternateContent xmlns:mc="http://schemas.openxmlformats.org/markup-compatibility/2006" xmlns:p14="http://schemas.microsoft.com/office/powerpoint/2010/main">
+    <mc:Choice Requires="p14">
+      <p:transition spd="med" p14:dur="700">
+        <p:fade/>
+      </p:transition>
+    </mc:Choice>
+    <mc:Fallback xmlns="" xmlns:mv="urn:schemas-microsoft-com:mac:vml" xmlns:c="http://schemas.openxmlformats.org/drawingml/2006/chart" xmlns:dgm="http://schemas.openxmlformats.org/drawingml/2006/diagram" xmlns:o="urn:schemas-microsoft-com:office:office" xmlns:v="urn:schemas-microsoft-com:vml" xmlns:pvml="urn:schemas-microsoft-com:office:powerpoint" xmlns:com="http://schemas.openxmlformats.org/drawingml/2006/compatibility" xmlns:p15="http://schemas.microsoft.com/office/powerpoint/2012/main" xmlns:ahyp="http://schemas.microsoft.com/office/drawing/2018/hyperlinkcolor">
+      <p:transition spd="slow">
+        <p:fade/>
+      </p:transition>
+    </mc:Fallback>
+  </mc:AlternateContent>
+</p:sld>
+</file>
+
+<file path=ppt/slides/slide4.xml><?xml version="1.0" encoding="utf-8"?>
+<p:sld xmlns:a="http://schemas.openxmlformats.org/drawingml/2006/main" xmlns:r="http://schemas.openxmlformats.org/officeDocument/2006/relationships" xmlns:p="http://schemas.openxmlformats.org/presentationml/2006/main">
+  <p:cSld>
+    <p:spTree>
+      <p:nvGrpSpPr>
+        <p:cNvPr id="1" name="Shape 285"/>
+        <p:cNvGrpSpPr/>
+        <p:nvPr/>
+      </p:nvGrpSpPr>
+      <p:grpSpPr>
+        <a:xfrm>
+          <a:off x="0" y="0"/>
+          <a:ext cx="0" cy="0"/>
+          <a:chOff x="0" y="0"/>
+          <a:chExt cx="0" cy="0"/>
+        </a:xfrm>
+      </p:grpSpPr>
+      <p:sp>
+        <p:nvSpPr>
+          <p:cNvPr id="286" name="Google Shape;286;g35ee5cc475b_0_40"/>
+          <p:cNvSpPr txBox="1">
+            <a:spLocks noGrp="1"/>
+          </p:cNvSpPr>
+          <p:nvPr>
+            <p:ph type="title"/>
+          </p:nvPr>
+        </p:nvSpPr>
+        <p:spPr>
+          <a:xfrm>
+            <a:off x="2152650" y="365125"/>
+            <a:ext cx="7886700" cy="543600"/>
+          </a:xfrm>
+          <a:prstGeom prst="rect">
+            <a:avLst/>
+          </a:prstGeom>
+          <a:noFill/>
+          <a:ln>
+            <a:noFill/>
+          </a:ln>
+        </p:spPr>
+        <p:txBody>
+          <a:bodyPr spcFirstLastPara="1" vert="horz" wrap="square" lIns="91425" tIns="45700" rIns="91425" bIns="45700" rtlCol="0" anchor="ctr" anchorCtr="0">
+            <a:normAutofit fontScale="90000"/>
+          </a:bodyPr>
+          <a:lstStyle/>
+          <a:p>
+            <a:pPr>
+              <a:spcBef>
+                <a:spcPts val="0"/>
+              </a:spcBef>
+              <a:buClr>
+                <a:schemeClr val="dk1"/>
+              </a:buClr>
+              <a:buSzPts val="2400"/>
+            </a:pPr>
+            <a:r>
+              <a:rPr lang="es-ES"/>
+              <a:t>Delta Lake</a:t>
+            </a:r>
+            <a:r>
+              <a:rPr lang="es-ES">
+                <a:solidFill>
+                  <a:schemeClr val="accent1"/>
+                </a:solidFill>
+              </a:rPr>
+              <a:t>| Data Warehouse</a:t>
+            </a:r>
+            <a:endParaRPr>
+              <a:solidFill>
+                <a:schemeClr val="accent1"/>
+              </a:solidFill>
+            </a:endParaRPr>
+          </a:p>
+        </p:txBody>
+      </p:sp>
+      <p:pic>
+        <p:nvPicPr>
+          <p:cNvPr id="287" name="Google Shape;287;g35ee5cc475b_0_40"/>
+          <p:cNvPicPr preferRelativeResize="0"/>
+          <p:nvPr/>
+        </p:nvPicPr>
+        <p:blipFill>
+          <a:blip r:embed="rId3">
+            <a:alphaModFix/>
+          </a:blip>
+          <a:stretch>
+            <a:fillRect/>
+          </a:stretch>
+        </p:blipFill>
+        <p:spPr>
+          <a:xfrm>
+            <a:off x="3383900" y="1173751"/>
+            <a:ext cx="3787450" cy="4276899"/>
+          </a:xfrm>
+          <a:prstGeom prst="rect">
+            <a:avLst/>
+          </a:prstGeom>
+          <a:noFill/>
+          <a:ln>
+            <a:noFill/>
+          </a:ln>
+        </p:spPr>
+      </p:pic>
+      <p:sp>
+        <p:nvSpPr>
+          <p:cNvPr id="288" name="Google Shape;288;g35ee5cc475b_0_40"/>
+          <p:cNvSpPr txBox="1"/>
+          <p:nvPr/>
+        </p:nvSpPr>
+        <p:spPr>
+          <a:xfrm>
+            <a:off x="7817050" y="1416400"/>
+            <a:ext cx="2289600" cy="3486900"/>
+          </a:xfrm>
+          <a:prstGeom prst="rect">
+            <a:avLst/>
+          </a:prstGeom>
+          <a:solidFill>
+            <a:schemeClr val="accent1">
+              <a:alpha val="29800"/>
+            </a:schemeClr>
+          </a:solidFill>
+          <a:ln>
+            <a:noFill/>
+          </a:ln>
+        </p:spPr>
+        <p:txBody>
+          <a:bodyPr spcFirstLastPara="1" wrap="square" lIns="68575" tIns="34275" rIns="68575" bIns="34275" anchor="t" anchorCtr="0">
+            <a:noAutofit/>
+          </a:bodyPr>
+          <a:lstStyle/>
+          <a:p>
+            <a:pPr algn="ctr"/>
+            <a:br>
+              <a:rPr lang="es-ES" sz="1100" b="1">
+                <a:solidFill>
+                  <a:srgbClr val="323F4F"/>
+                </a:solidFill>
+                <a:latin typeface="Calibri"/>
+                <a:ea typeface="Calibri"/>
+                <a:cs typeface="Calibri"/>
+                <a:sym typeface="Calibri"/>
+              </a:rPr>
+            </a:br>
+            <a:br>
+              <a:rPr lang="es-ES" sz="1100" b="1">
+                <a:solidFill>
+                  <a:srgbClr val="323F4F"/>
+                </a:solidFill>
+                <a:latin typeface="Calibri"/>
+                <a:ea typeface="Calibri"/>
+                <a:cs typeface="Calibri"/>
+                <a:sym typeface="Calibri"/>
+              </a:rPr>
+            </a:br>
+            <a:r>
+              <a:rPr lang="es-ES" sz="1100" b="1">
+                <a:solidFill>
+                  <a:srgbClr val="323F4F"/>
+                </a:solidFill>
+                <a:latin typeface="Calibri"/>
+                <a:ea typeface="Calibri"/>
+                <a:cs typeface="Calibri"/>
+                <a:sym typeface="Calibri"/>
+              </a:rPr>
+              <a:t>Data Warehouse</a:t>
+            </a:r>
+            <a:endParaRPr sz="1000">
+              <a:solidFill>
+                <a:schemeClr val="dk1"/>
+              </a:solidFill>
+            </a:endParaRPr>
+          </a:p>
+          <a:p>
+            <a:pPr>
+              <a:spcBef>
+                <a:spcPts val="1200"/>
+              </a:spcBef>
+            </a:pPr>
+            <a:r>
+              <a:rPr lang="es-ES" sz="1000">
+                <a:solidFill>
+                  <a:schemeClr val="dk1"/>
+                </a:solidFill>
+                <a:latin typeface="Calibri"/>
+                <a:ea typeface="Calibri"/>
+                <a:cs typeface="Calibri"/>
+                <a:sym typeface="Calibri"/>
+              </a:rPr>
+              <a:t>✅Pros: </a:t>
+            </a:r>
+            <a:br>
+              <a:rPr lang="es-ES" sz="1000">
+                <a:solidFill>
+                  <a:schemeClr val="dk1"/>
+                </a:solidFill>
+                <a:latin typeface="Calibri"/>
+                <a:ea typeface="Calibri"/>
+                <a:cs typeface="Calibri"/>
+                <a:sym typeface="Calibri"/>
+              </a:rPr>
+            </a:br>
+            <a:r>
+              <a:rPr lang="es-ES" sz="1000">
+                <a:solidFill>
+                  <a:schemeClr val="dk1"/>
+                </a:solidFill>
+                <a:latin typeface="Calibri"/>
+                <a:ea typeface="Calibri"/>
+                <a:cs typeface="Calibri"/>
+                <a:sym typeface="Calibri"/>
+              </a:rPr>
+              <a:t>1. Estructura clara y gobernabilidad</a:t>
+            </a:r>
+            <a:br>
+              <a:rPr lang="es-ES" sz="1000">
+                <a:solidFill>
+                  <a:schemeClr val="dk1"/>
+                </a:solidFill>
+                <a:latin typeface="Calibri"/>
+                <a:ea typeface="Calibri"/>
+                <a:cs typeface="Calibri"/>
+                <a:sym typeface="Calibri"/>
+              </a:rPr>
+            </a:br>
+            <a:r>
+              <a:rPr lang="es-ES" sz="1000">
+                <a:solidFill>
+                  <a:schemeClr val="dk1"/>
+                </a:solidFill>
+                <a:latin typeface="Calibri"/>
+                <a:ea typeface="Calibri"/>
+                <a:cs typeface="Calibri"/>
+                <a:sym typeface="Calibri"/>
+              </a:rPr>
+              <a:t>2. Ideal para </a:t>
+            </a:r>
+            <a:r>
+              <a:rPr lang="es-ES" sz="1000" b="1">
+                <a:solidFill>
+                  <a:schemeClr val="dk1"/>
+                </a:solidFill>
+                <a:latin typeface="Calibri"/>
+                <a:ea typeface="Calibri"/>
+                <a:cs typeface="Calibri"/>
+                <a:sym typeface="Calibri"/>
+              </a:rPr>
+              <a:t>BI y SQL tradicional</a:t>
+            </a:r>
+            <a:br>
+              <a:rPr lang="es-ES" sz="1000" b="1">
+                <a:solidFill>
+                  <a:schemeClr val="dk1"/>
+                </a:solidFill>
+              </a:rPr>
+            </a:br>
+            <a:endParaRPr sz="1000">
+              <a:solidFill>
+                <a:schemeClr val="dk1"/>
+              </a:solidFill>
+              <a:latin typeface="Calibri"/>
+              <a:ea typeface="Calibri"/>
+              <a:cs typeface="Calibri"/>
+              <a:sym typeface="Calibri"/>
+            </a:endParaRPr>
+          </a:p>
+          <a:p>
+            <a:pPr>
+              <a:lnSpc>
+                <a:spcPct val="115000"/>
+              </a:lnSpc>
+              <a:spcBef>
+                <a:spcPts val="1200"/>
+              </a:spcBef>
+              <a:spcAft>
+                <a:spcPts val="1200"/>
+              </a:spcAft>
+            </a:pPr>
+            <a:r>
+              <a:rPr lang="es-ES" sz="1000">
+                <a:solidFill>
+                  <a:schemeClr val="dk1"/>
+                </a:solidFill>
+                <a:latin typeface="Calibri"/>
+                <a:ea typeface="Calibri"/>
+                <a:cs typeface="Calibri"/>
+                <a:sym typeface="Calibri"/>
+              </a:rPr>
+              <a:t>❌Cons:</a:t>
+            </a:r>
+            <a:br>
+              <a:rPr lang="es-ES" sz="1000">
+                <a:solidFill>
+                  <a:schemeClr val="dk1"/>
+                </a:solidFill>
+                <a:latin typeface="Calibri"/>
+                <a:ea typeface="Calibri"/>
+                <a:cs typeface="Calibri"/>
+                <a:sym typeface="Calibri"/>
+              </a:rPr>
+            </a:br>
+            <a:r>
+              <a:rPr lang="es-ES" sz="1000">
+                <a:solidFill>
+                  <a:schemeClr val="dk1"/>
+                </a:solidFill>
+                <a:latin typeface="Calibri"/>
+                <a:ea typeface="Calibri"/>
+                <a:cs typeface="Calibri"/>
+                <a:sym typeface="Calibri"/>
+              </a:rPr>
+              <a:t>1. Difícil manejar datos </a:t>
+            </a:r>
+            <a:r>
+              <a:rPr lang="es-ES" sz="1000" b="1">
+                <a:solidFill>
+                  <a:schemeClr val="dk1"/>
+                </a:solidFill>
+                <a:latin typeface="Calibri"/>
+                <a:ea typeface="Calibri"/>
+                <a:cs typeface="Calibri"/>
+                <a:sym typeface="Calibri"/>
+              </a:rPr>
+              <a:t>no estructurados</a:t>
+            </a:r>
+            <a:r>
+              <a:rPr lang="es-ES" sz="1000">
+                <a:solidFill>
+                  <a:schemeClr val="dk1"/>
+                </a:solidFill>
+                <a:latin typeface="Calibri"/>
+                <a:ea typeface="Calibri"/>
+                <a:cs typeface="Calibri"/>
+                <a:sym typeface="Calibri"/>
+              </a:rPr>
+              <a:t> (audio, video, texto)</a:t>
+            </a:r>
+            <a:br>
+              <a:rPr lang="es-ES" sz="1000">
+                <a:solidFill>
+                  <a:schemeClr val="dk1"/>
+                </a:solidFill>
+                <a:latin typeface="Calibri"/>
+                <a:ea typeface="Calibri"/>
+                <a:cs typeface="Calibri"/>
+                <a:sym typeface="Calibri"/>
+              </a:rPr>
+            </a:br>
+            <a:r>
+              <a:rPr lang="es-ES" sz="1000">
+                <a:solidFill>
+                  <a:schemeClr val="dk1"/>
+                </a:solidFill>
+                <a:latin typeface="Calibri"/>
+                <a:ea typeface="Calibri"/>
+                <a:cs typeface="Calibri"/>
+                <a:sym typeface="Calibri"/>
+              </a:rPr>
+              <a:t>2. No está pensado para </a:t>
+            </a:r>
+            <a:r>
+              <a:rPr lang="es-ES" sz="1000" b="1">
+                <a:solidFill>
+                  <a:schemeClr val="dk1"/>
+                </a:solidFill>
+                <a:latin typeface="Calibri"/>
+                <a:ea typeface="Calibri"/>
+                <a:cs typeface="Calibri"/>
+                <a:sym typeface="Calibri"/>
+              </a:rPr>
+              <a:t>Machine Learning</a:t>
+            </a:r>
+            <a:r>
+              <a:rPr lang="es-ES" sz="1000">
+                <a:solidFill>
+                  <a:schemeClr val="dk1"/>
+                </a:solidFill>
+                <a:latin typeface="Calibri"/>
+                <a:ea typeface="Calibri"/>
+                <a:cs typeface="Calibri"/>
+                <a:sym typeface="Calibri"/>
+              </a:rPr>
+              <a:t> ni </a:t>
+            </a:r>
+            <a:r>
+              <a:rPr lang="es-ES" sz="1000" b="1">
+                <a:solidFill>
+                  <a:schemeClr val="dk1"/>
+                </a:solidFill>
+                <a:latin typeface="Calibri"/>
+                <a:ea typeface="Calibri"/>
+                <a:cs typeface="Calibri"/>
+                <a:sym typeface="Calibri"/>
+              </a:rPr>
+              <a:t>ciencia de datos</a:t>
+            </a:r>
+            <a:br>
+              <a:rPr lang="es-ES" sz="1000" b="1">
+                <a:solidFill>
+                  <a:schemeClr val="dk1"/>
+                </a:solidFill>
+                <a:latin typeface="Calibri"/>
+                <a:ea typeface="Calibri"/>
+                <a:cs typeface="Calibri"/>
+                <a:sym typeface="Calibri"/>
+              </a:rPr>
+            </a:br>
+            <a:r>
+              <a:rPr lang="es-ES" sz="1000">
+                <a:solidFill>
+                  <a:schemeClr val="dk1"/>
+                </a:solidFill>
+                <a:latin typeface="Calibri"/>
+                <a:ea typeface="Calibri"/>
+                <a:cs typeface="Calibri"/>
+                <a:sym typeface="Calibri"/>
+              </a:rPr>
+              <a:t>3. Poco flexible ante grandes volúmenes o variedad de datos</a:t>
+            </a:r>
+            <a:endParaRPr sz="1100">
+              <a:solidFill>
+                <a:srgbClr val="323F4F"/>
+              </a:solidFill>
+              <a:latin typeface="Calibri"/>
+              <a:ea typeface="Calibri"/>
+              <a:cs typeface="Calibri"/>
+              <a:sym typeface="Calibri"/>
+            </a:endParaRPr>
+          </a:p>
+        </p:txBody>
+      </p:sp>
+    </p:spTree>
+  </p:cSld>
+  <p:clrMapOvr>
+    <a:masterClrMapping/>
+  </p:clrMapOvr>
+  <mc:AlternateContent xmlns:mc="http://schemas.openxmlformats.org/markup-compatibility/2006" xmlns:p14="http://schemas.microsoft.com/office/powerpoint/2010/main">
+    <mc:Choice Requires="p14">
+      <p:transition spd="med" p14:dur="700">
+        <p:fade/>
+      </p:transition>
+    </mc:Choice>
+    <mc:Fallback xmlns="" xmlns:mv="urn:schemas-microsoft-com:mac:vml" xmlns:c="http://schemas.openxmlformats.org/drawingml/2006/chart" xmlns:dgm="http://schemas.openxmlformats.org/drawingml/2006/diagram" xmlns:o="urn:schemas-microsoft-com:office:office" xmlns:v="urn:schemas-microsoft-com:vml" xmlns:pvml="urn:schemas-microsoft-com:office:powerpoint" xmlns:com="http://schemas.openxmlformats.org/drawingml/2006/compatibility" xmlns:p15="http://schemas.microsoft.com/office/powerpoint/2012/main" xmlns:ahyp="http://schemas.microsoft.com/office/drawing/2018/hyperlinkcolor">
+      <p:transition spd="slow">
+        <p:fade/>
+      </p:transition>
+    </mc:Fallback>
+  </mc:AlternateContent>
+</p:sld>
+</file>
+
+<file path=ppt/slides/slide5.xml><?xml version="1.0" encoding="utf-8"?>
+<p:sld xmlns:a="http://schemas.openxmlformats.org/drawingml/2006/main" xmlns:r="http://schemas.openxmlformats.org/officeDocument/2006/relationships" xmlns:p="http://schemas.openxmlformats.org/presentationml/2006/main">
+  <p:cSld>
+    <p:spTree>
+      <p:nvGrpSpPr>
+        <p:cNvPr id="1" name="Shape 293"/>
+        <p:cNvGrpSpPr/>
+        <p:nvPr/>
+      </p:nvGrpSpPr>
+      <p:grpSpPr>
+        <a:xfrm>
+          <a:off x="0" y="0"/>
+          <a:ext cx="0" cy="0"/>
+          <a:chOff x="0" y="0"/>
+          <a:chExt cx="0" cy="0"/>
+        </a:xfrm>
+      </p:grpSpPr>
+      <p:sp>
+        <p:nvSpPr>
+          <p:cNvPr id="294" name="Google Shape;294;g35ee5cc475b_0_54"/>
+          <p:cNvSpPr txBox="1"/>
+          <p:nvPr/>
+        </p:nvSpPr>
+        <p:spPr>
+          <a:xfrm>
+            <a:off x="7871149" y="1578725"/>
+            <a:ext cx="2289600" cy="3514200"/>
+          </a:xfrm>
+          <a:prstGeom prst="rect">
+            <a:avLst/>
+          </a:prstGeom>
+          <a:solidFill>
+            <a:schemeClr val="accent1">
+              <a:alpha val="29800"/>
+            </a:schemeClr>
+          </a:solidFill>
+          <a:ln>
+            <a:noFill/>
+          </a:ln>
+        </p:spPr>
+        <p:txBody>
+          <a:bodyPr spcFirstLastPara="1" wrap="square" lIns="68575" tIns="34275" rIns="68575" bIns="34275" anchor="t" anchorCtr="0">
+            <a:noAutofit/>
+          </a:bodyPr>
+          <a:lstStyle/>
+          <a:p>
+            <a:pPr algn="ctr"/>
+            <a:br>
+              <a:rPr lang="es-ES" sz="1100" b="1" dirty="0">
+                <a:solidFill>
+                  <a:srgbClr val="323F4F"/>
+                </a:solidFill>
+                <a:latin typeface="Calibri"/>
+                <a:ea typeface="Calibri"/>
+                <a:cs typeface="Calibri"/>
+                <a:sym typeface="Calibri"/>
+              </a:rPr>
+            </a:br>
+            <a:br>
+              <a:rPr lang="es-ES" sz="1100" b="1" dirty="0">
+                <a:solidFill>
+                  <a:srgbClr val="323F4F"/>
+                </a:solidFill>
+                <a:latin typeface="Calibri"/>
+                <a:ea typeface="Calibri"/>
+                <a:cs typeface="Calibri"/>
+                <a:sym typeface="Calibri"/>
+              </a:rPr>
+            </a:br>
+            <a:r>
+              <a:rPr lang="es-ES" sz="1100" b="1" dirty="0">
+                <a:solidFill>
+                  <a:srgbClr val="323F4F"/>
+                </a:solidFill>
+                <a:latin typeface="Calibri"/>
+                <a:ea typeface="Calibri"/>
+                <a:cs typeface="Calibri"/>
+                <a:sym typeface="Calibri"/>
+              </a:rPr>
+              <a:t>Data Lake</a:t>
+            </a:r>
+            <a:endParaRPr sz="1100" dirty="0">
+              <a:solidFill>
+                <a:srgbClr val="323F4F"/>
+              </a:solidFill>
+              <a:latin typeface="Calibri"/>
+              <a:ea typeface="Calibri"/>
+              <a:cs typeface="Calibri"/>
+              <a:sym typeface="Calibri"/>
+            </a:endParaRPr>
+          </a:p>
+          <a:p>
+            <a:pPr>
+              <a:lnSpc>
+                <a:spcPct val="115000"/>
+              </a:lnSpc>
+              <a:spcBef>
+                <a:spcPts val="1200"/>
+              </a:spcBef>
+            </a:pPr>
+            <a:r>
+              <a:rPr lang="es-ES" sz="1000" dirty="0">
+                <a:solidFill>
+                  <a:srgbClr val="323F4F"/>
+                </a:solidFill>
+                <a:latin typeface="Calibri"/>
+                <a:ea typeface="Calibri"/>
+                <a:cs typeface="Calibri"/>
+                <a:sym typeface="Calibri"/>
+              </a:rPr>
+              <a:t>✅ Pros:</a:t>
+            </a:r>
+            <a:br>
+              <a:rPr lang="es-ES" sz="1000" dirty="0">
+                <a:solidFill>
+                  <a:srgbClr val="323F4F"/>
+                </a:solidFill>
+                <a:latin typeface="Calibri"/>
+                <a:ea typeface="Calibri"/>
+                <a:cs typeface="Calibri"/>
+                <a:sym typeface="Calibri"/>
+              </a:rPr>
+            </a:br>
+            <a:r>
+              <a:rPr lang="es-ES" sz="1000" dirty="0">
+                <a:solidFill>
+                  <a:srgbClr val="323F4F"/>
+                </a:solidFill>
+                <a:latin typeface="Calibri"/>
+                <a:ea typeface="Calibri"/>
+                <a:cs typeface="Calibri"/>
+                <a:sym typeface="Calibri"/>
+              </a:rPr>
+              <a:t>1. Escalable y económico (almacenamiento en bruto)</a:t>
+            </a:r>
+            <a:br>
+              <a:rPr lang="es-ES" sz="1000" dirty="0">
+                <a:solidFill>
+                  <a:srgbClr val="323F4F"/>
+                </a:solidFill>
+                <a:latin typeface="Calibri"/>
+                <a:ea typeface="Calibri"/>
+                <a:cs typeface="Calibri"/>
+                <a:sym typeface="Calibri"/>
+              </a:rPr>
+            </a:br>
+            <a:r>
+              <a:rPr lang="es-ES" sz="1000" dirty="0">
+                <a:solidFill>
+                  <a:srgbClr val="323F4F"/>
+                </a:solidFill>
+                <a:latin typeface="Calibri"/>
+                <a:ea typeface="Calibri"/>
+                <a:cs typeface="Calibri"/>
+                <a:sym typeface="Calibri"/>
+              </a:rPr>
+              <a:t>2. Acepta </a:t>
+            </a:r>
+            <a:r>
+              <a:rPr lang="es-ES" sz="1000" b="1" dirty="0">
+                <a:solidFill>
+                  <a:srgbClr val="323F4F"/>
+                </a:solidFill>
+                <a:latin typeface="Calibri"/>
+                <a:ea typeface="Calibri"/>
+                <a:cs typeface="Calibri"/>
+                <a:sym typeface="Calibri"/>
+              </a:rPr>
+              <a:t>cualquier tipo de datos</a:t>
+            </a:r>
+            <a:r>
+              <a:rPr lang="es-ES" sz="1000" dirty="0">
+                <a:solidFill>
+                  <a:srgbClr val="323F4F"/>
+                </a:solidFill>
+                <a:latin typeface="Calibri"/>
+                <a:ea typeface="Calibri"/>
+                <a:cs typeface="Calibri"/>
+                <a:sym typeface="Calibri"/>
+              </a:rPr>
+              <a:t> (estructurados o no)</a:t>
+            </a:r>
+            <a:br>
+              <a:rPr lang="es-ES" sz="1000" dirty="0">
+                <a:solidFill>
+                  <a:srgbClr val="323F4F"/>
+                </a:solidFill>
+                <a:latin typeface="Calibri"/>
+                <a:ea typeface="Calibri"/>
+                <a:cs typeface="Calibri"/>
+                <a:sym typeface="Calibri"/>
+              </a:rPr>
+            </a:br>
+            <a:br>
+              <a:rPr lang="es-ES" sz="1000" dirty="0">
+                <a:solidFill>
+                  <a:srgbClr val="323F4F"/>
+                </a:solidFill>
+                <a:latin typeface="Calibri"/>
+                <a:ea typeface="Calibri"/>
+                <a:cs typeface="Calibri"/>
+                <a:sym typeface="Calibri"/>
+              </a:rPr>
+            </a:br>
+            <a:r>
+              <a:rPr lang="es-ES" sz="1000" dirty="0">
+                <a:solidFill>
+                  <a:schemeClr val="dk1"/>
+                </a:solidFill>
+                <a:latin typeface="Calibri"/>
+                <a:ea typeface="Calibri"/>
+                <a:cs typeface="Calibri"/>
+                <a:sym typeface="Calibri"/>
+              </a:rPr>
+              <a:t>❌</a:t>
+            </a:r>
+            <a:r>
+              <a:rPr lang="es-ES" sz="1000" dirty="0" err="1">
+                <a:solidFill>
+                  <a:schemeClr val="dk1"/>
+                </a:solidFill>
+                <a:latin typeface="Calibri"/>
+                <a:ea typeface="Calibri"/>
+                <a:cs typeface="Calibri"/>
+                <a:sym typeface="Calibri"/>
+              </a:rPr>
+              <a:t>Cons</a:t>
+            </a:r>
+            <a:r>
+              <a:rPr lang="es-ES" sz="1000" dirty="0">
+                <a:solidFill>
+                  <a:schemeClr val="dk1"/>
+                </a:solidFill>
+                <a:latin typeface="Calibri"/>
+                <a:ea typeface="Calibri"/>
+                <a:cs typeface="Calibri"/>
+                <a:sym typeface="Calibri"/>
+              </a:rPr>
+              <a:t>:</a:t>
+            </a:r>
+            <a:br>
+              <a:rPr lang="es-ES" sz="1000" dirty="0">
+                <a:solidFill>
+                  <a:schemeClr val="dk1"/>
+                </a:solidFill>
+                <a:latin typeface="Calibri"/>
+                <a:ea typeface="Calibri"/>
+                <a:cs typeface="Calibri"/>
+                <a:sym typeface="Calibri"/>
+              </a:rPr>
+            </a:br>
+            <a:r>
+              <a:rPr lang="es-ES" sz="1000" dirty="0">
+                <a:solidFill>
+                  <a:schemeClr val="dk1"/>
+                </a:solidFill>
+                <a:latin typeface="Calibri"/>
+                <a:ea typeface="Calibri"/>
+                <a:cs typeface="Calibri"/>
+                <a:sym typeface="Calibri"/>
+              </a:rPr>
+              <a:t>1. </a:t>
+            </a:r>
+            <a:r>
+              <a:rPr lang="es-ES" sz="1000" b="1" dirty="0">
+                <a:solidFill>
+                  <a:schemeClr val="dk1"/>
+                </a:solidFill>
+                <a:latin typeface="Calibri"/>
+                <a:ea typeface="Calibri"/>
+                <a:cs typeface="Calibri"/>
+                <a:sym typeface="Calibri"/>
+              </a:rPr>
+              <a:t>Sin control de calidad</a:t>
+            </a:r>
+            <a:r>
+              <a:rPr lang="es-ES" sz="1000" dirty="0">
+                <a:solidFill>
+                  <a:schemeClr val="dk1"/>
+                </a:solidFill>
+                <a:latin typeface="Calibri"/>
+                <a:ea typeface="Calibri"/>
+                <a:cs typeface="Calibri"/>
+                <a:sym typeface="Calibri"/>
+              </a:rPr>
+              <a:t> → puede volverse una "ciénaga de datos"</a:t>
+            </a:r>
+            <a:br>
+              <a:rPr lang="es-ES" sz="1000" dirty="0">
+                <a:solidFill>
+                  <a:schemeClr val="dk1"/>
+                </a:solidFill>
+                <a:latin typeface="Calibri"/>
+                <a:ea typeface="Calibri"/>
+                <a:cs typeface="Calibri"/>
+                <a:sym typeface="Calibri"/>
+              </a:rPr>
+            </a:br>
+            <a:r>
+              <a:rPr lang="es-ES" sz="1000" dirty="0">
+                <a:solidFill>
+                  <a:schemeClr val="dk1"/>
+                </a:solidFill>
+                <a:latin typeface="Calibri"/>
+                <a:ea typeface="Calibri"/>
+                <a:cs typeface="Calibri"/>
+                <a:sym typeface="Calibri"/>
+              </a:rPr>
+              <a:t>2. Bajo rendimiento para consultas</a:t>
+            </a:r>
+            <a:br>
+              <a:rPr lang="es-ES" sz="1000" dirty="0">
+                <a:solidFill>
+                  <a:schemeClr val="dk1"/>
+                </a:solidFill>
+                <a:latin typeface="Calibri"/>
+                <a:ea typeface="Calibri"/>
+                <a:cs typeface="Calibri"/>
+                <a:sym typeface="Calibri"/>
+              </a:rPr>
+            </a:br>
+            <a:r>
+              <a:rPr lang="es-ES" sz="1000" dirty="0">
+                <a:solidFill>
+                  <a:schemeClr val="dk1"/>
+                </a:solidFill>
+                <a:latin typeface="Calibri"/>
+                <a:ea typeface="Calibri"/>
+                <a:cs typeface="Calibri"/>
+                <a:sym typeface="Calibri"/>
+              </a:rPr>
+              <a:t>3. Mala integración con herramientas BI</a:t>
+            </a:r>
+            <a:br>
+              <a:rPr lang="es-ES" sz="1000" dirty="0">
+                <a:solidFill>
+                  <a:schemeClr val="dk1"/>
+                </a:solidFill>
+                <a:latin typeface="Calibri"/>
+                <a:ea typeface="Calibri"/>
+                <a:cs typeface="Calibri"/>
+                <a:sym typeface="Calibri"/>
+              </a:rPr>
+            </a:br>
+            <a:r>
+              <a:rPr lang="es-ES" sz="1000" dirty="0">
+                <a:solidFill>
+                  <a:schemeClr val="dk1"/>
+                </a:solidFill>
+                <a:latin typeface="Calibri"/>
+                <a:ea typeface="Calibri"/>
+                <a:cs typeface="Calibri"/>
+                <a:sym typeface="Calibri"/>
+              </a:rPr>
+              <a:t>4. No garantiza integridad ni transacciones</a:t>
+            </a:r>
+            <a:endParaRPr sz="1000" dirty="0">
+              <a:solidFill>
+                <a:schemeClr val="dk1"/>
+              </a:solidFill>
+              <a:latin typeface="Calibri"/>
+              <a:ea typeface="Calibri"/>
+              <a:cs typeface="Calibri"/>
+              <a:sym typeface="Calibri"/>
+            </a:endParaRPr>
+          </a:p>
+          <a:p>
+            <a:pPr>
+              <a:lnSpc>
+                <a:spcPct val="115000"/>
+              </a:lnSpc>
+              <a:spcBef>
+                <a:spcPts val="1200"/>
+              </a:spcBef>
+            </a:pPr>
+            <a:endParaRPr sz="1100" dirty="0">
+              <a:solidFill>
+                <a:schemeClr val="dk1"/>
+              </a:solidFill>
+              <a:latin typeface="Calibri"/>
+              <a:ea typeface="Calibri"/>
+              <a:cs typeface="Calibri"/>
+              <a:sym typeface="Calibri"/>
+            </a:endParaRPr>
+          </a:p>
+          <a:p>
+            <a:pPr>
+              <a:lnSpc>
+                <a:spcPct val="115000"/>
+              </a:lnSpc>
+              <a:spcBef>
+                <a:spcPts val="1200"/>
+              </a:spcBef>
+            </a:pPr>
+            <a:endParaRPr sz="1100" dirty="0">
+              <a:solidFill>
+                <a:srgbClr val="323F4F"/>
+              </a:solidFill>
+              <a:latin typeface="Calibri"/>
+              <a:ea typeface="Calibri"/>
+              <a:cs typeface="Calibri"/>
+              <a:sym typeface="Calibri"/>
+            </a:endParaRPr>
+          </a:p>
+        </p:txBody>
+      </p:sp>
+      <p:sp>
+        <p:nvSpPr>
+          <p:cNvPr id="295" name="Google Shape;295;g35ee5cc475b_0_54"/>
+          <p:cNvSpPr txBox="1">
+            <a:spLocks noGrp="1"/>
+          </p:cNvSpPr>
+          <p:nvPr>
+            <p:ph type="title"/>
+          </p:nvPr>
+        </p:nvSpPr>
+        <p:spPr>
+          <a:xfrm>
+            <a:off x="2152650" y="365125"/>
+            <a:ext cx="7886700" cy="543600"/>
+          </a:xfrm>
+          <a:prstGeom prst="rect">
+            <a:avLst/>
+          </a:prstGeom>
+          <a:noFill/>
+          <a:ln>
+            <a:noFill/>
+          </a:ln>
+        </p:spPr>
+        <p:txBody>
+          <a:bodyPr spcFirstLastPara="1" vert="horz" wrap="square" lIns="91425" tIns="45700" rIns="91425" bIns="45700" rtlCol="0" anchor="ctr" anchorCtr="0">
+            <a:normAutofit fontScale="90000"/>
+          </a:bodyPr>
+          <a:lstStyle/>
+          <a:p>
+            <a:pPr>
+              <a:spcBef>
+                <a:spcPts val="0"/>
+              </a:spcBef>
+              <a:buClr>
+                <a:schemeClr val="dk1"/>
+              </a:buClr>
+              <a:buSzPts val="2400"/>
+            </a:pPr>
+            <a:r>
+              <a:rPr lang="es-ES" dirty="0"/>
+              <a:t>Delta Lake</a:t>
+            </a:r>
+            <a:r>
+              <a:rPr lang="es-ES" dirty="0">
+                <a:solidFill>
+                  <a:schemeClr val="accent1"/>
+                </a:solidFill>
+              </a:rPr>
+              <a:t>| Data Lake</a:t>
+            </a:r>
+            <a:endParaRPr dirty="0">
+              <a:solidFill>
+                <a:schemeClr val="accent1"/>
+              </a:solidFill>
+            </a:endParaRPr>
+          </a:p>
+        </p:txBody>
+      </p:sp>
+      <p:pic>
+        <p:nvPicPr>
+          <p:cNvPr id="296" name="Google Shape;296;g35ee5cc475b_0_54"/>
+          <p:cNvPicPr preferRelativeResize="0"/>
+          <p:nvPr/>
+        </p:nvPicPr>
+        <p:blipFill>
+          <a:blip r:embed="rId3">
+            <a:alphaModFix/>
+          </a:blip>
+          <a:stretch>
+            <a:fillRect/>
+          </a:stretch>
+        </p:blipFill>
+        <p:spPr>
+          <a:xfrm>
+            <a:off x="3267975" y="1090750"/>
+            <a:ext cx="3869600" cy="4490150"/>
+          </a:xfrm>
+          <a:prstGeom prst="rect">
+            <a:avLst/>
+          </a:prstGeom>
+          <a:noFill/>
+          <a:ln>
+            <a:noFill/>
+          </a:ln>
+        </p:spPr>
+      </p:pic>
+    </p:spTree>
+  </p:cSld>
+  <p:clrMapOvr>
+    <a:masterClrMapping/>
+  </p:clrMapOvr>
+  <mc:AlternateContent xmlns:mc="http://schemas.openxmlformats.org/markup-compatibility/2006" xmlns:p14="http://schemas.microsoft.com/office/powerpoint/2010/main">
+    <mc:Choice Requires="p14">
+      <p:transition spd="med" p14:dur="700">
+        <p:fade/>
+      </p:transition>
+    </mc:Choice>
+    <mc:Fallback xmlns="" xmlns:mv="urn:schemas-microsoft-com:mac:vml" xmlns:c="http://schemas.openxmlformats.org/drawingml/2006/chart" xmlns:dgm="http://schemas.openxmlformats.org/drawingml/2006/diagram" xmlns:o="urn:schemas-microsoft-com:office:office" xmlns:v="urn:schemas-microsoft-com:vml" xmlns:pvml="urn:schemas-microsoft-com:office:powerpoint" xmlns:com="http://schemas.openxmlformats.org/drawingml/2006/compatibility" xmlns:p15="http://schemas.microsoft.com/office/powerpoint/2012/main" xmlns:ahyp="http://schemas.microsoft.com/office/drawing/2018/hyperlinkcolor">
+      <p:transition spd="slow">
+        <p:fade/>
+      </p:transition>
+    </mc:Fallback>
+  </mc:AlternateContent>
+</p:sld>
+</file>
+
+<file path=ppt/slides/slide6.xml><?xml version="1.0" encoding="utf-8"?>
+<p:sld xmlns:a="http://schemas.openxmlformats.org/drawingml/2006/main" xmlns:r="http://schemas.openxmlformats.org/officeDocument/2006/relationships" xmlns:p="http://schemas.openxmlformats.org/presentationml/2006/main">
+  <p:cSld>
+    <p:spTree>
+      <p:nvGrpSpPr>
+        <p:cNvPr id="1" name="Shape 301"/>
+        <p:cNvGrpSpPr/>
+        <p:nvPr/>
+      </p:nvGrpSpPr>
+      <p:grpSpPr>
+        <a:xfrm>
+          <a:off x="0" y="0"/>
+          <a:ext cx="0" cy="0"/>
+          <a:chOff x="0" y="0"/>
+          <a:chExt cx="0" cy="0"/>
+        </a:xfrm>
+      </p:grpSpPr>
+      <p:sp>
+        <p:nvSpPr>
+          <p:cNvPr id="302" name="Google Shape;302;g35ee5cc475b_0_63"/>
+          <p:cNvSpPr txBox="1"/>
+          <p:nvPr/>
+        </p:nvSpPr>
+        <p:spPr>
+          <a:xfrm>
+            <a:off x="2653500" y="4835775"/>
+            <a:ext cx="6885000" cy="811500"/>
+          </a:xfrm>
+          <a:prstGeom prst="rect">
+            <a:avLst/>
+          </a:prstGeom>
+          <a:solidFill>
+            <a:schemeClr val="accent1">
+              <a:alpha val="29800"/>
+            </a:schemeClr>
+          </a:solidFill>
+          <a:ln>
+            <a:noFill/>
+          </a:ln>
+        </p:spPr>
+        <p:txBody>
+          <a:bodyPr spcFirstLastPara="1" wrap="square" lIns="68575" tIns="34275" rIns="68575" bIns="34275" anchor="t" anchorCtr="0">
+            <a:noAutofit/>
+          </a:bodyPr>
+          <a:lstStyle/>
+          <a:p>
+            <a:pPr>
+              <a:lnSpc>
+                <a:spcPct val="115000"/>
+              </a:lnSpc>
+            </a:pPr>
+            <a:r>
+              <a:rPr lang="es-ES" sz="1000" dirty="0">
+                <a:solidFill>
+                  <a:schemeClr val="dk1"/>
+                </a:solidFill>
+                <a:latin typeface="Calibri"/>
+                <a:ea typeface="Calibri"/>
+                <a:cs typeface="Calibri"/>
+                <a:sym typeface="Calibri"/>
+              </a:rPr>
+              <a:t>El </a:t>
+            </a:r>
+            <a:r>
+              <a:rPr lang="es-ES" sz="1000" b="1" dirty="0">
+                <a:solidFill>
+                  <a:schemeClr val="dk1"/>
+                </a:solidFill>
+                <a:latin typeface="Calibri"/>
+                <a:ea typeface="Calibri"/>
+                <a:cs typeface="Calibri"/>
+                <a:sym typeface="Calibri"/>
+              </a:rPr>
+              <a:t>Data</a:t>
+            </a:r>
+            <a:r>
+              <a:rPr lang="es-ES" sz="1000" dirty="0">
+                <a:solidFill>
+                  <a:schemeClr val="dk1"/>
+                </a:solidFill>
+                <a:latin typeface="Calibri"/>
+                <a:ea typeface="Calibri"/>
+                <a:cs typeface="Calibri"/>
+                <a:sym typeface="Calibri"/>
+              </a:rPr>
+              <a:t> </a:t>
+            </a:r>
+            <a:r>
+              <a:rPr lang="es-ES" sz="1000" b="1" dirty="0" err="1">
+                <a:solidFill>
+                  <a:schemeClr val="dk1"/>
+                </a:solidFill>
+                <a:latin typeface="Calibri"/>
+                <a:ea typeface="Calibri"/>
+                <a:cs typeface="Calibri"/>
+                <a:sym typeface="Calibri"/>
+              </a:rPr>
+              <a:t>Lakehouse</a:t>
+            </a:r>
+            <a:r>
+              <a:rPr lang="es-ES" sz="1000" dirty="0">
+                <a:solidFill>
+                  <a:schemeClr val="dk1"/>
+                </a:solidFill>
+                <a:latin typeface="Calibri"/>
+                <a:ea typeface="Calibri"/>
+                <a:cs typeface="Calibri"/>
+                <a:sym typeface="Calibri"/>
+              </a:rPr>
+              <a:t> es la </a:t>
+            </a:r>
+            <a:r>
+              <a:rPr lang="es-ES" sz="1000" b="1" dirty="0">
+                <a:solidFill>
+                  <a:schemeClr val="dk1"/>
+                </a:solidFill>
+                <a:latin typeface="Calibri"/>
+                <a:ea typeface="Calibri"/>
+                <a:cs typeface="Calibri"/>
+                <a:sym typeface="Calibri"/>
+              </a:rPr>
+              <a:t>evolución natural</a:t>
+            </a:r>
+            <a:r>
+              <a:rPr lang="es-ES" sz="1000" dirty="0">
+                <a:solidFill>
+                  <a:schemeClr val="dk1"/>
+                </a:solidFill>
+                <a:latin typeface="Calibri"/>
+                <a:ea typeface="Calibri"/>
+                <a:cs typeface="Calibri"/>
+                <a:sym typeface="Calibri"/>
+              </a:rPr>
+              <a:t> que:</a:t>
+            </a:r>
+            <a:br>
+              <a:rPr lang="es-ES" sz="1000" dirty="0">
+                <a:solidFill>
+                  <a:schemeClr val="dk1"/>
+                </a:solidFill>
+                <a:latin typeface="Calibri"/>
+                <a:ea typeface="Calibri"/>
+                <a:cs typeface="Calibri"/>
+                <a:sym typeface="Calibri"/>
+              </a:rPr>
+            </a:br>
+            <a:br>
+              <a:rPr lang="es-ES" sz="1000" dirty="0">
+                <a:solidFill>
+                  <a:schemeClr val="dk1"/>
+                </a:solidFill>
+                <a:latin typeface="Calibri"/>
+                <a:ea typeface="Calibri"/>
+                <a:cs typeface="Calibri"/>
+                <a:sym typeface="Calibri"/>
+              </a:rPr>
+            </a:br>
+            <a:r>
+              <a:rPr lang="es-ES" sz="1000" dirty="0">
+                <a:solidFill>
+                  <a:schemeClr val="dk1"/>
+                </a:solidFill>
+                <a:latin typeface="Calibri"/>
+                <a:ea typeface="Calibri"/>
+                <a:cs typeface="Calibri"/>
+                <a:sym typeface="Calibri"/>
+              </a:rPr>
+              <a:t>1. Une lo </a:t>
+            </a:r>
+            <a:r>
+              <a:rPr lang="es-ES" sz="1000" b="1" dirty="0">
+                <a:solidFill>
+                  <a:schemeClr val="dk1"/>
+                </a:solidFill>
+                <a:latin typeface="Calibri"/>
+                <a:ea typeface="Calibri"/>
+                <a:cs typeface="Calibri"/>
+                <a:sym typeface="Calibri"/>
+              </a:rPr>
+              <a:t>mejor del Data </a:t>
+            </a:r>
+            <a:r>
+              <a:rPr lang="es-ES" sz="1000" b="1" dirty="0" err="1">
+                <a:solidFill>
+                  <a:schemeClr val="dk1"/>
+                </a:solidFill>
+                <a:latin typeface="Calibri"/>
+                <a:ea typeface="Calibri"/>
+                <a:cs typeface="Calibri"/>
+                <a:sym typeface="Calibri"/>
+              </a:rPr>
+              <a:t>Warehouse</a:t>
+            </a:r>
+            <a:r>
+              <a:rPr lang="es-ES" sz="1000" dirty="0">
+                <a:solidFill>
+                  <a:schemeClr val="dk1"/>
+                </a:solidFill>
+                <a:latin typeface="Calibri"/>
+                <a:ea typeface="Calibri"/>
+                <a:cs typeface="Calibri"/>
+                <a:sym typeface="Calibri"/>
+              </a:rPr>
+              <a:t> (gobierno, fiabilidad, rendimiento)</a:t>
+            </a:r>
+            <a:br>
+              <a:rPr lang="es-ES" sz="1000" dirty="0">
+                <a:solidFill>
+                  <a:schemeClr val="dk1"/>
+                </a:solidFill>
+                <a:latin typeface="Calibri"/>
+                <a:ea typeface="Calibri"/>
+                <a:cs typeface="Calibri"/>
+                <a:sym typeface="Calibri"/>
+              </a:rPr>
+            </a:br>
+            <a:r>
+              <a:rPr lang="es-ES" sz="1000" dirty="0">
+                <a:solidFill>
+                  <a:schemeClr val="dk1"/>
+                </a:solidFill>
+                <a:latin typeface="Calibri"/>
+                <a:ea typeface="Calibri"/>
+                <a:cs typeface="Calibri"/>
+                <a:sym typeface="Calibri"/>
+              </a:rPr>
+              <a:t>2. Con lo </a:t>
+            </a:r>
+            <a:r>
+              <a:rPr lang="es-ES" sz="1000" b="1" dirty="0">
+                <a:solidFill>
+                  <a:schemeClr val="dk1"/>
+                </a:solidFill>
+                <a:latin typeface="Calibri"/>
+                <a:ea typeface="Calibri"/>
+                <a:cs typeface="Calibri"/>
+                <a:sym typeface="Calibri"/>
+              </a:rPr>
+              <a:t>mejor del Data Lake</a:t>
+            </a:r>
+            <a:r>
+              <a:rPr lang="es-ES" sz="1000" dirty="0">
+                <a:solidFill>
+                  <a:schemeClr val="dk1"/>
+                </a:solidFill>
+                <a:latin typeface="Calibri"/>
+                <a:ea typeface="Calibri"/>
+                <a:cs typeface="Calibri"/>
+                <a:sym typeface="Calibri"/>
+              </a:rPr>
+              <a:t> (flexibilidad, diversidad, escalabilidad)</a:t>
+            </a:r>
+            <a:endParaRPr sz="1000" dirty="0">
+              <a:solidFill>
+                <a:schemeClr val="dk1"/>
+              </a:solidFill>
+              <a:latin typeface="Calibri"/>
+              <a:ea typeface="Calibri"/>
+              <a:cs typeface="Calibri"/>
+              <a:sym typeface="Calibri"/>
+            </a:endParaRPr>
+          </a:p>
+          <a:p>
+            <a:pPr>
+              <a:lnSpc>
+                <a:spcPct val="115000"/>
+              </a:lnSpc>
+            </a:pPr>
+            <a:endParaRPr sz="1100" dirty="0">
+              <a:solidFill>
+                <a:srgbClr val="323F4F"/>
+              </a:solidFill>
+              <a:latin typeface="Calibri"/>
+              <a:ea typeface="Calibri"/>
+              <a:cs typeface="Calibri"/>
+              <a:sym typeface="Calibri"/>
+            </a:endParaRPr>
+          </a:p>
+        </p:txBody>
+      </p:sp>
+      <p:pic>
+        <p:nvPicPr>
+          <p:cNvPr id="304" name="Google Shape;304;g35ee5cc475b_0_63"/>
+          <p:cNvPicPr preferRelativeResize="0"/>
+          <p:nvPr/>
+        </p:nvPicPr>
+        <p:blipFill>
+          <a:blip r:embed="rId3">
+            <a:alphaModFix/>
+          </a:blip>
+          <a:stretch>
+            <a:fillRect/>
+          </a:stretch>
+        </p:blipFill>
+        <p:spPr>
+          <a:xfrm>
+            <a:off x="2499438" y="1217626"/>
+            <a:ext cx="7193124" cy="3011675"/>
+          </a:xfrm>
+          <a:prstGeom prst="rect">
+            <a:avLst/>
+          </a:prstGeom>
+          <a:noFill/>
+          <a:ln>
+            <a:noFill/>
+          </a:ln>
+        </p:spPr>
+      </p:pic>
+      <p:sp>
+        <p:nvSpPr>
+          <p:cNvPr id="2" name="Google Shape;288;g35ee5cc475b_0_40">
+            <a:extLst>
+              <a:ext uri="{FF2B5EF4-FFF2-40B4-BE49-F238E27FC236}">
+                <a16:creationId xmlns:a16="http://schemas.microsoft.com/office/drawing/2014/main" id="{705E88E7-B596-8AA5-7EF7-F2FE88D46F7B}"/>
+              </a:ext>
+            </a:extLst>
+          </p:cNvPr>
+          <p:cNvSpPr txBox="1"/>
+          <p:nvPr/>
+        </p:nvSpPr>
+        <p:spPr>
+          <a:xfrm>
+            <a:off x="127200" y="1217626"/>
+            <a:ext cx="2025450" cy="3157524"/>
+          </a:xfrm>
+          <a:prstGeom prst="rect">
+            <a:avLst/>
+          </a:prstGeom>
+          <a:solidFill>
+            <a:srgbClr val="156082">
+              <a:alpha val="3922"/>
+            </a:srgbClr>
+          </a:solidFill>
+          <a:ln>
+            <a:noFill/>
+          </a:ln>
+        </p:spPr>
+        <p:txBody>
+          <a:bodyPr spcFirstLastPara="1" wrap="square" lIns="68575" tIns="34275" rIns="68575" bIns="34275" anchor="t" anchorCtr="0">
+            <a:noAutofit/>
+          </a:bodyPr>
+          <a:lstStyle/>
+          <a:p>
+            <a:pPr algn="ctr"/>
+            <a:br>
+              <a:rPr lang="es-ES" sz="1100" b="1" dirty="0">
+                <a:solidFill>
+                  <a:schemeClr val="bg1">
+                    <a:lumMod val="50000"/>
+                  </a:schemeClr>
+                </a:solidFill>
+                <a:latin typeface="Calibri"/>
+                <a:ea typeface="Calibri"/>
+                <a:cs typeface="Calibri"/>
+                <a:sym typeface="Calibri"/>
+              </a:rPr>
+            </a:br>
+            <a:br>
+              <a:rPr lang="es-ES" sz="1100" b="1" dirty="0">
+                <a:solidFill>
+                  <a:schemeClr val="bg1">
+                    <a:lumMod val="50000"/>
+                  </a:schemeClr>
+                </a:solidFill>
+                <a:latin typeface="Calibri"/>
+                <a:ea typeface="Calibri"/>
+                <a:cs typeface="Calibri"/>
+                <a:sym typeface="Calibri"/>
+              </a:rPr>
+            </a:br>
+            <a:r>
+              <a:rPr lang="es-ES" sz="1100" b="1" dirty="0">
+                <a:solidFill>
+                  <a:schemeClr val="bg1">
+                    <a:lumMod val="50000"/>
+                  </a:schemeClr>
+                </a:solidFill>
+                <a:latin typeface="Calibri"/>
+                <a:ea typeface="Calibri"/>
+                <a:cs typeface="Calibri"/>
+                <a:sym typeface="Calibri"/>
+              </a:rPr>
+              <a:t>Data </a:t>
+            </a:r>
+            <a:r>
+              <a:rPr lang="es-ES" sz="1100" b="1" dirty="0" err="1">
+                <a:solidFill>
+                  <a:schemeClr val="bg1">
+                    <a:lumMod val="50000"/>
+                  </a:schemeClr>
+                </a:solidFill>
+                <a:latin typeface="Calibri"/>
+                <a:ea typeface="Calibri"/>
+                <a:cs typeface="Calibri"/>
+                <a:sym typeface="Calibri"/>
+              </a:rPr>
+              <a:t>Warehouse</a:t>
+            </a:r>
+            <a:endParaRPr sz="1000" dirty="0">
+              <a:solidFill>
+                <a:schemeClr val="bg1">
+                  <a:lumMod val="50000"/>
+                </a:schemeClr>
+              </a:solidFill>
+            </a:endParaRPr>
+          </a:p>
+          <a:p>
+            <a:pPr>
+              <a:spcBef>
+                <a:spcPts val="1200"/>
+              </a:spcBef>
+            </a:pPr>
+            <a:r>
+              <a:rPr lang="es-ES" sz="1000" dirty="0">
+                <a:solidFill>
+                  <a:schemeClr val="bg1">
+                    <a:lumMod val="50000"/>
+                  </a:schemeClr>
+                </a:solidFill>
+                <a:latin typeface="Calibri"/>
+                <a:ea typeface="Calibri"/>
+                <a:cs typeface="Calibri"/>
+                <a:sym typeface="Calibri"/>
+              </a:rPr>
+              <a:t>Pros: </a:t>
+            </a:r>
+            <a:br>
+              <a:rPr lang="es-ES" sz="1000" dirty="0">
+                <a:solidFill>
+                  <a:schemeClr val="bg1">
+                    <a:lumMod val="50000"/>
+                  </a:schemeClr>
+                </a:solidFill>
+                <a:latin typeface="Calibri"/>
+                <a:ea typeface="Calibri"/>
+                <a:cs typeface="Calibri"/>
+                <a:sym typeface="Calibri"/>
+              </a:rPr>
+            </a:br>
+            <a:r>
+              <a:rPr lang="es-ES" sz="1000" dirty="0">
+                <a:solidFill>
+                  <a:schemeClr val="bg1">
+                    <a:lumMod val="50000"/>
+                  </a:schemeClr>
+                </a:solidFill>
+                <a:latin typeface="Calibri"/>
+                <a:ea typeface="Calibri"/>
+                <a:cs typeface="Calibri"/>
+                <a:sym typeface="Calibri"/>
+              </a:rPr>
+              <a:t>1. Estructura clara y gobernabilidad</a:t>
+            </a:r>
+            <a:br>
+              <a:rPr lang="es-ES" sz="1000" dirty="0">
+                <a:solidFill>
+                  <a:schemeClr val="bg1">
+                    <a:lumMod val="50000"/>
+                  </a:schemeClr>
+                </a:solidFill>
+                <a:latin typeface="Calibri"/>
+                <a:ea typeface="Calibri"/>
+                <a:cs typeface="Calibri"/>
+                <a:sym typeface="Calibri"/>
+              </a:rPr>
+            </a:br>
+            <a:r>
+              <a:rPr lang="es-ES" sz="1000" dirty="0">
+                <a:solidFill>
+                  <a:schemeClr val="bg1">
+                    <a:lumMod val="50000"/>
+                  </a:schemeClr>
+                </a:solidFill>
+                <a:latin typeface="Calibri"/>
+                <a:ea typeface="Calibri"/>
+                <a:cs typeface="Calibri"/>
+                <a:sym typeface="Calibri"/>
+              </a:rPr>
+              <a:t>2. Ideal para </a:t>
+            </a:r>
+            <a:r>
+              <a:rPr lang="es-ES" sz="1000" b="1" dirty="0">
+                <a:solidFill>
+                  <a:schemeClr val="bg1">
+                    <a:lumMod val="50000"/>
+                  </a:schemeClr>
+                </a:solidFill>
+                <a:latin typeface="Calibri"/>
+                <a:ea typeface="Calibri"/>
+                <a:cs typeface="Calibri"/>
+                <a:sym typeface="Calibri"/>
+              </a:rPr>
+              <a:t>BI y SQL tradicional</a:t>
+            </a:r>
+            <a:br>
+              <a:rPr lang="es-ES" sz="1000" b="1" dirty="0">
+                <a:solidFill>
+                  <a:schemeClr val="bg1">
+                    <a:lumMod val="50000"/>
+                  </a:schemeClr>
+                </a:solidFill>
+              </a:rPr>
+            </a:br>
+            <a:endParaRPr sz="1000" dirty="0">
+              <a:solidFill>
+                <a:schemeClr val="bg1">
+                  <a:lumMod val="50000"/>
+                </a:schemeClr>
+              </a:solidFill>
+              <a:latin typeface="Calibri"/>
+              <a:ea typeface="Calibri"/>
+              <a:cs typeface="Calibri"/>
+              <a:sym typeface="Calibri"/>
+            </a:endParaRPr>
+          </a:p>
+          <a:p>
+            <a:pPr>
+              <a:lnSpc>
+                <a:spcPct val="115000"/>
+              </a:lnSpc>
+              <a:spcBef>
+                <a:spcPts val="1200"/>
+              </a:spcBef>
+              <a:spcAft>
+                <a:spcPts val="1200"/>
+              </a:spcAft>
+            </a:pPr>
+            <a:r>
+              <a:rPr lang="es-ES" sz="1000" dirty="0" err="1">
+                <a:solidFill>
+                  <a:schemeClr val="bg1">
+                    <a:lumMod val="50000"/>
+                  </a:schemeClr>
+                </a:solidFill>
+                <a:latin typeface="Calibri"/>
+                <a:ea typeface="Calibri"/>
+                <a:cs typeface="Calibri"/>
+                <a:sym typeface="Calibri"/>
+              </a:rPr>
+              <a:t>Cons</a:t>
+            </a:r>
+            <a:r>
+              <a:rPr lang="es-ES" sz="1000" dirty="0">
+                <a:solidFill>
+                  <a:schemeClr val="bg1">
+                    <a:lumMod val="50000"/>
+                  </a:schemeClr>
+                </a:solidFill>
+                <a:latin typeface="Calibri"/>
+                <a:ea typeface="Calibri"/>
+                <a:cs typeface="Calibri"/>
+                <a:sym typeface="Calibri"/>
+              </a:rPr>
+              <a:t>:</a:t>
+            </a:r>
+            <a:br>
+              <a:rPr lang="es-ES" sz="1000" dirty="0">
+                <a:solidFill>
+                  <a:schemeClr val="bg1">
+                    <a:lumMod val="50000"/>
+                  </a:schemeClr>
+                </a:solidFill>
+                <a:latin typeface="Calibri"/>
+                <a:ea typeface="Calibri"/>
+                <a:cs typeface="Calibri"/>
+                <a:sym typeface="Calibri"/>
+              </a:rPr>
+            </a:br>
+            <a:r>
+              <a:rPr lang="es-ES" sz="1000" dirty="0">
+                <a:solidFill>
+                  <a:schemeClr val="bg1">
+                    <a:lumMod val="50000"/>
+                  </a:schemeClr>
+                </a:solidFill>
+                <a:latin typeface="Calibri"/>
+                <a:ea typeface="Calibri"/>
+                <a:cs typeface="Calibri"/>
+                <a:sym typeface="Calibri"/>
+              </a:rPr>
+              <a:t>1. Difícil manejar datos </a:t>
+            </a:r>
+            <a:r>
+              <a:rPr lang="es-ES" sz="1000" b="1" dirty="0">
+                <a:solidFill>
+                  <a:schemeClr val="bg1">
+                    <a:lumMod val="50000"/>
+                  </a:schemeClr>
+                </a:solidFill>
+                <a:latin typeface="Calibri"/>
+                <a:ea typeface="Calibri"/>
+                <a:cs typeface="Calibri"/>
+                <a:sym typeface="Calibri"/>
+              </a:rPr>
+              <a:t>no estructurados</a:t>
+            </a:r>
+            <a:r>
+              <a:rPr lang="es-ES" sz="1000" dirty="0">
+                <a:solidFill>
+                  <a:schemeClr val="bg1">
+                    <a:lumMod val="50000"/>
+                  </a:schemeClr>
+                </a:solidFill>
+                <a:latin typeface="Calibri"/>
+                <a:ea typeface="Calibri"/>
+                <a:cs typeface="Calibri"/>
+                <a:sym typeface="Calibri"/>
+              </a:rPr>
+              <a:t> (audio, video, texto)</a:t>
+            </a:r>
+            <a:br>
+              <a:rPr lang="es-ES" sz="1000" dirty="0">
+                <a:solidFill>
+                  <a:schemeClr val="bg1">
+                    <a:lumMod val="50000"/>
+                  </a:schemeClr>
+                </a:solidFill>
+                <a:latin typeface="Calibri"/>
+                <a:ea typeface="Calibri"/>
+                <a:cs typeface="Calibri"/>
+                <a:sym typeface="Calibri"/>
+              </a:rPr>
+            </a:br>
+            <a:r>
+              <a:rPr lang="es-ES" sz="1000" dirty="0">
+                <a:solidFill>
+                  <a:schemeClr val="bg1">
+                    <a:lumMod val="50000"/>
+                  </a:schemeClr>
+                </a:solidFill>
+                <a:latin typeface="Calibri"/>
+                <a:ea typeface="Calibri"/>
+                <a:cs typeface="Calibri"/>
+                <a:sym typeface="Calibri"/>
+              </a:rPr>
+              <a:t>2. No está pensado para </a:t>
+            </a:r>
+            <a:r>
+              <a:rPr lang="es-ES" sz="1000" b="1" dirty="0">
+                <a:solidFill>
+                  <a:schemeClr val="bg1">
+                    <a:lumMod val="50000"/>
+                  </a:schemeClr>
+                </a:solidFill>
+                <a:latin typeface="Calibri"/>
+                <a:ea typeface="Calibri"/>
+                <a:cs typeface="Calibri"/>
+                <a:sym typeface="Calibri"/>
+              </a:rPr>
+              <a:t>Machine </a:t>
+            </a:r>
+            <a:r>
+              <a:rPr lang="es-ES" sz="1000" b="1" dirty="0" err="1">
+                <a:solidFill>
+                  <a:schemeClr val="bg1">
+                    <a:lumMod val="50000"/>
+                  </a:schemeClr>
+                </a:solidFill>
+                <a:latin typeface="Calibri"/>
+                <a:ea typeface="Calibri"/>
+                <a:cs typeface="Calibri"/>
+                <a:sym typeface="Calibri"/>
+              </a:rPr>
+              <a:t>Learning</a:t>
+            </a:r>
+            <a:r>
+              <a:rPr lang="es-ES" sz="1000" dirty="0">
+                <a:solidFill>
+                  <a:schemeClr val="bg1">
+                    <a:lumMod val="50000"/>
+                  </a:schemeClr>
+                </a:solidFill>
+                <a:latin typeface="Calibri"/>
+                <a:ea typeface="Calibri"/>
+                <a:cs typeface="Calibri"/>
+                <a:sym typeface="Calibri"/>
+              </a:rPr>
+              <a:t> ni </a:t>
+            </a:r>
+            <a:r>
+              <a:rPr lang="es-ES" sz="1000" b="1" dirty="0">
+                <a:solidFill>
+                  <a:schemeClr val="bg1">
+                    <a:lumMod val="50000"/>
+                  </a:schemeClr>
+                </a:solidFill>
+                <a:latin typeface="Calibri"/>
+                <a:ea typeface="Calibri"/>
+                <a:cs typeface="Calibri"/>
+                <a:sym typeface="Calibri"/>
+              </a:rPr>
+              <a:t>ciencia de datos</a:t>
+            </a:r>
+            <a:br>
+              <a:rPr lang="es-ES" sz="1000" b="1" dirty="0">
+                <a:solidFill>
+                  <a:schemeClr val="bg1">
+                    <a:lumMod val="50000"/>
+                  </a:schemeClr>
+                </a:solidFill>
+                <a:latin typeface="Calibri"/>
+                <a:ea typeface="Calibri"/>
+                <a:cs typeface="Calibri"/>
+                <a:sym typeface="Calibri"/>
+              </a:rPr>
+            </a:br>
+            <a:r>
+              <a:rPr lang="es-ES" sz="1000" dirty="0">
+                <a:solidFill>
+                  <a:schemeClr val="bg1">
+                    <a:lumMod val="50000"/>
+                  </a:schemeClr>
+                </a:solidFill>
+                <a:latin typeface="Calibri"/>
+                <a:ea typeface="Calibri"/>
+                <a:cs typeface="Calibri"/>
+                <a:sym typeface="Calibri"/>
+              </a:rPr>
+              <a:t>3. Poco flexible ante grandes volúmenes o variedad de datos</a:t>
+            </a:r>
+            <a:endParaRPr sz="1100" dirty="0">
+              <a:solidFill>
+                <a:schemeClr val="bg1">
+                  <a:lumMod val="50000"/>
+                </a:schemeClr>
+              </a:solidFill>
+              <a:latin typeface="Calibri"/>
+              <a:ea typeface="Calibri"/>
+              <a:cs typeface="Calibri"/>
+              <a:sym typeface="Calibri"/>
+            </a:endParaRPr>
+          </a:p>
+        </p:txBody>
+      </p:sp>
+      <p:sp>
+        <p:nvSpPr>
+          <p:cNvPr id="3" name="Google Shape;294;g35ee5cc475b_0_54">
+            <a:extLst>
+              <a:ext uri="{FF2B5EF4-FFF2-40B4-BE49-F238E27FC236}">
+                <a16:creationId xmlns:a16="http://schemas.microsoft.com/office/drawing/2014/main" id="{650D6D0B-7E68-F152-586A-0E30244EC659}"/>
+              </a:ext>
+            </a:extLst>
+          </p:cNvPr>
+          <p:cNvSpPr txBox="1"/>
+          <p:nvPr/>
+        </p:nvSpPr>
+        <p:spPr>
+          <a:xfrm>
+            <a:off x="10039350" y="1217626"/>
+            <a:ext cx="2025450" cy="3157524"/>
+          </a:xfrm>
+          <a:prstGeom prst="rect">
+            <a:avLst/>
+          </a:prstGeom>
+          <a:solidFill>
+            <a:srgbClr val="156082">
+              <a:alpha val="3922"/>
+            </a:srgbClr>
+          </a:solidFill>
+          <a:ln>
+            <a:noFill/>
+          </a:ln>
+        </p:spPr>
+        <p:txBody>
+          <a:bodyPr spcFirstLastPara="1" wrap="square" lIns="68575" tIns="34275" rIns="68575" bIns="34275" anchor="t" anchorCtr="0">
+            <a:noAutofit/>
+          </a:bodyPr>
+          <a:lstStyle>
+            <a:defPPr>
+              <a:defRPr lang="es-ES"/>
+            </a:defPPr>
+            <a:lvl1pPr algn="ctr">
+              <a:defRPr sz="1100" b="1">
+                <a:solidFill>
+                  <a:schemeClr val="bg1">
+                    <a:lumMod val="50000"/>
+                  </a:schemeClr>
+                </a:solidFill>
+                <a:latin typeface="Calibri"/>
+                <a:ea typeface="Calibri"/>
+                <a:cs typeface="Calibri"/>
+              </a:defRPr>
+            </a:lvl1pPr>
+          </a:lstStyle>
+          <a:p>
+            <a:br>
+              <a:rPr lang="es-ES" dirty="0">
+                <a:sym typeface="Calibri"/>
+              </a:rPr>
+            </a:br>
+            <a:br>
+              <a:rPr lang="es-ES" dirty="0">
+                <a:sym typeface="Calibri"/>
+              </a:rPr>
+            </a:br>
+            <a:r>
+              <a:rPr lang="es-ES" dirty="0">
+                <a:sym typeface="Calibri"/>
+              </a:rPr>
+              <a:t>Data Lake</a:t>
+            </a:r>
+            <a:endParaRPr dirty="0">
+              <a:sym typeface="Calibri"/>
+            </a:endParaRPr>
+          </a:p>
+          <a:p>
+            <a:pPr algn="l"/>
+            <a:r>
+              <a:rPr lang="es-ES" sz="1000" b="0" dirty="0">
+                <a:sym typeface="Calibri"/>
+              </a:rPr>
+              <a:t>Pros:</a:t>
+            </a:r>
+            <a:br>
+              <a:rPr lang="es-ES" sz="1000" b="0" dirty="0">
+                <a:sym typeface="Calibri"/>
+              </a:rPr>
+            </a:br>
+            <a:r>
+              <a:rPr lang="es-ES" sz="1000" b="0" dirty="0">
+                <a:sym typeface="Calibri"/>
+              </a:rPr>
+              <a:t>1. Escalable y económico (almacenamiento en bruto)</a:t>
+            </a:r>
+            <a:br>
+              <a:rPr lang="es-ES" sz="1000" b="0" dirty="0">
+                <a:sym typeface="Calibri"/>
+              </a:rPr>
+            </a:br>
+            <a:r>
+              <a:rPr lang="es-ES" sz="1000" b="0" dirty="0">
+                <a:sym typeface="Calibri"/>
+              </a:rPr>
+              <a:t>2. Acepta cualquier tipo de datos (estructurados o no)</a:t>
+            </a:r>
+            <a:br>
+              <a:rPr lang="es-ES" sz="1000" b="0" dirty="0">
+                <a:sym typeface="Calibri"/>
+              </a:rPr>
+            </a:br>
+            <a:br>
+              <a:rPr lang="es-ES" sz="1000" b="0" dirty="0">
+                <a:sym typeface="Calibri"/>
+              </a:rPr>
+            </a:br>
+            <a:r>
+              <a:rPr lang="es-ES" sz="1000" b="0" dirty="0" err="1">
+                <a:sym typeface="Calibri"/>
+              </a:rPr>
+              <a:t>Cons</a:t>
+            </a:r>
+            <a:r>
+              <a:rPr lang="es-ES" sz="1000" b="0" dirty="0">
+                <a:sym typeface="Calibri"/>
+              </a:rPr>
+              <a:t>:</a:t>
+            </a:r>
+            <a:br>
+              <a:rPr lang="es-ES" sz="1000" b="0" dirty="0">
+                <a:sym typeface="Calibri"/>
+              </a:rPr>
+            </a:br>
+            <a:r>
+              <a:rPr lang="es-ES" sz="1000" b="0" dirty="0">
+                <a:sym typeface="Calibri"/>
+              </a:rPr>
+              <a:t>1. Sin control de calidad → puede volverse una "ciénaga de datos"</a:t>
+            </a:r>
+            <a:br>
+              <a:rPr lang="es-ES" sz="1000" b="0" dirty="0">
+                <a:sym typeface="Calibri"/>
+              </a:rPr>
+            </a:br>
+            <a:r>
+              <a:rPr lang="es-ES" sz="1000" b="0" dirty="0">
+                <a:sym typeface="Calibri"/>
+              </a:rPr>
+              <a:t>2. Bajo rendimiento para consultas</a:t>
+            </a:r>
+            <a:br>
+              <a:rPr lang="es-ES" sz="1000" b="0" dirty="0">
+                <a:sym typeface="Calibri"/>
+              </a:rPr>
+            </a:br>
+            <a:r>
+              <a:rPr lang="es-ES" sz="1000" b="0" dirty="0">
+                <a:sym typeface="Calibri"/>
+              </a:rPr>
+              <a:t>3. Mala integración con herramientas BI</a:t>
+            </a:r>
+            <a:br>
+              <a:rPr lang="es-ES" sz="1000" b="0" dirty="0">
+                <a:sym typeface="Calibri"/>
+              </a:rPr>
+            </a:br>
+            <a:r>
+              <a:rPr lang="es-ES" sz="1000" b="0" dirty="0">
+                <a:sym typeface="Calibri"/>
+              </a:rPr>
+              <a:t>4. No garantiza integridad ni transacciones</a:t>
+            </a:r>
+            <a:endParaRPr sz="1000" b="0" dirty="0">
+              <a:sym typeface="Calibri"/>
+            </a:endParaRPr>
+          </a:p>
+          <a:p>
+            <a:endParaRPr dirty="0">
+              <a:sym typeface="Calibri"/>
+            </a:endParaRPr>
+          </a:p>
+          <a:p>
+            <a:endParaRPr dirty="0">
+              <a:sym typeface="Calibri"/>
+            </a:endParaRPr>
+          </a:p>
+        </p:txBody>
+      </p:sp>
+      <p:sp>
+        <p:nvSpPr>
+          <p:cNvPr id="4" name="Google Shape;274;g35ee5cc475b_0_15">
+            <a:extLst>
+              <a:ext uri="{FF2B5EF4-FFF2-40B4-BE49-F238E27FC236}">
+                <a16:creationId xmlns:a16="http://schemas.microsoft.com/office/drawing/2014/main" id="{C9581D65-1176-4E49-E4B1-8860507A0273}"/>
+              </a:ext>
+            </a:extLst>
+          </p:cNvPr>
+          <p:cNvSpPr txBox="1">
+            <a:spLocks/>
+          </p:cNvSpPr>
+          <p:nvPr/>
+        </p:nvSpPr>
+        <p:spPr>
+          <a:xfrm>
+            <a:off x="350164" y="194087"/>
+            <a:ext cx="7886700" cy="543600"/>
+          </a:xfrm>
+          <a:prstGeom prst="rect">
+            <a:avLst/>
+          </a:prstGeom>
+          <a:noFill/>
+          <a:ln>
+            <a:noFill/>
+          </a:ln>
+        </p:spPr>
+        <p:txBody>
+          <a:bodyPr spcFirstLastPara="1" vert="horz" wrap="square" lIns="91425" tIns="45700" rIns="91425" bIns="45700" rtlCol="0" anchor="ctr" anchorCtr="0">
+            <a:normAutofit/>
+          </a:bodyPr>
+          <a:lstStyle>
+            <a:lvl1pPr algn="l" defTabSz="914400" rtl="0" eaLnBrk="1" latinLnBrk="0" hangingPunct="1">
+              <a:lnSpc>
+                <a:spcPct val="90000"/>
+              </a:lnSpc>
+              <a:spcBef>
+                <a:spcPct val="0"/>
+              </a:spcBef>
+              <a:buNone/>
+              <a:defRPr sz="4400" kern="1200">
+                <a:solidFill>
+                  <a:schemeClr val="tx1"/>
+                </a:solidFill>
+                <a:latin typeface="+mj-lt"/>
+                <a:ea typeface="+mj-ea"/>
+                <a:cs typeface="+mj-cs"/>
+              </a:defRPr>
+            </a:lvl1pPr>
+          </a:lstStyle>
+          <a:p>
+            <a:pPr>
+              <a:spcBef>
+                <a:spcPts val="0"/>
+              </a:spcBef>
+              <a:buClr>
+                <a:schemeClr val="dk1"/>
+              </a:buClr>
+              <a:buSzPts val="2400"/>
+            </a:pPr>
+            <a:r>
+              <a:rPr lang="es-ES" sz="2400" b="1" dirty="0" err="1">
+                <a:latin typeface="Montserrat" panose="00000500000000000000" pitchFamily="2" charset="0"/>
+                <a:cs typeface="Mongolian Baiti" panose="03000500000000000000" pitchFamily="66" charset="0"/>
+              </a:rPr>
+              <a:t>Databricks</a:t>
+            </a:r>
+            <a:r>
+              <a:rPr lang="es-ES" sz="2400" b="1" dirty="0">
+                <a:latin typeface="Montserrat" panose="00000500000000000000" pitchFamily="2" charset="0"/>
+                <a:cs typeface="Mongolian Baiti" panose="03000500000000000000" pitchFamily="66" charset="0"/>
+              </a:rPr>
+              <a:t> </a:t>
+            </a:r>
+            <a:r>
+              <a:rPr lang="es-ES" sz="2400" b="1" dirty="0">
+                <a:solidFill>
+                  <a:schemeClr val="accent1"/>
+                </a:solidFill>
+                <a:latin typeface="Montserrat" panose="00000500000000000000" pitchFamily="2" charset="0"/>
+                <a:cs typeface="Mongolian Baiti" panose="03000500000000000000" pitchFamily="66" charset="0"/>
+              </a:rPr>
+              <a:t>| Data </a:t>
+            </a:r>
+            <a:r>
+              <a:rPr lang="es-ES" sz="2400" b="1" dirty="0" err="1">
+                <a:solidFill>
+                  <a:schemeClr val="accent1"/>
+                </a:solidFill>
+                <a:latin typeface="Montserrat" panose="00000500000000000000" pitchFamily="2" charset="0"/>
+                <a:cs typeface="Mongolian Baiti" panose="03000500000000000000" pitchFamily="66" charset="0"/>
+              </a:rPr>
+              <a:t>Lakehouse</a:t>
+            </a:r>
+            <a:endParaRPr lang="es-ES" sz="2400" b="1" dirty="0">
+              <a:solidFill>
+                <a:schemeClr val="accent1"/>
+              </a:solidFill>
+              <a:latin typeface="Montserrat" panose="00000500000000000000" pitchFamily="2" charset="0"/>
+              <a:cs typeface="Mongolian Baiti" panose="03000500000000000000" pitchFamily="66" charset="0"/>
+            </a:endParaRPr>
+          </a:p>
+        </p:txBody>
+      </p:sp>
+    </p:spTree>
+  </p:cSld>
+  <p:clrMapOvr>
+    <a:masterClrMapping/>
+  </p:clrMapOvr>
+  <mc:AlternateContent xmlns:mc="http://schemas.openxmlformats.org/markup-compatibility/2006" xmlns:p14="http://schemas.microsoft.com/office/powerpoint/2010/main">
+    <mc:Choice Requires="p14">
+      <p:transition spd="med" p14:dur="700">
+        <p:fade/>
+      </p:transition>
+    </mc:Choice>
+    <mc:Fallback xmlns="" xmlns:mv="urn:schemas-microsoft-com:mac:vml" xmlns:c="http://schemas.openxmlformats.org/drawingml/2006/chart" xmlns:dgm="http://schemas.openxmlformats.org/drawingml/2006/diagram" xmlns:o="urn:schemas-microsoft-com:office:office" xmlns:v="urn:schemas-microsoft-com:vml" xmlns:pvml="urn:schemas-microsoft-com:office:powerpoint" xmlns:com="http://schemas.openxmlformats.org/drawingml/2006/compatibility" xmlns:p15="http://schemas.microsoft.com/office/powerpoint/2012/main" xmlns:ahyp="http://schemas.microsoft.com/office/drawing/2018/hyperlinkcolor">
+      <p:transition spd="slow">
+        <p:fade/>
+      </p:transition>
+    </mc:Fallback>
+  </mc:AlternateContent>
+</p:sld>
+</file>
+
+<file path=ppt/slides/slide7.xml><?xml version="1.0" encoding="utf-8"?>
+<p:sld xmlns:a="http://schemas.openxmlformats.org/drawingml/2006/main" xmlns:r="http://schemas.openxmlformats.org/officeDocument/2006/relationships" xmlns:p="http://schemas.openxmlformats.org/presentationml/2006/main">
+  <p:cSld>
+    <p:spTree>
+      <p:nvGrpSpPr>
+        <p:cNvPr id="1" name=""/>
+        <p:cNvGrpSpPr/>
+        <p:nvPr/>
+      </p:nvGrpSpPr>
+      <p:grpSpPr>
+        <a:xfrm>
+          <a:off x="0" y="0"/>
+          <a:ext cx="0" cy="0"/>
+          <a:chOff x="0" y="0"/>
+          <a:chExt cx="0" cy="0"/>
+        </a:xfrm>
+      </p:grpSpPr>
+      <p:sp>
+        <p:nvSpPr>
+          <p:cNvPr id="8" name="Rectángulo 7">
+            <a:extLst>
+              <a:ext uri="{FF2B5EF4-FFF2-40B4-BE49-F238E27FC236}">
+                <a16:creationId xmlns:a16="http://schemas.microsoft.com/office/drawing/2014/main" id="{1665D657-1A33-5E52-7A15-905F0F68831D}"/>
+              </a:ext>
+            </a:extLst>
+          </p:cNvPr>
+          <p:cNvSpPr/>
+          <p:nvPr/>
+        </p:nvSpPr>
+        <p:spPr>
+          <a:xfrm>
+            <a:off x="1610816" y="3920608"/>
+            <a:ext cx="8970368" cy="792088"/>
+          </a:xfrm>
+          <a:prstGeom prst="rect">
+            <a:avLst/>
+          </a:prstGeom>
+          <a:solidFill>
+            <a:schemeClr val="accent1"/>
+          </a:solidFill>
+          <a:ln w="9525"/>
+        </p:spPr>
+        <p:style>
+          <a:lnRef idx="2">
+            <a:schemeClr val="accent1">
+              <a:shade val="15000"/>
+            </a:schemeClr>
+          </a:lnRef>
+          <a:fillRef idx="1">
+            <a:schemeClr val="accent1"/>
+          </a:fillRef>
+          <a:effectRef idx="0">
+            <a:schemeClr val="accent1"/>
+          </a:effectRef>
+          <a:fontRef idx="minor">
+            <a:schemeClr val="lt1"/>
+          </a:fontRef>
+        </p:style>
+        <p:txBody>
+          <a:bodyPr rtlCol="0" anchor="ctr"/>
+          <a:lstStyle/>
+          <a:p>
+            <a:pPr algn="ctr"/>
+            <a:r>
+              <a:rPr lang="es-ES" sz="1600" dirty="0"/>
+              <a:t>Modern Data </a:t>
+            </a:r>
+            <a:r>
+              <a:rPr lang="es-ES" sz="1600" dirty="0" err="1"/>
+              <a:t>Ecosistem</a:t>
+            </a:r>
+            <a:endParaRPr lang="es-ES" sz="1600" dirty="0"/>
+          </a:p>
+        </p:txBody>
+      </p:sp>
+      <p:sp>
+        <p:nvSpPr>
+          <p:cNvPr id="9" name="Rectángulo 8">
+            <a:extLst>
+              <a:ext uri="{FF2B5EF4-FFF2-40B4-BE49-F238E27FC236}">
+                <a16:creationId xmlns:a16="http://schemas.microsoft.com/office/drawing/2014/main" id="{A6AB4533-B371-E57F-5983-DADBF9F4C25C}"/>
+              </a:ext>
+            </a:extLst>
+          </p:cNvPr>
+          <p:cNvSpPr/>
+          <p:nvPr/>
+        </p:nvSpPr>
+        <p:spPr>
+          <a:xfrm>
+            <a:off x="1610816" y="2315602"/>
+            <a:ext cx="1301028" cy="1398042"/>
+          </a:xfrm>
+          <a:prstGeom prst="rect">
+            <a:avLst/>
+          </a:prstGeom>
+          <a:solidFill>
+            <a:srgbClr val="1E8BBC"/>
+          </a:solidFill>
+          <a:ln w="9525"/>
+        </p:spPr>
+        <p:style>
+          <a:lnRef idx="2">
+            <a:schemeClr val="accent1">
+              <a:shade val="15000"/>
+            </a:schemeClr>
+          </a:lnRef>
+          <a:fillRef idx="1">
+            <a:schemeClr val="accent1"/>
+          </a:fillRef>
+          <a:effectRef idx="0">
+            <a:schemeClr val="accent1"/>
+          </a:effectRef>
+          <a:fontRef idx="minor">
+            <a:schemeClr val="lt1"/>
+          </a:fontRef>
+        </p:style>
+        <p:txBody>
+          <a:bodyPr rtlCol="0" anchor="t"/>
+          <a:lstStyle/>
+          <a:p>
+            <a:pPr algn="ctr"/>
+            <a:r>
+              <a:rPr lang="es-ES" sz="1600" dirty="0" err="1"/>
+              <a:t>ETLs</a:t>
+            </a:r>
+            <a:endParaRPr lang="es-ES" sz="1600" dirty="0"/>
+          </a:p>
+        </p:txBody>
+      </p:sp>
+      <p:sp>
+        <p:nvSpPr>
+          <p:cNvPr id="10" name="Rectángulo 9">
+            <a:extLst>
+              <a:ext uri="{FF2B5EF4-FFF2-40B4-BE49-F238E27FC236}">
+                <a16:creationId xmlns:a16="http://schemas.microsoft.com/office/drawing/2014/main" id="{2D971373-4487-49C7-E2F1-24C3393BC6ED}"/>
+              </a:ext>
+            </a:extLst>
+          </p:cNvPr>
+          <p:cNvSpPr/>
+          <p:nvPr/>
+        </p:nvSpPr>
+        <p:spPr>
+          <a:xfrm>
+            <a:off x="3144684" y="2315602"/>
+            <a:ext cx="1301028" cy="1398042"/>
+          </a:xfrm>
+          <a:prstGeom prst="rect">
+            <a:avLst/>
+          </a:prstGeom>
+          <a:solidFill>
+            <a:srgbClr val="1E8BBC"/>
+          </a:solidFill>
+          <a:ln w="9525"/>
+        </p:spPr>
+        <p:style>
+          <a:lnRef idx="2">
+            <a:schemeClr val="accent1">
+              <a:shade val="15000"/>
+            </a:schemeClr>
+          </a:lnRef>
+          <a:fillRef idx="1">
+            <a:schemeClr val="accent1"/>
+          </a:fillRef>
+          <a:effectRef idx="0">
+            <a:schemeClr val="accent1"/>
+          </a:effectRef>
+          <a:fontRef idx="minor">
+            <a:schemeClr val="lt1"/>
+          </a:fontRef>
+        </p:style>
+        <p:txBody>
+          <a:bodyPr rtlCol="0" anchor="t"/>
+          <a:lstStyle/>
+          <a:p>
+            <a:pPr algn="ctr"/>
+            <a:r>
+              <a:rPr lang="es-ES" sz="1600" dirty="0"/>
+              <a:t>Data </a:t>
+            </a:r>
+            <a:r>
+              <a:rPr lang="es-ES" sz="1600" dirty="0" err="1"/>
+              <a:t>Warehouse</a:t>
+            </a:r>
+            <a:endParaRPr lang="es-ES" sz="1600" dirty="0"/>
+          </a:p>
+        </p:txBody>
+      </p:sp>
+      <p:sp>
+        <p:nvSpPr>
+          <p:cNvPr id="11" name="Rectángulo 10">
+            <a:extLst>
+              <a:ext uri="{FF2B5EF4-FFF2-40B4-BE49-F238E27FC236}">
+                <a16:creationId xmlns:a16="http://schemas.microsoft.com/office/drawing/2014/main" id="{583412B4-2574-5317-2292-87C049E2CF60}"/>
+              </a:ext>
+            </a:extLst>
+          </p:cNvPr>
+          <p:cNvSpPr/>
+          <p:nvPr/>
+        </p:nvSpPr>
+        <p:spPr>
+          <a:xfrm>
+            <a:off x="4678552" y="2315602"/>
+            <a:ext cx="1301028" cy="1398042"/>
+          </a:xfrm>
+          <a:prstGeom prst="rect">
+            <a:avLst/>
+          </a:prstGeom>
+          <a:solidFill>
+            <a:srgbClr val="1E8BBC"/>
+          </a:solidFill>
+          <a:ln w="9525"/>
+        </p:spPr>
+        <p:style>
+          <a:lnRef idx="2">
+            <a:schemeClr val="accent1">
+              <a:shade val="15000"/>
+            </a:schemeClr>
+          </a:lnRef>
+          <a:fillRef idx="1">
+            <a:schemeClr val="accent1"/>
+          </a:fillRef>
+          <a:effectRef idx="0">
+            <a:schemeClr val="accent1"/>
+          </a:effectRef>
+          <a:fontRef idx="minor">
+            <a:schemeClr val="lt1"/>
+          </a:fontRef>
+        </p:style>
+        <p:txBody>
+          <a:bodyPr rtlCol="0" anchor="t"/>
+          <a:lstStyle/>
+          <a:p>
+            <a:pPr algn="ctr"/>
+            <a:r>
+              <a:rPr lang="es-ES" sz="1600" dirty="0"/>
+              <a:t>Business </a:t>
+            </a:r>
+            <a:r>
+              <a:rPr lang="es-ES" sz="1600" dirty="0" err="1"/>
+              <a:t>Inteligence</a:t>
+            </a:r>
+            <a:endParaRPr lang="es-ES" sz="1600" dirty="0"/>
+          </a:p>
+        </p:txBody>
+      </p:sp>
+      <p:sp>
+        <p:nvSpPr>
+          <p:cNvPr id="12" name="Rectángulo 11">
+            <a:extLst>
+              <a:ext uri="{FF2B5EF4-FFF2-40B4-BE49-F238E27FC236}">
+                <a16:creationId xmlns:a16="http://schemas.microsoft.com/office/drawing/2014/main" id="{72F95259-7ECF-599E-56F7-FC6D60EFA1D9}"/>
+              </a:ext>
+            </a:extLst>
+          </p:cNvPr>
+          <p:cNvSpPr/>
+          <p:nvPr/>
+        </p:nvSpPr>
+        <p:spPr>
+          <a:xfrm>
+            <a:off x="6212420" y="2315602"/>
+            <a:ext cx="1301028" cy="1398042"/>
+          </a:xfrm>
+          <a:prstGeom prst="rect">
+            <a:avLst/>
+          </a:prstGeom>
+          <a:solidFill>
+            <a:srgbClr val="1E8BBC"/>
+          </a:solidFill>
+          <a:ln w="9525"/>
+        </p:spPr>
+        <p:style>
+          <a:lnRef idx="2">
+            <a:schemeClr val="accent1">
+              <a:shade val="15000"/>
+            </a:schemeClr>
+          </a:lnRef>
+          <a:fillRef idx="1">
+            <a:schemeClr val="accent1"/>
+          </a:fillRef>
+          <a:effectRef idx="0">
+            <a:schemeClr val="accent1"/>
+          </a:effectRef>
+          <a:fontRef idx="minor">
+            <a:schemeClr val="lt1"/>
+          </a:fontRef>
+        </p:style>
+        <p:txBody>
+          <a:bodyPr rtlCol="0" anchor="t"/>
+          <a:lstStyle/>
+          <a:p>
+            <a:pPr algn="ctr"/>
+            <a:r>
+              <a:rPr lang="es-ES" sz="1600" dirty="0"/>
+              <a:t>Data Cloud Storage</a:t>
+            </a:r>
+          </a:p>
+        </p:txBody>
+      </p:sp>
+      <p:sp>
+        <p:nvSpPr>
+          <p:cNvPr id="13" name="Rectángulo 12">
+            <a:extLst>
+              <a:ext uri="{FF2B5EF4-FFF2-40B4-BE49-F238E27FC236}">
+                <a16:creationId xmlns:a16="http://schemas.microsoft.com/office/drawing/2014/main" id="{F0C50565-4B8F-02A6-AA75-B4A6E74A6CDD}"/>
+              </a:ext>
+            </a:extLst>
+          </p:cNvPr>
+          <p:cNvSpPr/>
+          <p:nvPr/>
+        </p:nvSpPr>
+        <p:spPr>
+          <a:xfrm>
+            <a:off x="7746288" y="2315602"/>
+            <a:ext cx="1301028" cy="1398042"/>
+          </a:xfrm>
+          <a:prstGeom prst="rect">
+            <a:avLst/>
+          </a:prstGeom>
+          <a:solidFill>
+            <a:srgbClr val="1E8BBC"/>
+          </a:solidFill>
+          <a:ln w="9525"/>
+        </p:spPr>
+        <p:style>
+          <a:lnRef idx="2">
+            <a:schemeClr val="accent1">
+              <a:shade val="15000"/>
+            </a:schemeClr>
+          </a:lnRef>
+          <a:fillRef idx="1">
+            <a:schemeClr val="accent1"/>
+          </a:fillRef>
+          <a:effectRef idx="0">
+            <a:schemeClr val="accent1"/>
+          </a:effectRef>
+          <a:fontRef idx="minor">
+            <a:schemeClr val="lt1"/>
+          </a:fontRef>
+        </p:style>
+        <p:txBody>
+          <a:bodyPr rtlCol="0" anchor="t"/>
+          <a:lstStyle/>
+          <a:p>
+            <a:pPr algn="ctr"/>
+            <a:r>
+              <a:rPr lang="es-ES" sz="1600" dirty="0"/>
+              <a:t>IA</a:t>
+            </a:r>
+          </a:p>
+        </p:txBody>
+      </p:sp>
+      <p:sp>
+        <p:nvSpPr>
+          <p:cNvPr id="14" name="Rectángulo 13">
+            <a:extLst>
+              <a:ext uri="{FF2B5EF4-FFF2-40B4-BE49-F238E27FC236}">
+                <a16:creationId xmlns:a16="http://schemas.microsoft.com/office/drawing/2014/main" id="{C80FBC1F-1B13-7E24-E3AE-FE981BCE447A}"/>
+              </a:ext>
+            </a:extLst>
+          </p:cNvPr>
+          <p:cNvSpPr/>
+          <p:nvPr/>
+        </p:nvSpPr>
+        <p:spPr>
+          <a:xfrm>
+            <a:off x="9280156" y="2315602"/>
+            <a:ext cx="1301028" cy="1398042"/>
+          </a:xfrm>
+          <a:prstGeom prst="rect">
+            <a:avLst/>
+          </a:prstGeom>
+          <a:solidFill>
+            <a:srgbClr val="1E8BBC"/>
+          </a:solidFill>
+          <a:ln w="9525"/>
+        </p:spPr>
+        <p:style>
+          <a:lnRef idx="2">
+            <a:schemeClr val="accent1">
+              <a:shade val="15000"/>
+            </a:schemeClr>
+          </a:lnRef>
+          <a:fillRef idx="1">
+            <a:schemeClr val="accent1"/>
+          </a:fillRef>
+          <a:effectRef idx="0">
+            <a:schemeClr val="accent1"/>
+          </a:effectRef>
+          <a:fontRef idx="minor">
+            <a:schemeClr val="lt1"/>
+          </a:fontRef>
+        </p:style>
+        <p:txBody>
+          <a:bodyPr rtlCol="0" anchor="t"/>
+          <a:lstStyle/>
+          <a:p>
+            <a:pPr algn="ctr"/>
+            <a:r>
+              <a:rPr lang="es-ES" sz="1600" dirty="0" err="1"/>
+              <a:t>Governance</a:t>
+            </a:r>
+            <a:endParaRPr lang="es-ES" sz="1600" dirty="0"/>
+          </a:p>
+        </p:txBody>
+      </p:sp>
+      <p:sp>
+        <p:nvSpPr>
+          <p:cNvPr id="2" name="Google Shape;274;g35ee5cc475b_0_15">
+            <a:extLst>
+              <a:ext uri="{FF2B5EF4-FFF2-40B4-BE49-F238E27FC236}">
+                <a16:creationId xmlns:a16="http://schemas.microsoft.com/office/drawing/2014/main" id="{AFD85734-DA86-B218-F039-8C3EB13E716E}"/>
+              </a:ext>
+            </a:extLst>
+          </p:cNvPr>
+          <p:cNvSpPr txBox="1">
+            <a:spLocks/>
+          </p:cNvSpPr>
+          <p:nvPr/>
+        </p:nvSpPr>
+        <p:spPr>
+          <a:xfrm>
+            <a:off x="350164" y="174352"/>
+            <a:ext cx="7886700" cy="543600"/>
+          </a:xfrm>
+          <a:prstGeom prst="rect">
+            <a:avLst/>
+          </a:prstGeom>
+          <a:noFill/>
+          <a:ln>
+            <a:noFill/>
+          </a:ln>
+        </p:spPr>
+        <p:txBody>
+          <a:bodyPr spcFirstLastPara="1" vert="horz" wrap="square" lIns="91425" tIns="45700" rIns="91425" bIns="45700" rtlCol="0" anchor="ctr" anchorCtr="0">
+            <a:normAutofit/>
+          </a:bodyPr>
+          <a:lstStyle>
+            <a:lvl1pPr algn="ctr" defTabSz="914400" rtl="0" eaLnBrk="1" latinLnBrk="0" hangingPunct="1">
+              <a:lnSpc>
+                <a:spcPct val="90000"/>
+              </a:lnSpc>
+              <a:spcBef>
+                <a:spcPct val="0"/>
+              </a:spcBef>
+              <a:buNone/>
+              <a:defRPr sz="6000" kern="1200">
+                <a:solidFill>
+                  <a:schemeClr val="tx1"/>
+                </a:solidFill>
+                <a:latin typeface="+mj-lt"/>
+                <a:ea typeface="+mj-ea"/>
+                <a:cs typeface="+mj-cs"/>
+              </a:defRPr>
+            </a:lvl1pPr>
+          </a:lstStyle>
+          <a:p>
+            <a:pPr algn="l">
+              <a:spcBef>
+                <a:spcPts val="0"/>
+              </a:spcBef>
+              <a:buClr>
+                <a:schemeClr val="dk1"/>
+              </a:buClr>
+              <a:buSzPts val="2400"/>
+            </a:pPr>
+            <a:r>
+              <a:rPr lang="es-ES" sz="2400" b="1" dirty="0" err="1">
+                <a:latin typeface="Montserrat" panose="00000500000000000000" pitchFamily="2" charset="0"/>
+                <a:cs typeface="Mongolian Baiti" panose="03000500000000000000" pitchFamily="66" charset="0"/>
+              </a:rPr>
+              <a:t>Databricks</a:t>
+            </a:r>
+            <a:r>
+              <a:rPr lang="es-ES" sz="2400" b="1" dirty="0">
+                <a:latin typeface="Montserrat" panose="00000500000000000000" pitchFamily="2" charset="0"/>
+                <a:cs typeface="Mongolian Baiti" panose="03000500000000000000" pitchFamily="66" charset="0"/>
+              </a:rPr>
+              <a:t> </a:t>
+            </a:r>
+            <a:r>
+              <a:rPr lang="es-ES" sz="2400" b="1" dirty="0">
+                <a:solidFill>
+                  <a:schemeClr val="accent1"/>
+                </a:solidFill>
+                <a:latin typeface="Montserrat" panose="00000500000000000000" pitchFamily="2" charset="0"/>
+                <a:cs typeface="Mongolian Baiti" panose="03000500000000000000" pitchFamily="66" charset="0"/>
+              </a:rPr>
+              <a:t>| Ecosistema de Datos I</a:t>
+            </a:r>
+          </a:p>
+        </p:txBody>
+      </p:sp>
+      <p:pic>
+        <p:nvPicPr>
+          <p:cNvPr id="6" name="Imagen 5" descr="Icono&#10;&#10;El contenido generado por IA puede ser incorrecto.">
+            <a:extLst>
+              <a:ext uri="{FF2B5EF4-FFF2-40B4-BE49-F238E27FC236}">
+                <a16:creationId xmlns:a16="http://schemas.microsoft.com/office/drawing/2014/main" id="{1E3AAB99-2CD8-172D-3619-2C4059B12905}"/>
+              </a:ext>
+            </a:extLst>
+          </p:cNvPr>
+          <p:cNvPicPr>
+            <a:picLocks noChangeAspect="1"/>
+          </p:cNvPicPr>
+          <p:nvPr/>
+        </p:nvPicPr>
+        <p:blipFill>
+          <a:blip r:embed="rId2">
+            <a:extLst>
+              <a:ext uri="{28A0092B-C50C-407E-A947-70E740481C1C}">
+                <a14:useLocalDpi xmlns:a14="http://schemas.microsoft.com/office/drawing/2010/main" val="0"/>
+              </a:ext>
+            </a:extLst>
+          </a:blip>
+          <a:stretch>
+            <a:fillRect/>
+          </a:stretch>
+        </p:blipFill>
+        <p:spPr>
+          <a:xfrm>
+            <a:off x="1839763" y="4998051"/>
+            <a:ext cx="296195" cy="296195"/>
+          </a:xfrm>
+          <a:prstGeom prst="rect">
+            <a:avLst/>
+          </a:prstGeom>
+        </p:spPr>
+      </p:pic>
+      <p:pic>
+        <p:nvPicPr>
+          <p:cNvPr id="17" name="Imagen 16" descr="Icono&#10;&#10;El contenido generado por IA puede ser incorrecto.">
+            <a:extLst>
+              <a:ext uri="{FF2B5EF4-FFF2-40B4-BE49-F238E27FC236}">
+                <a16:creationId xmlns:a16="http://schemas.microsoft.com/office/drawing/2014/main" id="{CA586C10-B1CF-719F-DA91-90AC62A23AC5}"/>
+              </a:ext>
+            </a:extLst>
+          </p:cNvPr>
+          <p:cNvPicPr>
+            <a:picLocks noChangeAspect="1"/>
+          </p:cNvPicPr>
+          <p:nvPr/>
+        </p:nvPicPr>
+        <p:blipFill>
+          <a:blip r:embed="rId3">
+            <a:extLst>
+              <a:ext uri="{28A0092B-C50C-407E-A947-70E740481C1C}">
+                <a14:useLocalDpi xmlns:a14="http://schemas.microsoft.com/office/drawing/2010/main" val="0"/>
+              </a:ext>
+            </a:extLst>
+          </a:blip>
+          <a:stretch>
+            <a:fillRect/>
+          </a:stretch>
+        </p:blipFill>
+        <p:spPr>
+          <a:xfrm>
+            <a:off x="5223464" y="3221931"/>
+            <a:ext cx="296195" cy="296195"/>
+          </a:xfrm>
+          <a:prstGeom prst="rect">
+            <a:avLst/>
+          </a:prstGeom>
+        </p:spPr>
+      </p:pic>
+      <p:pic>
+        <p:nvPicPr>
+          <p:cNvPr id="21" name="Imagen 20" descr="Un dibujo de un perro&#10;&#10;El contenido generado por IA puede ser incorrecto.">
+            <a:extLst>
+              <a:ext uri="{FF2B5EF4-FFF2-40B4-BE49-F238E27FC236}">
+                <a16:creationId xmlns:a16="http://schemas.microsoft.com/office/drawing/2014/main" id="{B8E03813-0F57-F392-E0BE-A8A141C75D6A}"/>
+              </a:ext>
+            </a:extLst>
+          </p:cNvPr>
+          <p:cNvPicPr>
+            <a:picLocks noChangeAspect="1"/>
+          </p:cNvPicPr>
+          <p:nvPr/>
+        </p:nvPicPr>
+        <p:blipFill>
+          <a:blip r:embed="rId4">
+            <a:extLst>
+              <a:ext uri="{28A0092B-C50C-407E-A947-70E740481C1C}">
+                <a14:useLocalDpi xmlns:a14="http://schemas.microsoft.com/office/drawing/2010/main" val="0"/>
+              </a:ext>
+            </a:extLst>
+          </a:blip>
+          <a:stretch>
+            <a:fillRect/>
+          </a:stretch>
+        </p:blipFill>
+        <p:spPr>
+          <a:xfrm>
+            <a:off x="6714836" y="3216655"/>
+            <a:ext cx="296195" cy="296195"/>
+          </a:xfrm>
+          <a:prstGeom prst="rect">
+            <a:avLst/>
+          </a:prstGeom>
+        </p:spPr>
+      </p:pic>
+      <p:pic>
+        <p:nvPicPr>
+          <p:cNvPr id="25" name="Imagen 24">
+            <a:extLst>
+              <a:ext uri="{FF2B5EF4-FFF2-40B4-BE49-F238E27FC236}">
+                <a16:creationId xmlns:a16="http://schemas.microsoft.com/office/drawing/2014/main" id="{8DF465CB-6CCB-4EDF-C10A-63D56E33D1AE}"/>
+              </a:ext>
+            </a:extLst>
+          </p:cNvPr>
+          <p:cNvPicPr>
+            <a:picLocks noChangeAspect="1"/>
+          </p:cNvPicPr>
+          <p:nvPr/>
+        </p:nvPicPr>
+        <p:blipFill>
+          <a:blip r:embed="rId5">
+            <a:extLst>
+              <a:ext uri="{28A0092B-C50C-407E-A947-70E740481C1C}">
+                <a14:useLocalDpi xmlns:a14="http://schemas.microsoft.com/office/drawing/2010/main" val="0"/>
+              </a:ext>
+            </a:extLst>
+          </a:blip>
+          <a:stretch>
+            <a:fillRect/>
+          </a:stretch>
+        </p:blipFill>
+        <p:spPr>
+          <a:xfrm>
+            <a:off x="3647100" y="3221932"/>
+            <a:ext cx="296195" cy="296195"/>
+          </a:xfrm>
+          <a:prstGeom prst="rect">
+            <a:avLst/>
+          </a:prstGeom>
+        </p:spPr>
+      </p:pic>
+      <p:pic>
+        <p:nvPicPr>
+          <p:cNvPr id="27" name="Imagen 26" descr="Texto, Icono&#10;&#10;El contenido generado por IA puede ser incorrecto.">
+            <a:extLst>
+              <a:ext uri="{FF2B5EF4-FFF2-40B4-BE49-F238E27FC236}">
+                <a16:creationId xmlns:a16="http://schemas.microsoft.com/office/drawing/2014/main" id="{70E96256-4F72-0B7F-7E7E-05B3D959A978}"/>
+              </a:ext>
+            </a:extLst>
+          </p:cNvPr>
+          <p:cNvPicPr>
+            <a:picLocks noChangeAspect="1"/>
+          </p:cNvPicPr>
+          <p:nvPr/>
+        </p:nvPicPr>
+        <p:blipFill>
+          <a:blip r:embed="rId6">
+            <a:extLst>
+              <a:ext uri="{28A0092B-C50C-407E-A947-70E740481C1C}">
+                <a14:useLocalDpi xmlns:a14="http://schemas.microsoft.com/office/drawing/2010/main" val="0"/>
+              </a:ext>
+            </a:extLst>
+          </a:blip>
+          <a:stretch>
+            <a:fillRect/>
+          </a:stretch>
+        </p:blipFill>
+        <p:spPr>
+          <a:xfrm>
+            <a:off x="2121148" y="3207123"/>
+            <a:ext cx="325815" cy="325815"/>
+          </a:xfrm>
+          <a:prstGeom prst="rect">
+            <a:avLst/>
+          </a:prstGeom>
+        </p:spPr>
+      </p:pic>
+      <p:pic>
+        <p:nvPicPr>
+          <p:cNvPr id="31" name="Imagen 30" descr="Icono&#10;&#10;El contenido generado por IA puede ser incorrecto.">
+            <a:extLst>
+              <a:ext uri="{FF2B5EF4-FFF2-40B4-BE49-F238E27FC236}">
+                <a16:creationId xmlns:a16="http://schemas.microsoft.com/office/drawing/2014/main" id="{D6BAF803-96A5-C794-D51D-BD9FDBC81BF3}"/>
+              </a:ext>
+            </a:extLst>
+          </p:cNvPr>
+          <p:cNvPicPr>
+            <a:picLocks noChangeAspect="1"/>
+          </p:cNvPicPr>
+          <p:nvPr/>
+        </p:nvPicPr>
+        <p:blipFill>
+          <a:blip r:embed="rId7">
+            <a:extLst>
+              <a:ext uri="{28A0092B-C50C-407E-A947-70E740481C1C}">
+                <a14:useLocalDpi xmlns:a14="http://schemas.microsoft.com/office/drawing/2010/main" val="0"/>
+              </a:ext>
+            </a:extLst>
+          </a:blip>
+          <a:stretch>
+            <a:fillRect/>
+          </a:stretch>
+        </p:blipFill>
+        <p:spPr>
+          <a:xfrm>
+            <a:off x="9782572" y="3214352"/>
+            <a:ext cx="296195" cy="296195"/>
+          </a:xfrm>
+          <a:prstGeom prst="rect">
+            <a:avLst/>
+          </a:prstGeom>
+        </p:spPr>
+      </p:pic>
+      <p:pic>
+        <p:nvPicPr>
+          <p:cNvPr id="37" name="Imagen 36" descr="Un dibujo de una cara feliz&#10;&#10;El contenido generado por IA puede ser incorrecto.">
+            <a:extLst>
+              <a:ext uri="{FF2B5EF4-FFF2-40B4-BE49-F238E27FC236}">
+                <a16:creationId xmlns:a16="http://schemas.microsoft.com/office/drawing/2014/main" id="{402B7CFE-F628-CF1A-FF8B-6F6C88A65187}"/>
+              </a:ext>
+            </a:extLst>
+          </p:cNvPr>
+          <p:cNvPicPr>
+            <a:picLocks noChangeAspect="1"/>
+          </p:cNvPicPr>
+          <p:nvPr/>
+        </p:nvPicPr>
+        <p:blipFill>
+          <a:blip r:embed="rId8">
+            <a:extLst>
+              <a:ext uri="{28A0092B-C50C-407E-A947-70E740481C1C}">
+                <a14:useLocalDpi xmlns:a14="http://schemas.microsoft.com/office/drawing/2010/main" val="0"/>
+              </a:ext>
+            </a:extLst>
+          </a:blip>
+          <a:stretch>
+            <a:fillRect/>
+          </a:stretch>
+        </p:blipFill>
+        <p:spPr>
+          <a:xfrm>
+            <a:off x="8248704" y="3216655"/>
+            <a:ext cx="296195" cy="296195"/>
+          </a:xfrm>
+          <a:prstGeom prst="rect">
+            <a:avLst/>
+          </a:prstGeom>
+        </p:spPr>
+      </p:pic>
+    </p:spTree>
+    <p:extLst>
+      <p:ext uri="{BB962C8B-B14F-4D97-AF65-F5344CB8AC3E}">
+        <p14:creationId xmlns:p14="http://schemas.microsoft.com/office/powerpoint/2010/main" val="3139106149"/>
+      </p:ext>
+    </p:extLst>
+  </p:cSld>
+  <p:clrMapOvr>
+    <a:masterClrMapping/>
+  </p:clrMapOvr>
+</p:sld>
+</file>
+
+<file path=ppt/slides/slide8.xml><?xml version="1.0" encoding="utf-8"?>
+<p:sld xmlns:a="http://schemas.openxmlformats.org/drawingml/2006/main" xmlns:r="http://schemas.openxmlformats.org/officeDocument/2006/relationships" xmlns:p="http://schemas.openxmlformats.org/presentationml/2006/main">
+  <p:cSld>
+    <p:spTree>
+      <p:nvGrpSpPr>
+        <p:cNvPr id="1" name=""/>
+        <p:cNvGrpSpPr/>
+        <p:nvPr/>
+      </p:nvGrpSpPr>
+      <p:grpSpPr>
+        <a:xfrm>
+          <a:off x="0" y="0"/>
+          <a:ext cx="0" cy="0"/>
+          <a:chOff x="0" y="0"/>
+          <a:chExt cx="0" cy="0"/>
+        </a:xfrm>
+      </p:grpSpPr>
+      <p:pic>
+        <p:nvPicPr>
+          <p:cNvPr id="5" name="Marcador de contenido 4" descr="Diagrama&#10;&#10;El contenido generado por IA puede ser incorrecto.">
+            <a:extLst>
+              <a:ext uri="{FF2B5EF4-FFF2-40B4-BE49-F238E27FC236}">
+                <a16:creationId xmlns:a16="http://schemas.microsoft.com/office/drawing/2014/main" id="{BDE07CA8-0623-C9E6-84FF-E8342EFE24F6}"/>
+              </a:ext>
+            </a:extLst>
+          </p:cNvPr>
+          <p:cNvPicPr>
+            <a:picLocks noGrp="1" noChangeAspect="1"/>
+          </p:cNvPicPr>
+          <p:nvPr>
+            <p:ph idx="1"/>
+          </p:nvPr>
+        </p:nvPicPr>
+        <p:blipFill>
+          <a:blip r:embed="rId2">
+            <a:extLst>
+              <a:ext uri="{28A0092B-C50C-407E-A947-70E740481C1C}">
+                <a14:useLocalDpi xmlns:a14="http://schemas.microsoft.com/office/drawing/2010/main" val="0"/>
+              </a:ext>
+            </a:extLst>
+          </a:blip>
+          <a:stretch>
+            <a:fillRect/>
+          </a:stretch>
+        </p:blipFill>
+        <p:spPr>
+          <a:xfrm>
+            <a:off x="853793" y="1253331"/>
+            <a:ext cx="4667243" cy="4351338"/>
+          </a:xfrm>
+        </p:spPr>
+      </p:pic>
+      <p:sp>
+        <p:nvSpPr>
+          <p:cNvPr id="2" name="Google Shape;274;g35ee5cc475b_0_15">
+            <a:extLst>
+              <a:ext uri="{FF2B5EF4-FFF2-40B4-BE49-F238E27FC236}">
+                <a16:creationId xmlns:a16="http://schemas.microsoft.com/office/drawing/2014/main" id="{612AB3A1-7738-9FEB-32B7-B887A6ECCED3}"/>
+              </a:ext>
+            </a:extLst>
+          </p:cNvPr>
+          <p:cNvSpPr txBox="1">
+            <a:spLocks/>
+          </p:cNvSpPr>
+          <p:nvPr/>
+        </p:nvSpPr>
+        <p:spPr>
+          <a:xfrm>
+            <a:off x="350164" y="174352"/>
+            <a:ext cx="7886700" cy="543600"/>
+          </a:xfrm>
+          <a:prstGeom prst="rect">
+            <a:avLst/>
+          </a:prstGeom>
+          <a:noFill/>
+          <a:ln>
+            <a:noFill/>
+          </a:ln>
+        </p:spPr>
+        <p:txBody>
+          <a:bodyPr spcFirstLastPara="1" vert="horz" wrap="square" lIns="91425" tIns="45700" rIns="91425" bIns="45700" rtlCol="0" anchor="ctr" anchorCtr="0">
+            <a:normAutofit/>
+          </a:bodyPr>
+          <a:lstStyle>
+            <a:lvl1pPr algn="ctr" defTabSz="914400" rtl="0" eaLnBrk="1" latinLnBrk="0" hangingPunct="1">
+              <a:lnSpc>
+                <a:spcPct val="90000"/>
+              </a:lnSpc>
+              <a:spcBef>
+                <a:spcPct val="0"/>
+              </a:spcBef>
+              <a:buNone/>
+              <a:defRPr sz="6000" kern="1200">
+                <a:solidFill>
+                  <a:schemeClr val="tx1"/>
+                </a:solidFill>
+                <a:latin typeface="+mj-lt"/>
+                <a:ea typeface="+mj-ea"/>
+                <a:cs typeface="+mj-cs"/>
+              </a:defRPr>
+            </a:lvl1pPr>
+          </a:lstStyle>
+          <a:p>
+            <a:pPr algn="l">
+              <a:spcBef>
+                <a:spcPts val="0"/>
+              </a:spcBef>
+              <a:buClr>
+                <a:schemeClr val="dk1"/>
+              </a:buClr>
+              <a:buSzPts val="2400"/>
+            </a:pPr>
+            <a:r>
+              <a:rPr lang="es-ES" sz="2400" b="1" dirty="0" err="1">
+                <a:latin typeface="Montserrat" panose="00000500000000000000" pitchFamily="2" charset="0"/>
+                <a:cs typeface="Mongolian Baiti" panose="03000500000000000000" pitchFamily="66" charset="0"/>
+              </a:rPr>
+              <a:t>Databricks</a:t>
+            </a:r>
+            <a:r>
+              <a:rPr lang="es-ES" sz="2400" b="1" dirty="0">
+                <a:latin typeface="Montserrat" panose="00000500000000000000" pitchFamily="2" charset="0"/>
+                <a:cs typeface="Mongolian Baiti" panose="03000500000000000000" pitchFamily="66" charset="0"/>
+              </a:rPr>
+              <a:t> </a:t>
+            </a:r>
+            <a:r>
+              <a:rPr lang="es-ES" sz="2400" b="1" dirty="0">
+                <a:solidFill>
+                  <a:schemeClr val="accent1"/>
+                </a:solidFill>
+                <a:latin typeface="Montserrat" panose="00000500000000000000" pitchFamily="2" charset="0"/>
+                <a:cs typeface="Mongolian Baiti" panose="03000500000000000000" pitchFamily="66" charset="0"/>
+              </a:rPr>
+              <a:t>| Ecosistema de Datos II</a:t>
+            </a:r>
+          </a:p>
+        </p:txBody>
+      </p:sp>
+      <p:pic>
+        <p:nvPicPr>
+          <p:cNvPr id="6" name="Imagen 5">
+            <a:extLst>
+              <a:ext uri="{FF2B5EF4-FFF2-40B4-BE49-F238E27FC236}">
+                <a16:creationId xmlns:a16="http://schemas.microsoft.com/office/drawing/2014/main" id="{4391BE9F-DEA1-1AAC-71CC-CACEA41ACB28}"/>
+              </a:ext>
+            </a:extLst>
+          </p:cNvPr>
+          <p:cNvPicPr>
+            <a:picLocks noChangeAspect="1"/>
+          </p:cNvPicPr>
+          <p:nvPr/>
+        </p:nvPicPr>
+        <p:blipFill>
+          <a:blip r:embed="rId3"/>
+          <a:stretch>
+            <a:fillRect/>
+          </a:stretch>
+        </p:blipFill>
+        <p:spPr>
+          <a:xfrm>
+            <a:off x="6255594" y="1420092"/>
+            <a:ext cx="4700446" cy="3491760"/>
+          </a:xfrm>
+          <a:prstGeom prst="rect">
+            <a:avLst/>
+          </a:prstGeom>
+        </p:spPr>
+      </p:pic>
+    </p:spTree>
+    <p:extLst>
+      <p:ext uri="{BB962C8B-B14F-4D97-AF65-F5344CB8AC3E}">
+        <p14:creationId xmlns:p14="http://schemas.microsoft.com/office/powerpoint/2010/main" val="2519917235"/>
+      </p:ext>
+    </p:extLst>
+  </p:cSld>
+  <p:clrMapOvr>
+    <a:masterClrMapping/>
+  </p:clrMapOvr>
+</p:sld>
+</file>
+
+<file path=ppt/slides/slide9.xml><?xml version="1.0" encoding="utf-8"?>
+<p:sld xmlns:a="http://schemas.openxmlformats.org/drawingml/2006/main" xmlns:r="http://schemas.openxmlformats.org/officeDocument/2006/relationships" xmlns:p="http://schemas.openxmlformats.org/presentationml/2006/main">
+  <p:cSld>
+    <p:bg>
+      <p:bgPr>
+        <a:solidFill>
+          <a:schemeClr val="tx2">
+            <a:lumMod val="75000"/>
+            <a:lumOff val="25000"/>
+          </a:schemeClr>
+        </a:solidFill>
+        <a:effectLst/>
+      </p:bgPr>
+    </p:bg>
+    <p:spTree>
+      <p:nvGrpSpPr>
+        <p:cNvPr id="1" name="">
+          <a:extLst>
+            <a:ext uri="{FF2B5EF4-FFF2-40B4-BE49-F238E27FC236}">
+              <a16:creationId xmlns:a16="http://schemas.microsoft.com/office/drawing/2014/main" id="{03A2ED0D-CF44-836B-BD91-A42D2BBE6ABE}"/>
+            </a:ext>
+          </a:extLst>
+        </p:cNvPr>
+        <p:cNvGrpSpPr/>
+        <p:nvPr/>
+      </p:nvGrpSpPr>
+      <p:grpSpPr>
+        <a:xfrm>
+          <a:off x="0" y="0"/>
+          <a:ext cx="0" cy="0"/>
+          <a:chOff x="0" y="0"/>
+          <a:chExt cx="0" cy="0"/>
+        </a:xfrm>
+      </p:grpSpPr>
+      <p:sp>
+        <p:nvSpPr>
+          <p:cNvPr id="5" name="CuadroTexto 4">
+            <a:extLst>
+              <a:ext uri="{FF2B5EF4-FFF2-40B4-BE49-F238E27FC236}">
+                <a16:creationId xmlns:a16="http://schemas.microsoft.com/office/drawing/2014/main" id="{3484776B-CB76-91C5-3D5E-E8A973BFA1AD}"/>
+              </a:ext>
+            </a:extLst>
+          </p:cNvPr>
+          <p:cNvSpPr txBox="1"/>
+          <p:nvPr/>
+        </p:nvSpPr>
+        <p:spPr>
+          <a:xfrm>
+            <a:off x="4007768" y="2537902"/>
+            <a:ext cx="4176464" cy="523220"/>
+          </a:xfrm>
+          <a:prstGeom prst="rect">
+            <a:avLst/>
+          </a:prstGeom>
+          <a:noFill/>
+        </p:spPr>
+        <p:txBody>
+          <a:bodyPr wrap="square" rtlCol="0">
+            <a:spAutoFit/>
+          </a:bodyPr>
+          <a:lstStyle/>
+          <a:p>
+            <a:pPr algn="ctr"/>
+            <a:r>
+              <a:rPr lang="es-ES" sz="2800" dirty="0">
+                <a:solidFill>
+                  <a:schemeClr val="bg1"/>
+                </a:solidFill>
+                <a:latin typeface="Montserrat" panose="00000500000000000000" pitchFamily="2" charset="0"/>
+              </a:rPr>
+              <a:t>CLUSTER</a:t>
+            </a:r>
+          </a:p>
+        </p:txBody>
+      </p:sp>
+    </p:spTree>
+    <p:extLst>
+      <p:ext uri="{BB962C8B-B14F-4D97-AF65-F5344CB8AC3E}">
+        <p14:creationId xmlns:p14="http://schemas.microsoft.com/office/powerpoint/2010/main" val="2609652619"/>
+      </p:ext>
+    </p:extLst>
+  </p:cSld>
+  <p:clrMapOvr>
+    <a:masterClrMapping/>
+  </p:clrMapOvr>
+</p:sld>
+</file>
+
 <file path=ppt/theme/theme1.xml><?xml version="1.0" encoding="utf-8"?>
 <a:theme xmlns:a="http://schemas.openxmlformats.org/drawingml/2006/main" name="Tema de Office">
   <a:themeElements>
